--- a/项目PPT/众包跑腿平台需求分析报告.pptx
+++ b/项目PPT/众包跑腿平台需求分析报告.pptx
@@ -5,7 +5,7 @@
     <p:sldMasterId id="2147483672" r:id="rId1"/>
   </p:sldMasterIdLst>
   <p:notesMasterIdLst>
-    <p:notesMasterId r:id="rId33"/>
+    <p:notesMasterId r:id="rId36"/>
   </p:notesMasterIdLst>
   <p:sldIdLst>
     <p:sldId id="301" r:id="rId2"/>
@@ -16,29 +16,32 @@
     <p:sldId id="323" r:id="rId7"/>
     <p:sldId id="310" r:id="rId8"/>
     <p:sldId id="327" r:id="rId9"/>
-    <p:sldId id="340" r:id="rId10"/>
-    <p:sldId id="320" r:id="rId11"/>
-    <p:sldId id="328" r:id="rId12"/>
-    <p:sldId id="329" r:id="rId13"/>
+    <p:sldId id="339" r:id="rId10"/>
+    <p:sldId id="329" r:id="rId11"/>
+    <p:sldId id="320" r:id="rId12"/>
+    <p:sldId id="324" r:id="rId13"/>
     <p:sldId id="311" r:id="rId14"/>
     <p:sldId id="321" r:id="rId15"/>
-    <p:sldId id="315" r:id="rId16"/>
-    <p:sldId id="325" r:id="rId17"/>
-    <p:sldId id="324" r:id="rId18"/>
-    <p:sldId id="330" r:id="rId19"/>
-    <p:sldId id="331" r:id="rId20"/>
-    <p:sldId id="342" r:id="rId21"/>
-    <p:sldId id="333" r:id="rId22"/>
-    <p:sldId id="332" r:id="rId23"/>
-    <p:sldId id="334" r:id="rId24"/>
-    <p:sldId id="335" r:id="rId25"/>
-    <p:sldId id="336" r:id="rId26"/>
-    <p:sldId id="341" r:id="rId27"/>
-    <p:sldId id="337" r:id="rId28"/>
-    <p:sldId id="338" r:id="rId29"/>
-    <p:sldId id="319" r:id="rId30"/>
-    <p:sldId id="326" r:id="rId31"/>
-    <p:sldId id="339" r:id="rId32"/>
+    <p:sldId id="328" r:id="rId16"/>
+    <p:sldId id="343" r:id="rId17"/>
+    <p:sldId id="345" r:id="rId18"/>
+    <p:sldId id="344" r:id="rId19"/>
+    <p:sldId id="340" r:id="rId20"/>
+    <p:sldId id="319" r:id="rId21"/>
+    <p:sldId id="315" r:id="rId22"/>
+    <p:sldId id="325" r:id="rId23"/>
+    <p:sldId id="330" r:id="rId24"/>
+    <p:sldId id="331" r:id="rId25"/>
+    <p:sldId id="342" r:id="rId26"/>
+    <p:sldId id="333" r:id="rId27"/>
+    <p:sldId id="332" r:id="rId28"/>
+    <p:sldId id="334" r:id="rId29"/>
+    <p:sldId id="335" r:id="rId30"/>
+    <p:sldId id="336" r:id="rId31"/>
+    <p:sldId id="341" r:id="rId32"/>
+    <p:sldId id="337" r:id="rId33"/>
+    <p:sldId id="338" r:id="rId34"/>
+    <p:sldId id="326" r:id="rId35"/>
   </p:sldIdLst>
   <p:sldSz cx="12192000" cy="6858000"/>
   <p:notesSz cx="6858000" cy="9144000"/>
@@ -239,7 +242,7 @@
             <a:fld id="{21E7729B-9D3E-4E69-A4E1-356C750C1967}" type="datetimeFigureOut">
               <a:rPr lang="zh-HK" altLang="en-US" smtClean="0"/>
               <a:pPr/>
-              <a:t>6/11/2018</a:t>
+              <a:t>17/3/2020</a:t>
             </a:fld>
             <a:endParaRPr lang="zh-HK" altLang="en-US"/>
           </a:p>
@@ -640,7 +643,7 @@
             <a:fld id="{BEA18431-54C4-4585-82AD-D4BDE8FCC787}" type="datetimeFigureOut">
               <a:rPr lang="zh-HK" altLang="en-US" smtClean="0"/>
               <a:pPr/>
-              <a:t>6/11/2018</a:t>
+              <a:t>17/3/2020</a:t>
             </a:fld>
             <a:endParaRPr lang="zh-HK" altLang="en-US"/>
           </a:p>
@@ -815,7 +818,7 @@
             <a:fld id="{BEA18431-54C4-4585-82AD-D4BDE8FCC787}" type="datetimeFigureOut">
               <a:rPr lang="zh-HK" altLang="en-US" smtClean="0"/>
               <a:pPr/>
-              <a:t>6/11/2018</a:t>
+              <a:t>17/3/2020</a:t>
             </a:fld>
             <a:endParaRPr lang="zh-HK" altLang="en-US"/>
           </a:p>
@@ -1000,7 +1003,7 @@
             <a:fld id="{BEA18431-54C4-4585-82AD-D4BDE8FCC787}" type="datetimeFigureOut">
               <a:rPr lang="zh-HK" altLang="en-US" smtClean="0"/>
               <a:pPr/>
-              <a:t>6/11/2018</a:t>
+              <a:t>17/3/2020</a:t>
             </a:fld>
             <a:endParaRPr lang="zh-HK" altLang="en-US"/>
           </a:p>
@@ -1175,7 +1178,7 @@
             <a:fld id="{BEA18431-54C4-4585-82AD-D4BDE8FCC787}" type="datetimeFigureOut">
               <a:rPr lang="zh-HK" altLang="en-US" smtClean="0"/>
               <a:pPr/>
-              <a:t>6/11/2018</a:t>
+              <a:t>17/3/2020</a:t>
             </a:fld>
             <a:endParaRPr lang="zh-HK" altLang="en-US"/>
           </a:p>
@@ -1426,7 +1429,7 @@
             <a:fld id="{BEA18431-54C4-4585-82AD-D4BDE8FCC787}" type="datetimeFigureOut">
               <a:rPr lang="zh-HK" altLang="en-US" smtClean="0"/>
               <a:pPr/>
-              <a:t>6/11/2018</a:t>
+              <a:t>17/3/2020</a:t>
             </a:fld>
             <a:endParaRPr lang="zh-HK" altLang="en-US"/>
           </a:p>
@@ -1663,7 +1666,7 @@
             <a:fld id="{BEA18431-54C4-4585-82AD-D4BDE8FCC787}" type="datetimeFigureOut">
               <a:rPr lang="zh-HK" altLang="en-US" smtClean="0"/>
               <a:pPr/>
-              <a:t>6/11/2018</a:t>
+              <a:t>17/3/2020</a:t>
             </a:fld>
             <a:endParaRPr lang="zh-HK" altLang="en-US"/>
           </a:p>
@@ -2035,7 +2038,7 @@
             <a:fld id="{BEA18431-54C4-4585-82AD-D4BDE8FCC787}" type="datetimeFigureOut">
               <a:rPr lang="zh-HK" altLang="en-US" smtClean="0"/>
               <a:pPr/>
-              <a:t>6/11/2018</a:t>
+              <a:t>17/3/2020</a:t>
             </a:fld>
             <a:endParaRPr lang="zh-HK" altLang="en-US"/>
           </a:p>
@@ -2158,7 +2161,7 @@
             <a:fld id="{BEA18431-54C4-4585-82AD-D4BDE8FCC787}" type="datetimeFigureOut">
               <a:rPr lang="zh-HK" altLang="en-US" smtClean="0"/>
               <a:pPr/>
-              <a:t>6/11/2018</a:t>
+              <a:t>17/3/2020</a:t>
             </a:fld>
             <a:endParaRPr lang="zh-HK" altLang="en-US"/>
           </a:p>
@@ -2258,7 +2261,7 @@
             <a:fld id="{BEA18431-54C4-4585-82AD-D4BDE8FCC787}" type="datetimeFigureOut">
               <a:rPr lang="zh-HK" altLang="en-US" smtClean="0"/>
               <a:pPr/>
-              <a:t>6/11/2018</a:t>
+              <a:t>17/3/2020</a:t>
             </a:fld>
             <a:endParaRPr lang="zh-HK" altLang="en-US"/>
           </a:p>
@@ -2540,7 +2543,7 @@
             <a:fld id="{BEA18431-54C4-4585-82AD-D4BDE8FCC787}" type="datetimeFigureOut">
               <a:rPr lang="zh-HK" altLang="en-US" smtClean="0"/>
               <a:pPr/>
-              <a:t>6/11/2018</a:t>
+              <a:t>17/3/2020</a:t>
             </a:fld>
             <a:endParaRPr lang="zh-HK" altLang="en-US"/>
           </a:p>
@@ -2802,7 +2805,7 @@
             <a:fld id="{BEA18431-54C4-4585-82AD-D4BDE8FCC787}" type="datetimeFigureOut">
               <a:rPr lang="zh-HK" altLang="en-US" smtClean="0"/>
               <a:pPr/>
-              <a:t>6/11/2018</a:t>
+              <a:t>17/3/2020</a:t>
             </a:fld>
             <a:endParaRPr lang="zh-HK" altLang="en-US"/>
           </a:p>
@@ -3029,7 +3032,7 @@
             <a:fld id="{BEA18431-54C4-4585-82AD-D4BDE8FCC787}" type="datetimeFigureOut">
               <a:rPr lang="zh-HK" altLang="en-US" smtClean="0"/>
               <a:pPr/>
-              <a:t>6/11/2018</a:t>
+              <a:t>17/3/2020</a:t>
             </a:fld>
             <a:endParaRPr lang="zh-HK" altLang="en-US"/>
           </a:p>
@@ -3688,6 +3691,286 @@
 </file>
 
 <file path=ppt/slides/slide10.xml><?xml version="1.0" encoding="utf-8"?>
+<p:sld xmlns:a="http://schemas.openxmlformats.org/drawingml/2006/main" xmlns:r="http://schemas.openxmlformats.org/officeDocument/2006/relationships" xmlns:p="http://schemas.openxmlformats.org/presentationml/2006/main">
+  <p:cSld>
+    <p:spTree>
+      <p:nvGrpSpPr>
+        <p:cNvPr id="1" name=""/>
+        <p:cNvGrpSpPr/>
+        <p:nvPr/>
+      </p:nvGrpSpPr>
+      <p:grpSpPr>
+        <a:xfrm>
+          <a:off x="0" y="0"/>
+          <a:ext cx="0" cy="0"/>
+          <a:chOff x="0" y="0"/>
+          <a:chExt cx="0" cy="0"/>
+        </a:xfrm>
+      </p:grpSpPr>
+      <p:grpSp>
+        <p:nvGrpSpPr>
+          <p:cNvPr id="2" name="组合 1"/>
+          <p:cNvGrpSpPr/>
+          <p:nvPr/>
+        </p:nvGrpSpPr>
+        <p:grpSpPr>
+          <a:xfrm>
+            <a:off x="159654" y="86955"/>
+            <a:ext cx="3444158" cy="986484"/>
+            <a:chOff x="0" y="174039"/>
+            <a:chExt cx="3444158" cy="986484"/>
+          </a:xfrm>
+        </p:grpSpPr>
+        <p:sp>
+          <p:nvSpPr>
+            <p:cNvPr id="3" name="文本框 2"/>
+            <p:cNvSpPr txBox="1"/>
+            <p:nvPr/>
+          </p:nvSpPr>
+          <p:spPr>
+            <a:xfrm>
+              <a:off x="267877" y="174039"/>
+              <a:ext cx="3176281" cy="646331"/>
+            </a:xfrm>
+            <a:prstGeom prst="rect">
+              <a:avLst/>
+            </a:prstGeom>
+            <a:noFill/>
+          </p:spPr>
+          <p:txBody>
+            <a:bodyPr wrap="square" rtlCol="0">
+              <a:spAutoFit/>
+            </a:bodyPr>
+            <a:lstStyle/>
+            <a:p>
+              <a:r>
+                <a:rPr lang="zh-CN" altLang="en-US" sz="3600" b="1" spc="300" dirty="0" smtClean="0">
+                  <a:solidFill>
+                    <a:srgbClr val="D7343F"/>
+                  </a:solidFill>
+                  <a:latin typeface="微软雅黑" panose="020B0503020204020204" pitchFamily="34" charset="-122"/>
+                  <a:ea typeface="微软雅黑" panose="020B0503020204020204" pitchFamily="34" charset="-122"/>
+                </a:rPr>
+                <a:t>可行性研究</a:t>
+              </a:r>
+              <a:endParaRPr lang="zh-HK" altLang="en-US" sz="3600" b="1" spc="300" dirty="0">
+                <a:solidFill>
+                  <a:srgbClr val="D7343F"/>
+                </a:solidFill>
+                <a:latin typeface="微软雅黑" panose="020B0503020204020204" pitchFamily="34" charset="-122"/>
+                <a:ea typeface="微软雅黑" panose="020B0503020204020204" pitchFamily="34" charset="-122"/>
+              </a:endParaRPr>
+            </a:p>
+          </p:txBody>
+        </p:sp>
+        <p:sp>
+          <p:nvSpPr>
+            <p:cNvPr id="4" name="文本框 3"/>
+            <p:cNvSpPr txBox="1"/>
+            <p:nvPr/>
+          </p:nvSpPr>
+          <p:spPr>
+            <a:xfrm>
+              <a:off x="267877" y="760413"/>
+              <a:ext cx="2620469" cy="400110"/>
+            </a:xfrm>
+            <a:prstGeom prst="rect">
+              <a:avLst/>
+            </a:prstGeom>
+            <a:noFill/>
+          </p:spPr>
+          <p:txBody>
+            <a:bodyPr wrap="square" rtlCol="0">
+              <a:spAutoFit/>
+            </a:bodyPr>
+            <a:lstStyle/>
+            <a:p>
+              <a:r>
+                <a:rPr lang="zh-CN" altLang="en-US" sz="2000" b="1" spc="300" dirty="0" smtClean="0">
+                  <a:solidFill>
+                    <a:srgbClr val="485766"/>
+                  </a:solidFill>
+                  <a:latin typeface="微软雅黑" panose="020B0503020204020204" pitchFamily="34" charset="-122"/>
+                  <a:ea typeface="微软雅黑" panose="020B0503020204020204" pitchFamily="34" charset="-122"/>
+                </a:rPr>
+                <a:t>拓扑图</a:t>
+              </a:r>
+              <a:endParaRPr lang="zh-HK" altLang="en-US" sz="2000" b="1" spc="300" dirty="0">
+                <a:solidFill>
+                  <a:srgbClr val="485766"/>
+                </a:solidFill>
+                <a:latin typeface="微软雅黑" panose="020B0503020204020204" pitchFamily="34" charset="-122"/>
+                <a:ea typeface="微软雅黑" panose="020B0503020204020204" pitchFamily="34" charset="-122"/>
+              </a:endParaRPr>
+            </a:p>
+          </p:txBody>
+        </p:sp>
+        <p:sp>
+          <p:nvSpPr>
+            <p:cNvPr id="5" name="矩形 4"/>
+            <p:cNvSpPr/>
+            <p:nvPr/>
+          </p:nvSpPr>
+          <p:spPr>
+            <a:xfrm>
+              <a:off x="0" y="260350"/>
+              <a:ext cx="201202" cy="831850"/>
+            </a:xfrm>
+            <a:prstGeom prst="rect">
+              <a:avLst/>
+            </a:prstGeom>
+            <a:solidFill>
+              <a:srgbClr val="D6343F"/>
+            </a:solidFill>
+            <a:ln>
+              <a:noFill/>
+            </a:ln>
+          </p:spPr>
+          <p:style>
+            <a:lnRef idx="2">
+              <a:schemeClr val="accent1">
+                <a:shade val="50000"/>
+              </a:schemeClr>
+            </a:lnRef>
+            <a:fillRef idx="1">
+              <a:schemeClr val="accent1"/>
+            </a:fillRef>
+            <a:effectRef idx="0">
+              <a:schemeClr val="accent1"/>
+            </a:effectRef>
+            <a:fontRef idx="minor">
+              <a:schemeClr val="lt1"/>
+            </a:fontRef>
+          </p:style>
+          <p:txBody>
+            <a:bodyPr rtlCol="0" anchor="ctr"/>
+            <a:lstStyle/>
+            <a:p>
+              <a:pPr algn="ctr"/>
+              <a:endParaRPr lang="zh-HK" altLang="en-US">
+                <a:solidFill>
+                  <a:srgbClr val="D7343F"/>
+                </a:solidFill>
+              </a:endParaRPr>
+            </a:p>
+          </p:txBody>
+        </p:sp>
+      </p:grpSp>
+      <p:pic>
+        <p:nvPicPr>
+          <p:cNvPr id="7" name="图片 6"/>
+          <p:cNvPicPr/>
+          <p:nvPr/>
+        </p:nvPicPr>
+        <p:blipFill>
+          <a:blip r:embed="rId2">
+            <a:extLst>
+              <a:ext uri="{28A0092B-C50C-407E-A947-70E740481C1C}">
+                <a14:useLocalDpi xmlns:a14="http://schemas.microsoft.com/office/drawing/2010/main" val="0"/>
+              </a:ext>
+            </a:extLst>
+          </a:blip>
+          <a:stretch>
+            <a:fillRect/>
+          </a:stretch>
+        </p:blipFill>
+        <p:spPr bwMode="auto">
+          <a:xfrm>
+            <a:off x="5151120" y="1005116"/>
+            <a:ext cx="6436048" cy="5562492"/>
+          </a:xfrm>
+          <a:prstGeom prst="rect">
+            <a:avLst/>
+          </a:prstGeom>
+          <a:noFill/>
+          <a:ln>
+            <a:noFill/>
+          </a:ln>
+        </p:spPr>
+      </p:pic>
+      <p:sp>
+        <p:nvSpPr>
+          <p:cNvPr id="8" name="文本框 7"/>
+          <p:cNvSpPr txBox="1"/>
+          <p:nvPr/>
+        </p:nvSpPr>
+        <p:spPr>
+          <a:xfrm>
+            <a:off x="744583" y="2076994"/>
+            <a:ext cx="3435531" cy="2537874"/>
+          </a:xfrm>
+          <a:prstGeom prst="rect">
+            <a:avLst/>
+          </a:prstGeom>
+          <a:noFill/>
+        </p:spPr>
+        <p:txBody>
+          <a:bodyPr wrap="square" rtlCol="0">
+            <a:spAutoFit/>
+          </a:bodyPr>
+          <a:lstStyle/>
+          <a:p>
+            <a:pPr>
+              <a:lnSpc>
+                <a:spcPct val="150000"/>
+              </a:lnSpc>
+            </a:pPr>
+            <a:r>
+              <a:rPr lang="zh-CN" altLang="zh-CN" dirty="0" smtClean="0"/>
+              <a:t>后台</a:t>
+            </a:r>
+            <a:r>
+              <a:rPr lang="zh-CN" altLang="zh-CN" dirty="0"/>
+              <a:t>管理系统以及客户端均由</a:t>
+            </a:r>
+            <a:r>
+              <a:rPr lang="en-US" altLang="zh-CN" dirty="0"/>
+              <a:t>restful </a:t>
+            </a:r>
+            <a:r>
+              <a:rPr lang="en-US" altLang="zh-CN" dirty="0" err="1"/>
+              <a:t>api</a:t>
+            </a:r>
+            <a:r>
+              <a:rPr lang="zh-CN" altLang="zh-CN" dirty="0"/>
+              <a:t>与后台交互，实现了前后端的分离，有利于把服务器的压力减小到最小，同时本系统还配备了</a:t>
+            </a:r>
+            <a:r>
+              <a:rPr lang="en-US" altLang="zh-CN" dirty="0" err="1"/>
+              <a:t>redis</a:t>
+            </a:r>
+            <a:r>
+              <a:rPr lang="zh-CN" altLang="zh-CN" dirty="0"/>
+              <a:t>缓存服务器，使系统更好的支持高并发访问。</a:t>
+            </a:r>
+            <a:endParaRPr lang="zh-CN" altLang="en-US" dirty="0"/>
+          </a:p>
+        </p:txBody>
+      </p:sp>
+    </p:spTree>
+    <p:extLst>
+      <p:ext uri="{BB962C8B-B14F-4D97-AF65-F5344CB8AC3E}">
+        <p14:creationId xmlns:p14="http://schemas.microsoft.com/office/powerpoint/2010/main" val="2254460004"/>
+      </p:ext>
+    </p:extLst>
+  </p:cSld>
+  <p:clrMapOvr>
+    <a:masterClrMapping/>
+  </p:clrMapOvr>
+  <p:transition>
+    <p:wipe/>
+  </p:transition>
+  <p:timing>
+    <p:tnLst>
+      <p:par>
+        <p:cTn id="1" dur="indefinite" restart="never" nodeType="tmRoot"/>
+      </p:par>
+    </p:tnLst>
+  </p:timing>
+</p:sld>
+</file>
+
+<file path=ppt/slides/slide11.xml><?xml version="1.0" encoding="utf-8"?>
 <p:sld xmlns:a="http://schemas.openxmlformats.org/drawingml/2006/main" xmlns:r="http://schemas.openxmlformats.org/officeDocument/2006/relationships" xmlns:p="http://schemas.openxmlformats.org/presentationml/2006/main">
   <p:cSld>
     <p:spTree>
@@ -4835,7 +5118,7 @@
 </p:sld>
 </file>
 
-<file path=ppt/slides/slide11.xml><?xml version="1.0" encoding="utf-8"?>
+<file path=ppt/slides/slide12.xml><?xml version="1.0" encoding="utf-8"?>
 <p:sld xmlns:a="http://schemas.openxmlformats.org/drawingml/2006/main" xmlns:r="http://schemas.openxmlformats.org/officeDocument/2006/relationships" xmlns:p="http://schemas.openxmlformats.org/presentationml/2006/main">
   <p:cSld>
     <p:spTree>
@@ -4896,7 +5179,7 @@
                   <a:latin typeface="微软雅黑" panose="020B0503020204020204" pitchFamily="34" charset="-122"/>
                   <a:ea typeface="微软雅黑" panose="020B0503020204020204" pitchFamily="34" charset="-122"/>
                 </a:rPr>
-                <a:t>可行性研究</a:t>
+                <a:t>需求分析</a:t>
               </a:r>
               <a:endParaRPr lang="zh-HK" altLang="en-US" sz="3600" b="1" spc="300" dirty="0">
                 <a:solidFill>
@@ -4938,7 +5221,7 @@
                   <a:latin typeface="微软雅黑" panose="020B0503020204020204" pitchFamily="34" charset="-122"/>
                   <a:ea typeface="微软雅黑" panose="020B0503020204020204" pitchFamily="34" charset="-122"/>
                 </a:rPr>
-                <a:t>整体架构</a:t>
+                <a:t>用例图</a:t>
               </a:r>
               <a:endParaRPr lang="zh-HK" altLang="en-US" sz="2000" b="1" spc="300" dirty="0">
                 <a:solidFill>
@@ -5004,25 +5287,69 @@
       <p:pic>
         <p:nvPicPr>
           <p:cNvPr id="6" name="图片 5"/>
-          <p:cNvPicPr/>
+          <p:cNvPicPr>
+            <a:picLocks noChangeAspect="1"/>
+          </p:cNvPicPr>
           <p:nvPr/>
         </p:nvPicPr>
         <p:blipFill>
-          <a:blip r:embed="rId2">
-            <a:extLst>
-              <a:ext uri="{28A0092B-C50C-407E-A947-70E740481C1C}">
-                <a14:useLocalDpi xmlns:a14="http://schemas.microsoft.com/office/drawing/2010/main" val="0"/>
-              </a:ext>
-            </a:extLst>
-          </a:blip>
+          <a:blip r:embed="rId2"/>
           <a:stretch>
             <a:fillRect/>
           </a:stretch>
         </p:blipFill>
         <p:spPr>
           <a:xfrm>
-            <a:off x="1972491" y="1005116"/>
-            <a:ext cx="7801747" cy="5382621"/>
+            <a:off x="0" y="1319660"/>
+            <a:ext cx="4750525" cy="4577719"/>
+          </a:xfrm>
+          <a:prstGeom prst="rect">
+            <a:avLst/>
+          </a:prstGeom>
+        </p:spPr>
+      </p:pic>
+      <p:pic>
+        <p:nvPicPr>
+          <p:cNvPr id="7" name="图片 6"/>
+          <p:cNvPicPr>
+            <a:picLocks noChangeAspect="1"/>
+          </p:cNvPicPr>
+          <p:nvPr/>
+        </p:nvPicPr>
+        <p:blipFill>
+          <a:blip r:embed="rId3"/>
+          <a:stretch>
+            <a:fillRect/>
+          </a:stretch>
+        </p:blipFill>
+        <p:spPr>
+          <a:xfrm>
+            <a:off x="7120741" y="1005116"/>
+            <a:ext cx="5448598" cy="4930547"/>
+          </a:xfrm>
+          <a:prstGeom prst="rect">
+            <a:avLst/>
+          </a:prstGeom>
+        </p:spPr>
+      </p:pic>
+      <p:pic>
+        <p:nvPicPr>
+          <p:cNvPr id="9" name="图片 8"/>
+          <p:cNvPicPr>
+            <a:picLocks noChangeAspect="1"/>
+          </p:cNvPicPr>
+          <p:nvPr/>
+        </p:nvPicPr>
+        <p:blipFill>
+          <a:blip r:embed="rId4"/>
+          <a:stretch>
+            <a:fillRect/>
+          </a:stretch>
+        </p:blipFill>
+        <p:spPr>
+          <a:xfrm>
+            <a:off x="3897522" y="1624148"/>
+            <a:ext cx="4396955" cy="3609703"/>
           </a:xfrm>
           <a:prstGeom prst="rect">
             <a:avLst/>
@@ -5032,287 +5359,7 @@
     </p:spTree>
     <p:extLst>
       <p:ext uri="{BB962C8B-B14F-4D97-AF65-F5344CB8AC3E}">
-        <p14:creationId xmlns:p14="http://schemas.microsoft.com/office/powerpoint/2010/main" val="3433222651"/>
-      </p:ext>
-    </p:extLst>
-  </p:cSld>
-  <p:clrMapOvr>
-    <a:masterClrMapping/>
-  </p:clrMapOvr>
-  <p:transition>
-    <p:wipe/>
-  </p:transition>
-  <p:timing>
-    <p:tnLst>
-      <p:par>
-        <p:cTn id="1" dur="indefinite" restart="never" nodeType="tmRoot"/>
-      </p:par>
-    </p:tnLst>
-  </p:timing>
-</p:sld>
-</file>
-
-<file path=ppt/slides/slide12.xml><?xml version="1.0" encoding="utf-8"?>
-<p:sld xmlns:a="http://schemas.openxmlformats.org/drawingml/2006/main" xmlns:r="http://schemas.openxmlformats.org/officeDocument/2006/relationships" xmlns:p="http://schemas.openxmlformats.org/presentationml/2006/main">
-  <p:cSld>
-    <p:spTree>
-      <p:nvGrpSpPr>
-        <p:cNvPr id="1" name=""/>
-        <p:cNvGrpSpPr/>
-        <p:nvPr/>
-      </p:nvGrpSpPr>
-      <p:grpSpPr>
-        <a:xfrm>
-          <a:off x="0" y="0"/>
-          <a:ext cx="0" cy="0"/>
-          <a:chOff x="0" y="0"/>
-          <a:chExt cx="0" cy="0"/>
-        </a:xfrm>
-      </p:grpSpPr>
-      <p:grpSp>
-        <p:nvGrpSpPr>
-          <p:cNvPr id="2" name="组合 1"/>
-          <p:cNvGrpSpPr/>
-          <p:nvPr/>
-        </p:nvGrpSpPr>
-        <p:grpSpPr>
-          <a:xfrm>
-            <a:off x="159654" y="86955"/>
-            <a:ext cx="3444158" cy="986484"/>
-            <a:chOff x="0" y="174039"/>
-            <a:chExt cx="3444158" cy="986484"/>
-          </a:xfrm>
-        </p:grpSpPr>
-        <p:sp>
-          <p:nvSpPr>
-            <p:cNvPr id="3" name="文本框 2"/>
-            <p:cNvSpPr txBox="1"/>
-            <p:nvPr/>
-          </p:nvSpPr>
-          <p:spPr>
-            <a:xfrm>
-              <a:off x="267877" y="174039"/>
-              <a:ext cx="3176281" cy="646331"/>
-            </a:xfrm>
-            <a:prstGeom prst="rect">
-              <a:avLst/>
-            </a:prstGeom>
-            <a:noFill/>
-          </p:spPr>
-          <p:txBody>
-            <a:bodyPr wrap="square" rtlCol="0">
-              <a:spAutoFit/>
-            </a:bodyPr>
-            <a:lstStyle/>
-            <a:p>
-              <a:r>
-                <a:rPr lang="zh-CN" altLang="en-US" sz="3600" b="1" spc="300" dirty="0" smtClean="0">
-                  <a:solidFill>
-                    <a:srgbClr val="D7343F"/>
-                  </a:solidFill>
-                  <a:latin typeface="微软雅黑" panose="020B0503020204020204" pitchFamily="34" charset="-122"/>
-                  <a:ea typeface="微软雅黑" panose="020B0503020204020204" pitchFamily="34" charset="-122"/>
-                </a:rPr>
-                <a:t>可行性研究</a:t>
-              </a:r>
-              <a:endParaRPr lang="zh-HK" altLang="en-US" sz="3600" b="1" spc="300" dirty="0">
-                <a:solidFill>
-                  <a:srgbClr val="D7343F"/>
-                </a:solidFill>
-                <a:latin typeface="微软雅黑" panose="020B0503020204020204" pitchFamily="34" charset="-122"/>
-                <a:ea typeface="微软雅黑" panose="020B0503020204020204" pitchFamily="34" charset="-122"/>
-              </a:endParaRPr>
-            </a:p>
-          </p:txBody>
-        </p:sp>
-        <p:sp>
-          <p:nvSpPr>
-            <p:cNvPr id="4" name="文本框 3"/>
-            <p:cNvSpPr txBox="1"/>
-            <p:nvPr/>
-          </p:nvSpPr>
-          <p:spPr>
-            <a:xfrm>
-              <a:off x="267877" y="760413"/>
-              <a:ext cx="2620469" cy="400110"/>
-            </a:xfrm>
-            <a:prstGeom prst="rect">
-              <a:avLst/>
-            </a:prstGeom>
-            <a:noFill/>
-          </p:spPr>
-          <p:txBody>
-            <a:bodyPr wrap="square" rtlCol="0">
-              <a:spAutoFit/>
-            </a:bodyPr>
-            <a:lstStyle/>
-            <a:p>
-              <a:r>
-                <a:rPr lang="zh-CN" altLang="en-US" sz="2000" b="1" spc="300" dirty="0" smtClean="0">
-                  <a:solidFill>
-                    <a:srgbClr val="485766"/>
-                  </a:solidFill>
-                  <a:latin typeface="微软雅黑" panose="020B0503020204020204" pitchFamily="34" charset="-122"/>
-                  <a:ea typeface="微软雅黑" panose="020B0503020204020204" pitchFamily="34" charset="-122"/>
-                </a:rPr>
-                <a:t>拓扑图</a:t>
-              </a:r>
-              <a:endParaRPr lang="zh-HK" altLang="en-US" sz="2000" b="1" spc="300" dirty="0">
-                <a:solidFill>
-                  <a:srgbClr val="485766"/>
-                </a:solidFill>
-                <a:latin typeface="微软雅黑" panose="020B0503020204020204" pitchFamily="34" charset="-122"/>
-                <a:ea typeface="微软雅黑" panose="020B0503020204020204" pitchFamily="34" charset="-122"/>
-              </a:endParaRPr>
-            </a:p>
-          </p:txBody>
-        </p:sp>
-        <p:sp>
-          <p:nvSpPr>
-            <p:cNvPr id="5" name="矩形 4"/>
-            <p:cNvSpPr/>
-            <p:nvPr/>
-          </p:nvSpPr>
-          <p:spPr>
-            <a:xfrm>
-              <a:off x="0" y="260350"/>
-              <a:ext cx="201202" cy="831850"/>
-            </a:xfrm>
-            <a:prstGeom prst="rect">
-              <a:avLst/>
-            </a:prstGeom>
-            <a:solidFill>
-              <a:srgbClr val="D6343F"/>
-            </a:solidFill>
-            <a:ln>
-              <a:noFill/>
-            </a:ln>
-          </p:spPr>
-          <p:style>
-            <a:lnRef idx="2">
-              <a:schemeClr val="accent1">
-                <a:shade val="50000"/>
-              </a:schemeClr>
-            </a:lnRef>
-            <a:fillRef idx="1">
-              <a:schemeClr val="accent1"/>
-            </a:fillRef>
-            <a:effectRef idx="0">
-              <a:schemeClr val="accent1"/>
-            </a:effectRef>
-            <a:fontRef idx="minor">
-              <a:schemeClr val="lt1"/>
-            </a:fontRef>
-          </p:style>
-          <p:txBody>
-            <a:bodyPr rtlCol="0" anchor="ctr"/>
-            <a:lstStyle/>
-            <a:p>
-              <a:pPr algn="ctr"/>
-              <a:endParaRPr lang="zh-HK" altLang="en-US">
-                <a:solidFill>
-                  <a:srgbClr val="D7343F"/>
-                </a:solidFill>
-              </a:endParaRPr>
-            </a:p>
-          </p:txBody>
-        </p:sp>
-      </p:grpSp>
-      <p:pic>
-        <p:nvPicPr>
-          <p:cNvPr id="7" name="图片 6"/>
-          <p:cNvPicPr/>
-          <p:nvPr/>
-        </p:nvPicPr>
-        <p:blipFill>
-          <a:blip r:embed="rId2">
-            <a:extLst>
-              <a:ext uri="{28A0092B-C50C-407E-A947-70E740481C1C}">
-                <a14:useLocalDpi xmlns:a14="http://schemas.microsoft.com/office/drawing/2010/main" val="0"/>
-              </a:ext>
-            </a:extLst>
-          </a:blip>
-          <a:stretch>
-            <a:fillRect/>
-          </a:stretch>
-        </p:blipFill>
-        <p:spPr bwMode="auto">
-          <a:xfrm>
-            <a:off x="5151120" y="1005116"/>
-            <a:ext cx="6436048" cy="5562492"/>
-          </a:xfrm>
-          <a:prstGeom prst="rect">
-            <a:avLst/>
-          </a:prstGeom>
-          <a:noFill/>
-          <a:ln>
-            <a:noFill/>
-          </a:ln>
-        </p:spPr>
-      </p:pic>
-      <p:sp>
-        <p:nvSpPr>
-          <p:cNvPr id="8" name="文本框 7"/>
-          <p:cNvSpPr txBox="1"/>
-          <p:nvPr/>
-        </p:nvSpPr>
-        <p:spPr>
-          <a:xfrm>
-            <a:off x="744583" y="2076994"/>
-            <a:ext cx="3435531" cy="2537874"/>
-          </a:xfrm>
-          <a:prstGeom prst="rect">
-            <a:avLst/>
-          </a:prstGeom>
-          <a:noFill/>
-        </p:spPr>
-        <p:txBody>
-          <a:bodyPr wrap="square" rtlCol="0">
-            <a:spAutoFit/>
-          </a:bodyPr>
-          <a:lstStyle/>
-          <a:p>
-            <a:pPr>
-              <a:lnSpc>
-                <a:spcPct val="150000"/>
-              </a:lnSpc>
-            </a:pPr>
-            <a:r>
-              <a:rPr lang="zh-CN" altLang="zh-CN" dirty="0" smtClean="0"/>
-              <a:t>后台</a:t>
-            </a:r>
-            <a:r>
-              <a:rPr lang="zh-CN" altLang="zh-CN" dirty="0"/>
-              <a:t>管理系统以及客户端均由</a:t>
-            </a:r>
-            <a:r>
-              <a:rPr lang="en-US" altLang="zh-CN" dirty="0"/>
-              <a:t>restful </a:t>
-            </a:r>
-            <a:r>
-              <a:rPr lang="en-US" altLang="zh-CN" dirty="0" err="1"/>
-              <a:t>api</a:t>
-            </a:r>
-            <a:r>
-              <a:rPr lang="zh-CN" altLang="zh-CN" dirty="0"/>
-              <a:t>与后台交互，实现了前后端的分离，有利于把服务器的压力减小到最小，同时本系统还配备了</a:t>
-            </a:r>
-            <a:r>
-              <a:rPr lang="en-US" altLang="zh-CN" dirty="0" err="1"/>
-              <a:t>redis</a:t>
-            </a:r>
-            <a:r>
-              <a:rPr lang="zh-CN" altLang="zh-CN" dirty="0"/>
-              <a:t>缓存服务器，使系统更好的支持高并发访问。</a:t>
-            </a:r>
-            <a:endParaRPr lang="zh-CN" altLang="en-US" dirty="0"/>
-          </a:p>
-        </p:txBody>
-      </p:sp>
-    </p:spTree>
-    <p:extLst>
-      <p:ext uri="{BB962C8B-B14F-4D97-AF65-F5344CB8AC3E}">
-        <p14:creationId xmlns:p14="http://schemas.microsoft.com/office/powerpoint/2010/main" val="2254460004"/>
+        <p14:creationId xmlns:p14="http://schemas.microsoft.com/office/powerpoint/2010/main" val="1579427254"/>
       </p:ext>
     </p:extLst>
   </p:cSld>
@@ -6373,7 +6420,27 @@
                 <a:latin typeface="微软雅黑" panose="020B0503020204020204" pitchFamily="34" charset="-122"/>
                 <a:ea typeface="微软雅黑" panose="020B0503020204020204" pitchFamily="34" charset="-122"/>
               </a:rPr>
-              <a:t>可以通过微信公众号创建跑腿订单，并选择跑腿类型，可以跟踪订单状态。</a:t>
+              <a:t>可以</a:t>
+            </a:r>
+            <a:r>
+              <a:rPr lang="zh-CN" altLang="en-US" sz="1600" dirty="0" smtClean="0">
+                <a:solidFill>
+                  <a:srgbClr val="485766"/>
+                </a:solidFill>
+                <a:latin typeface="微软雅黑" panose="020B0503020204020204" pitchFamily="34" charset="-122"/>
+                <a:ea typeface="微软雅黑" panose="020B0503020204020204" pitchFamily="34" charset="-122"/>
+              </a:rPr>
+              <a:t>通过手机创建</a:t>
+            </a:r>
+            <a:r>
+              <a:rPr lang="zh-CN" altLang="en-US" sz="1600" dirty="0" smtClean="0">
+                <a:solidFill>
+                  <a:srgbClr val="485766"/>
+                </a:solidFill>
+                <a:latin typeface="微软雅黑" panose="020B0503020204020204" pitchFamily="34" charset="-122"/>
+                <a:ea typeface="微软雅黑" panose="020B0503020204020204" pitchFamily="34" charset="-122"/>
+              </a:rPr>
+              <a:t>跑腿订单，并选择跑腿类型，可以跟踪订单状态。</a:t>
             </a:r>
             <a:endParaRPr lang="zh-HK" altLang="en-US" sz="1600" dirty="0">
               <a:solidFill>
@@ -6670,6 +6737,2705 @@
       </p:grpSpPr>
       <p:grpSp>
         <p:nvGrpSpPr>
+          <p:cNvPr id="2" name="组合 1"/>
+          <p:cNvGrpSpPr/>
+          <p:nvPr/>
+        </p:nvGrpSpPr>
+        <p:grpSpPr>
+          <a:xfrm>
+            <a:off x="159654" y="86955"/>
+            <a:ext cx="3444158" cy="986484"/>
+            <a:chOff x="0" y="174039"/>
+            <a:chExt cx="3444158" cy="986484"/>
+          </a:xfrm>
+        </p:grpSpPr>
+        <p:sp>
+          <p:nvSpPr>
+            <p:cNvPr id="3" name="文本框 2"/>
+            <p:cNvSpPr txBox="1"/>
+            <p:nvPr/>
+          </p:nvSpPr>
+          <p:spPr>
+            <a:xfrm>
+              <a:off x="267877" y="174039"/>
+              <a:ext cx="3176281" cy="646331"/>
+            </a:xfrm>
+            <a:prstGeom prst="rect">
+              <a:avLst/>
+            </a:prstGeom>
+            <a:noFill/>
+          </p:spPr>
+          <p:txBody>
+            <a:bodyPr wrap="square" rtlCol="0">
+              <a:spAutoFit/>
+            </a:bodyPr>
+            <a:lstStyle/>
+            <a:p>
+              <a:r>
+                <a:rPr lang="zh-CN" altLang="en-US" sz="3600" b="1" spc="300" dirty="0" smtClean="0">
+                  <a:solidFill>
+                    <a:srgbClr val="D7343F"/>
+                  </a:solidFill>
+                  <a:latin typeface="微软雅黑" panose="020B0503020204020204" pitchFamily="34" charset="-122"/>
+                  <a:ea typeface="微软雅黑" panose="020B0503020204020204" pitchFamily="34" charset="-122"/>
+                </a:rPr>
+                <a:t>可行性研究</a:t>
+              </a:r>
+              <a:endParaRPr lang="zh-HK" altLang="en-US" sz="3600" b="1" spc="300" dirty="0">
+                <a:solidFill>
+                  <a:srgbClr val="D7343F"/>
+                </a:solidFill>
+                <a:latin typeface="微软雅黑" panose="020B0503020204020204" pitchFamily="34" charset="-122"/>
+                <a:ea typeface="微软雅黑" panose="020B0503020204020204" pitchFamily="34" charset="-122"/>
+              </a:endParaRPr>
+            </a:p>
+          </p:txBody>
+        </p:sp>
+        <p:sp>
+          <p:nvSpPr>
+            <p:cNvPr id="4" name="文本框 3"/>
+            <p:cNvSpPr txBox="1"/>
+            <p:nvPr/>
+          </p:nvSpPr>
+          <p:spPr>
+            <a:xfrm>
+              <a:off x="267877" y="760413"/>
+              <a:ext cx="2620469" cy="400110"/>
+            </a:xfrm>
+            <a:prstGeom prst="rect">
+              <a:avLst/>
+            </a:prstGeom>
+            <a:noFill/>
+          </p:spPr>
+          <p:txBody>
+            <a:bodyPr wrap="square" rtlCol="0">
+              <a:spAutoFit/>
+            </a:bodyPr>
+            <a:lstStyle/>
+            <a:p>
+              <a:r>
+                <a:rPr lang="zh-CN" altLang="en-US" sz="2000" b="1" spc="300" dirty="0" smtClean="0">
+                  <a:solidFill>
+                    <a:srgbClr val="485766"/>
+                  </a:solidFill>
+                  <a:latin typeface="微软雅黑" panose="020B0503020204020204" pitchFamily="34" charset="-122"/>
+                  <a:ea typeface="微软雅黑" panose="020B0503020204020204" pitchFamily="34" charset="-122"/>
+                </a:rPr>
+                <a:t>整体架构</a:t>
+              </a:r>
+              <a:endParaRPr lang="zh-HK" altLang="en-US" sz="2000" b="1" spc="300" dirty="0">
+                <a:solidFill>
+                  <a:srgbClr val="485766"/>
+                </a:solidFill>
+                <a:latin typeface="微软雅黑" panose="020B0503020204020204" pitchFamily="34" charset="-122"/>
+                <a:ea typeface="微软雅黑" panose="020B0503020204020204" pitchFamily="34" charset="-122"/>
+              </a:endParaRPr>
+            </a:p>
+          </p:txBody>
+        </p:sp>
+        <p:sp>
+          <p:nvSpPr>
+            <p:cNvPr id="5" name="矩形 4"/>
+            <p:cNvSpPr/>
+            <p:nvPr/>
+          </p:nvSpPr>
+          <p:spPr>
+            <a:xfrm>
+              <a:off x="0" y="260350"/>
+              <a:ext cx="201202" cy="831850"/>
+            </a:xfrm>
+            <a:prstGeom prst="rect">
+              <a:avLst/>
+            </a:prstGeom>
+            <a:solidFill>
+              <a:srgbClr val="D6343F"/>
+            </a:solidFill>
+            <a:ln>
+              <a:noFill/>
+            </a:ln>
+          </p:spPr>
+          <p:style>
+            <a:lnRef idx="2">
+              <a:schemeClr val="accent1">
+                <a:shade val="50000"/>
+              </a:schemeClr>
+            </a:lnRef>
+            <a:fillRef idx="1">
+              <a:schemeClr val="accent1"/>
+            </a:fillRef>
+            <a:effectRef idx="0">
+              <a:schemeClr val="accent1"/>
+            </a:effectRef>
+            <a:fontRef idx="minor">
+              <a:schemeClr val="lt1"/>
+            </a:fontRef>
+          </p:style>
+          <p:txBody>
+            <a:bodyPr rtlCol="0" anchor="ctr"/>
+            <a:lstStyle/>
+            <a:p>
+              <a:pPr algn="ctr"/>
+              <a:endParaRPr lang="zh-HK" altLang="en-US">
+                <a:solidFill>
+                  <a:srgbClr val="D7343F"/>
+                </a:solidFill>
+              </a:endParaRPr>
+            </a:p>
+          </p:txBody>
+        </p:sp>
+      </p:grpSp>
+      <p:pic>
+        <p:nvPicPr>
+          <p:cNvPr id="6" name="图片 5"/>
+          <p:cNvPicPr/>
+          <p:nvPr/>
+        </p:nvPicPr>
+        <p:blipFill>
+          <a:blip r:embed="rId2">
+            <a:extLst>
+              <a:ext uri="{28A0092B-C50C-407E-A947-70E740481C1C}">
+                <a14:useLocalDpi xmlns:a14="http://schemas.microsoft.com/office/drawing/2010/main" val="0"/>
+              </a:ext>
+            </a:extLst>
+          </a:blip>
+          <a:stretch>
+            <a:fillRect/>
+          </a:stretch>
+        </p:blipFill>
+        <p:spPr>
+          <a:xfrm>
+            <a:off x="1972491" y="1005116"/>
+            <a:ext cx="7801747" cy="5382621"/>
+          </a:xfrm>
+          <a:prstGeom prst="rect">
+            <a:avLst/>
+          </a:prstGeom>
+        </p:spPr>
+      </p:pic>
+    </p:spTree>
+    <p:extLst>
+      <p:ext uri="{BB962C8B-B14F-4D97-AF65-F5344CB8AC3E}">
+        <p14:creationId xmlns:p14="http://schemas.microsoft.com/office/powerpoint/2010/main" val="3433222651"/>
+      </p:ext>
+    </p:extLst>
+  </p:cSld>
+  <p:clrMapOvr>
+    <a:masterClrMapping/>
+  </p:clrMapOvr>
+  <p:transition>
+    <p:wipe/>
+  </p:transition>
+  <p:timing>
+    <p:tnLst>
+      <p:par>
+        <p:cTn id="1" dur="indefinite" restart="never" nodeType="tmRoot"/>
+      </p:par>
+    </p:tnLst>
+  </p:timing>
+</p:sld>
+</file>
+
+<file path=ppt/slides/slide16.xml><?xml version="1.0" encoding="utf-8"?>
+<p:sld xmlns:a="http://schemas.openxmlformats.org/drawingml/2006/main" xmlns:r="http://schemas.openxmlformats.org/officeDocument/2006/relationships" xmlns:p="http://schemas.openxmlformats.org/presentationml/2006/main">
+  <p:cSld>
+    <p:spTree>
+      <p:nvGrpSpPr>
+        <p:cNvPr id="1" name=""/>
+        <p:cNvGrpSpPr/>
+        <p:nvPr/>
+      </p:nvGrpSpPr>
+      <p:grpSpPr>
+        <a:xfrm>
+          <a:off x="0" y="0"/>
+          <a:ext cx="0" cy="0"/>
+          <a:chOff x="0" y="0"/>
+          <a:chExt cx="0" cy="0"/>
+        </a:xfrm>
+      </p:grpSpPr>
+      <p:grpSp>
+        <p:nvGrpSpPr>
+          <p:cNvPr id="19" name="组合 18"/>
+          <p:cNvGrpSpPr/>
+          <p:nvPr/>
+        </p:nvGrpSpPr>
+        <p:grpSpPr>
+          <a:xfrm>
+            <a:off x="159654" y="86955"/>
+            <a:ext cx="3444158" cy="986484"/>
+            <a:chOff x="0" y="174039"/>
+            <a:chExt cx="3444158" cy="986484"/>
+          </a:xfrm>
+        </p:grpSpPr>
+        <p:sp>
+          <p:nvSpPr>
+            <p:cNvPr id="20" name="文本框 19"/>
+            <p:cNvSpPr txBox="1"/>
+            <p:nvPr/>
+          </p:nvSpPr>
+          <p:spPr>
+            <a:xfrm>
+              <a:off x="267877" y="174039"/>
+              <a:ext cx="3176281" cy="646331"/>
+            </a:xfrm>
+            <a:prstGeom prst="rect">
+              <a:avLst/>
+            </a:prstGeom>
+            <a:noFill/>
+          </p:spPr>
+          <p:txBody>
+            <a:bodyPr wrap="square" rtlCol="0">
+              <a:spAutoFit/>
+            </a:bodyPr>
+            <a:lstStyle/>
+            <a:p>
+              <a:r>
+                <a:rPr lang="zh-CN" altLang="en-US" sz="3600" b="1" spc="300" dirty="0" smtClean="0">
+                  <a:solidFill>
+                    <a:srgbClr val="D7343F"/>
+                  </a:solidFill>
+                  <a:latin typeface="微软雅黑" panose="020B0503020204020204" pitchFamily="34" charset="-122"/>
+                  <a:ea typeface="微软雅黑" panose="020B0503020204020204" pitchFamily="34" charset="-122"/>
+                </a:rPr>
+                <a:t>需求分析</a:t>
+              </a:r>
+              <a:endParaRPr lang="zh-HK" altLang="en-US" sz="3600" b="1" spc="300" dirty="0">
+                <a:solidFill>
+                  <a:srgbClr val="D7343F"/>
+                </a:solidFill>
+                <a:latin typeface="微软雅黑" panose="020B0503020204020204" pitchFamily="34" charset="-122"/>
+                <a:ea typeface="微软雅黑" panose="020B0503020204020204" pitchFamily="34" charset="-122"/>
+              </a:endParaRPr>
+            </a:p>
+          </p:txBody>
+        </p:sp>
+        <p:sp>
+          <p:nvSpPr>
+            <p:cNvPr id="21" name="文本框 20"/>
+            <p:cNvSpPr txBox="1"/>
+            <p:nvPr/>
+          </p:nvSpPr>
+          <p:spPr>
+            <a:xfrm>
+              <a:off x="267877" y="760413"/>
+              <a:ext cx="2620469" cy="400110"/>
+            </a:xfrm>
+            <a:prstGeom prst="rect">
+              <a:avLst/>
+            </a:prstGeom>
+            <a:noFill/>
+          </p:spPr>
+          <p:txBody>
+            <a:bodyPr wrap="square" rtlCol="0">
+              <a:spAutoFit/>
+            </a:bodyPr>
+            <a:lstStyle/>
+            <a:p>
+              <a:r>
+                <a:rPr lang="zh-CN" altLang="en-US" sz="2000" b="1" spc="300" dirty="0" smtClean="0">
+                  <a:solidFill>
+                    <a:srgbClr val="485766"/>
+                  </a:solidFill>
+                  <a:latin typeface="微软雅黑" panose="020B0503020204020204" pitchFamily="34" charset="-122"/>
+                  <a:ea typeface="微软雅黑" panose="020B0503020204020204" pitchFamily="34" charset="-122"/>
+                </a:rPr>
+                <a:t>功能需求</a:t>
+              </a:r>
+              <a:endParaRPr lang="zh-HK" altLang="en-US" sz="2000" b="1" spc="300" dirty="0">
+                <a:solidFill>
+                  <a:srgbClr val="485766"/>
+                </a:solidFill>
+                <a:latin typeface="微软雅黑" panose="020B0503020204020204" pitchFamily="34" charset="-122"/>
+                <a:ea typeface="微软雅黑" panose="020B0503020204020204" pitchFamily="34" charset="-122"/>
+              </a:endParaRPr>
+            </a:p>
+          </p:txBody>
+        </p:sp>
+        <p:sp>
+          <p:nvSpPr>
+            <p:cNvPr id="22" name="矩形 21"/>
+            <p:cNvSpPr/>
+            <p:nvPr/>
+          </p:nvSpPr>
+          <p:spPr>
+            <a:xfrm>
+              <a:off x="0" y="260350"/>
+              <a:ext cx="201202" cy="831850"/>
+            </a:xfrm>
+            <a:prstGeom prst="rect">
+              <a:avLst/>
+            </a:prstGeom>
+            <a:solidFill>
+              <a:srgbClr val="D6343F"/>
+            </a:solidFill>
+            <a:ln>
+              <a:noFill/>
+            </a:ln>
+          </p:spPr>
+          <p:style>
+            <a:lnRef idx="2">
+              <a:schemeClr val="accent1">
+                <a:shade val="50000"/>
+              </a:schemeClr>
+            </a:lnRef>
+            <a:fillRef idx="1">
+              <a:schemeClr val="accent1"/>
+            </a:fillRef>
+            <a:effectRef idx="0">
+              <a:schemeClr val="accent1"/>
+            </a:effectRef>
+            <a:fontRef idx="minor">
+              <a:schemeClr val="lt1"/>
+            </a:fontRef>
+          </p:style>
+          <p:txBody>
+            <a:bodyPr rtlCol="0" anchor="ctr"/>
+            <a:lstStyle/>
+            <a:p>
+              <a:pPr algn="ctr"/>
+              <a:endParaRPr lang="zh-HK" altLang="en-US">
+                <a:solidFill>
+                  <a:srgbClr val="D7343F"/>
+                </a:solidFill>
+              </a:endParaRPr>
+            </a:p>
+          </p:txBody>
+        </p:sp>
+      </p:grpSp>
+      <p:sp>
+        <p:nvSpPr>
+          <p:cNvPr id="9" name="文本框 8"/>
+          <p:cNvSpPr txBox="1"/>
+          <p:nvPr/>
+        </p:nvSpPr>
+        <p:spPr>
+          <a:xfrm>
+            <a:off x="1293223" y="2597137"/>
+            <a:ext cx="184731" cy="369332"/>
+          </a:xfrm>
+          <a:prstGeom prst="rect">
+            <a:avLst/>
+          </a:prstGeom>
+          <a:noFill/>
+        </p:spPr>
+        <p:txBody>
+          <a:bodyPr wrap="none" rtlCol="0">
+            <a:spAutoFit/>
+          </a:bodyPr>
+          <a:lstStyle/>
+          <a:p>
+            <a:endParaRPr lang="zh-CN" altLang="en-US" dirty="0"/>
+          </a:p>
+        </p:txBody>
+      </p:sp>
+      <p:sp>
+        <p:nvSpPr>
+          <p:cNvPr id="11" name="文本框 10"/>
+          <p:cNvSpPr txBox="1"/>
+          <p:nvPr/>
+        </p:nvSpPr>
+        <p:spPr>
+          <a:xfrm>
+            <a:off x="873481" y="1464144"/>
+            <a:ext cx="9860780" cy="4247317"/>
+          </a:xfrm>
+          <a:prstGeom prst="rect">
+            <a:avLst/>
+          </a:prstGeom>
+          <a:noFill/>
+        </p:spPr>
+        <p:txBody>
+          <a:bodyPr wrap="square" rtlCol="0">
+            <a:spAutoFit/>
+          </a:bodyPr>
+          <a:lstStyle/>
+          <a:p>
+            <a:pPr lvl="0"/>
+            <a:r>
+              <a:rPr lang="zh-CN" altLang="zh-CN" dirty="0"/>
+              <a:t>发布订单：商户在发布订单时，首先需要选择帮买，帮送，两种类型</a:t>
+            </a:r>
+            <a:r>
+              <a:rPr lang="zh-CN" altLang="zh-CN" dirty="0" smtClean="0"/>
+              <a:t>。</a:t>
+            </a:r>
+            <a:endParaRPr lang="zh-CN" altLang="zh-CN" dirty="0"/>
+          </a:p>
+          <a:p>
+            <a:pPr lvl="0"/>
+            <a:r>
+              <a:rPr lang="en-US" altLang="zh-CN" dirty="0"/>
+              <a:t> </a:t>
+            </a:r>
+            <a:r>
+              <a:rPr lang="en-US" altLang="zh-CN" dirty="0" smtClean="0"/>
+              <a:t>        </a:t>
+            </a:r>
+            <a:r>
+              <a:rPr lang="zh-CN" altLang="zh-CN" dirty="0" smtClean="0"/>
+              <a:t>帮</a:t>
+            </a:r>
+            <a:r>
+              <a:rPr lang="zh-CN" altLang="zh-CN" dirty="0"/>
+              <a:t>买：商户首先需要选择帮买类型，如：买菜，日用，酒水，药品等内容，之后填写想要代购的商品，如：一杯星巴克的美式咖啡。之后需要填写推荐购买店铺，这里使用了输入提示功能，调用了高德地图</a:t>
+            </a:r>
+            <a:r>
+              <a:rPr lang="en-US" altLang="zh-CN" dirty="0"/>
+              <a:t>API</a:t>
+            </a:r>
+            <a:r>
+              <a:rPr lang="zh-CN" altLang="zh-CN" dirty="0"/>
+              <a:t>。之后商户需要填写预估金额，并选择支付方式。商户还需要填写收货地址，点击提交后系统会自动计算出跑腿费用</a:t>
+            </a:r>
+            <a:r>
+              <a:rPr lang="zh-CN" altLang="zh-CN" dirty="0" smtClean="0"/>
+              <a:t>。</a:t>
+            </a:r>
+            <a:endParaRPr lang="zh-CN" altLang="zh-CN" dirty="0"/>
+          </a:p>
+          <a:p>
+            <a:pPr lvl="0"/>
+            <a:r>
+              <a:rPr lang="en-US" altLang="zh-CN" dirty="0" smtClean="0"/>
+              <a:t>         </a:t>
+            </a:r>
+            <a:r>
+              <a:rPr lang="zh-CN" altLang="zh-CN" dirty="0" smtClean="0"/>
+              <a:t>帮</a:t>
+            </a:r>
+            <a:r>
+              <a:rPr lang="zh-CN" altLang="zh-CN" dirty="0"/>
+              <a:t>送：商户需要填写取件地址和送件地址，系统根据距离和货物重量计算费用</a:t>
+            </a:r>
+            <a:r>
+              <a:rPr lang="zh-CN" altLang="zh-CN" dirty="0" smtClean="0"/>
+              <a:t>。</a:t>
+            </a:r>
+            <a:endParaRPr lang="en-US" altLang="zh-CN" dirty="0" smtClean="0"/>
+          </a:p>
+          <a:p>
+            <a:pPr lvl="0"/>
+            <a:endParaRPr lang="zh-CN" altLang="zh-CN" dirty="0"/>
+          </a:p>
+          <a:p>
+            <a:pPr lvl="0"/>
+            <a:r>
+              <a:rPr lang="zh-CN" altLang="zh-CN" dirty="0"/>
+              <a:t>我的订单：会展示出一个历史订单列表，商户可以查询历史订单情况</a:t>
+            </a:r>
+            <a:r>
+              <a:rPr lang="zh-CN" altLang="zh-CN" dirty="0" smtClean="0"/>
+              <a:t>。</a:t>
+            </a:r>
+            <a:r>
+              <a:rPr lang="zh-CN" altLang="en-US" dirty="0" smtClean="0"/>
+              <a:t>可对相应订单进行评价，对配送员进行评价。</a:t>
+            </a:r>
+            <a:endParaRPr lang="en-US" altLang="zh-CN" dirty="0" smtClean="0"/>
+          </a:p>
+          <a:p>
+            <a:pPr lvl="0"/>
+            <a:endParaRPr lang="zh-CN" altLang="zh-CN" dirty="0"/>
+          </a:p>
+          <a:p>
+            <a:pPr lvl="0"/>
+            <a:r>
+              <a:rPr lang="zh-CN" altLang="zh-CN" dirty="0"/>
+              <a:t>我的地址：商户可以管理自己的寄送地址和收货地址，需要填写联系人、电话、详细地址等内容。</a:t>
+            </a:r>
+          </a:p>
+          <a:p>
+            <a:pPr lvl="0"/>
+            <a:endParaRPr lang="en-US" altLang="zh-CN" dirty="0" smtClean="0"/>
+          </a:p>
+          <a:p>
+            <a:pPr lvl="0"/>
+            <a:r>
+              <a:rPr lang="zh-CN" altLang="zh-CN" dirty="0" smtClean="0"/>
+              <a:t>个人</a:t>
+            </a:r>
+            <a:r>
+              <a:rPr lang="zh-CN" altLang="zh-CN" dirty="0"/>
+              <a:t>中心：商户可在个人中心中修改个人信息，修改绑定的手机号，支付宝账号等</a:t>
+            </a:r>
+            <a:r>
+              <a:rPr lang="zh-CN" altLang="zh-CN" dirty="0" smtClean="0"/>
+              <a:t>。</a:t>
+            </a:r>
+            <a:endParaRPr lang="en-US" altLang="zh-CN" dirty="0" smtClean="0"/>
+          </a:p>
+          <a:p>
+            <a:pPr lvl="0"/>
+            <a:endParaRPr lang="zh-CN" altLang="zh-CN" dirty="0"/>
+          </a:p>
+          <a:p>
+            <a:r>
+              <a:rPr lang="zh-CN" altLang="zh-CN" dirty="0"/>
+              <a:t>我的钱包：商户可在我的钱包中对历史消费金额进行统计，对历史订单消费明细进行查询。</a:t>
+            </a:r>
+            <a:endParaRPr lang="zh-CN" altLang="en-US" dirty="0">
+              <a:latin typeface="微软雅黑" panose="020B0503020204020204" pitchFamily="34" charset="-122"/>
+              <a:ea typeface="微软雅黑" panose="020B0503020204020204" pitchFamily="34" charset="-122"/>
+            </a:endParaRPr>
+          </a:p>
+        </p:txBody>
+      </p:sp>
+    </p:spTree>
+    <p:extLst>
+      <p:ext uri="{BB962C8B-B14F-4D97-AF65-F5344CB8AC3E}">
+        <p14:creationId xmlns:p14="http://schemas.microsoft.com/office/powerpoint/2010/main" val="3555778446"/>
+      </p:ext>
+    </p:extLst>
+  </p:cSld>
+  <p:clrMapOvr>
+    <a:masterClrMapping/>
+  </p:clrMapOvr>
+  <p:transition>
+    <p:wipe/>
+  </p:transition>
+  <p:timing>
+    <p:tnLst>
+      <p:par>
+        <p:cTn id="1" dur="indefinite" restart="never" nodeType="tmRoot"/>
+      </p:par>
+    </p:tnLst>
+  </p:timing>
+</p:sld>
+</file>
+
+<file path=ppt/slides/slide17.xml><?xml version="1.0" encoding="utf-8"?>
+<p:sld xmlns:a="http://schemas.openxmlformats.org/drawingml/2006/main" xmlns:r="http://schemas.openxmlformats.org/officeDocument/2006/relationships" xmlns:p="http://schemas.openxmlformats.org/presentationml/2006/main">
+  <p:cSld>
+    <p:spTree>
+      <p:nvGrpSpPr>
+        <p:cNvPr id="1" name=""/>
+        <p:cNvGrpSpPr/>
+        <p:nvPr/>
+      </p:nvGrpSpPr>
+      <p:grpSpPr>
+        <a:xfrm>
+          <a:off x="0" y="0"/>
+          <a:ext cx="0" cy="0"/>
+          <a:chOff x="0" y="0"/>
+          <a:chExt cx="0" cy="0"/>
+        </a:xfrm>
+      </p:grpSpPr>
+      <p:grpSp>
+        <p:nvGrpSpPr>
+          <p:cNvPr id="19" name="组合 18"/>
+          <p:cNvGrpSpPr/>
+          <p:nvPr/>
+        </p:nvGrpSpPr>
+        <p:grpSpPr>
+          <a:xfrm>
+            <a:off x="159654" y="86955"/>
+            <a:ext cx="3444158" cy="986484"/>
+            <a:chOff x="0" y="174039"/>
+            <a:chExt cx="3444158" cy="986484"/>
+          </a:xfrm>
+        </p:grpSpPr>
+        <p:sp>
+          <p:nvSpPr>
+            <p:cNvPr id="20" name="文本框 19"/>
+            <p:cNvSpPr txBox="1"/>
+            <p:nvPr/>
+          </p:nvSpPr>
+          <p:spPr>
+            <a:xfrm>
+              <a:off x="267877" y="174039"/>
+              <a:ext cx="3176281" cy="646331"/>
+            </a:xfrm>
+            <a:prstGeom prst="rect">
+              <a:avLst/>
+            </a:prstGeom>
+            <a:noFill/>
+          </p:spPr>
+          <p:txBody>
+            <a:bodyPr wrap="square" rtlCol="0">
+              <a:spAutoFit/>
+            </a:bodyPr>
+            <a:lstStyle/>
+            <a:p>
+              <a:r>
+                <a:rPr lang="zh-CN" altLang="en-US" sz="3600" b="1" spc="300" dirty="0" smtClean="0">
+                  <a:solidFill>
+                    <a:srgbClr val="D7343F"/>
+                  </a:solidFill>
+                  <a:latin typeface="微软雅黑" panose="020B0503020204020204" pitchFamily="34" charset="-122"/>
+                  <a:ea typeface="微软雅黑" panose="020B0503020204020204" pitchFamily="34" charset="-122"/>
+                </a:rPr>
+                <a:t>需求分析</a:t>
+              </a:r>
+              <a:endParaRPr lang="zh-HK" altLang="en-US" sz="3600" b="1" spc="300" dirty="0">
+                <a:solidFill>
+                  <a:srgbClr val="D7343F"/>
+                </a:solidFill>
+                <a:latin typeface="微软雅黑" panose="020B0503020204020204" pitchFamily="34" charset="-122"/>
+                <a:ea typeface="微软雅黑" panose="020B0503020204020204" pitchFamily="34" charset="-122"/>
+              </a:endParaRPr>
+            </a:p>
+          </p:txBody>
+        </p:sp>
+        <p:sp>
+          <p:nvSpPr>
+            <p:cNvPr id="21" name="文本框 20"/>
+            <p:cNvSpPr txBox="1"/>
+            <p:nvPr/>
+          </p:nvSpPr>
+          <p:spPr>
+            <a:xfrm>
+              <a:off x="267877" y="760413"/>
+              <a:ext cx="2620469" cy="400110"/>
+            </a:xfrm>
+            <a:prstGeom prst="rect">
+              <a:avLst/>
+            </a:prstGeom>
+            <a:noFill/>
+          </p:spPr>
+          <p:txBody>
+            <a:bodyPr wrap="square" rtlCol="0">
+              <a:spAutoFit/>
+            </a:bodyPr>
+            <a:lstStyle/>
+            <a:p>
+              <a:r>
+                <a:rPr lang="zh-CN" altLang="en-US" sz="2000" b="1" spc="300" dirty="0" smtClean="0">
+                  <a:solidFill>
+                    <a:srgbClr val="485766"/>
+                  </a:solidFill>
+                  <a:latin typeface="微软雅黑" panose="020B0503020204020204" pitchFamily="34" charset="-122"/>
+                  <a:ea typeface="微软雅黑" panose="020B0503020204020204" pitchFamily="34" charset="-122"/>
+                </a:rPr>
+                <a:t>功能需求</a:t>
+              </a:r>
+              <a:endParaRPr lang="zh-HK" altLang="en-US" sz="2000" b="1" spc="300" dirty="0">
+                <a:solidFill>
+                  <a:srgbClr val="485766"/>
+                </a:solidFill>
+                <a:latin typeface="微软雅黑" panose="020B0503020204020204" pitchFamily="34" charset="-122"/>
+                <a:ea typeface="微软雅黑" panose="020B0503020204020204" pitchFamily="34" charset="-122"/>
+              </a:endParaRPr>
+            </a:p>
+          </p:txBody>
+        </p:sp>
+        <p:sp>
+          <p:nvSpPr>
+            <p:cNvPr id="22" name="矩形 21"/>
+            <p:cNvSpPr/>
+            <p:nvPr/>
+          </p:nvSpPr>
+          <p:spPr>
+            <a:xfrm>
+              <a:off x="0" y="260350"/>
+              <a:ext cx="201202" cy="831850"/>
+            </a:xfrm>
+            <a:prstGeom prst="rect">
+              <a:avLst/>
+            </a:prstGeom>
+            <a:solidFill>
+              <a:srgbClr val="D6343F"/>
+            </a:solidFill>
+            <a:ln>
+              <a:noFill/>
+            </a:ln>
+          </p:spPr>
+          <p:style>
+            <a:lnRef idx="2">
+              <a:schemeClr val="accent1">
+                <a:shade val="50000"/>
+              </a:schemeClr>
+            </a:lnRef>
+            <a:fillRef idx="1">
+              <a:schemeClr val="accent1"/>
+            </a:fillRef>
+            <a:effectRef idx="0">
+              <a:schemeClr val="accent1"/>
+            </a:effectRef>
+            <a:fontRef idx="minor">
+              <a:schemeClr val="lt1"/>
+            </a:fontRef>
+          </p:style>
+          <p:txBody>
+            <a:bodyPr rtlCol="0" anchor="ctr"/>
+            <a:lstStyle/>
+            <a:p>
+              <a:pPr algn="ctr"/>
+              <a:endParaRPr lang="zh-HK" altLang="en-US">
+                <a:solidFill>
+                  <a:srgbClr val="D7343F"/>
+                </a:solidFill>
+              </a:endParaRPr>
+            </a:p>
+          </p:txBody>
+        </p:sp>
+      </p:grpSp>
+      <p:sp>
+        <p:nvSpPr>
+          <p:cNvPr id="9" name="文本框 8"/>
+          <p:cNvSpPr txBox="1"/>
+          <p:nvPr/>
+        </p:nvSpPr>
+        <p:spPr>
+          <a:xfrm>
+            <a:off x="1293223" y="2597137"/>
+            <a:ext cx="184731" cy="369332"/>
+          </a:xfrm>
+          <a:prstGeom prst="rect">
+            <a:avLst/>
+          </a:prstGeom>
+          <a:noFill/>
+        </p:spPr>
+        <p:txBody>
+          <a:bodyPr wrap="none" rtlCol="0">
+            <a:spAutoFit/>
+          </a:bodyPr>
+          <a:lstStyle/>
+          <a:p>
+            <a:endParaRPr lang="zh-CN" altLang="en-US" dirty="0"/>
+          </a:p>
+        </p:txBody>
+      </p:sp>
+      <p:sp>
+        <p:nvSpPr>
+          <p:cNvPr id="11" name="文本框 10"/>
+          <p:cNvSpPr txBox="1"/>
+          <p:nvPr/>
+        </p:nvSpPr>
+        <p:spPr>
+          <a:xfrm>
+            <a:off x="873481" y="1464144"/>
+            <a:ext cx="9860780" cy="3416320"/>
+          </a:xfrm>
+          <a:prstGeom prst="rect">
+            <a:avLst/>
+          </a:prstGeom>
+          <a:noFill/>
+        </p:spPr>
+        <p:txBody>
+          <a:bodyPr wrap="square" rtlCol="0">
+            <a:spAutoFit/>
+          </a:bodyPr>
+          <a:lstStyle/>
+          <a:p>
+            <a:pPr lvl="0"/>
+            <a:r>
+              <a:rPr lang="zh-CN" altLang="zh-CN" dirty="0"/>
+              <a:t>抢单：跑腿员可在系统推荐的接单列表中选择自己想要配送的订单，订单上会显示跑腿类别、佣金、配送时间、配送点与当前位置的距离情况</a:t>
+            </a:r>
+            <a:r>
+              <a:rPr lang="zh-CN" altLang="zh-CN" dirty="0" smtClean="0"/>
+              <a:t>。</a:t>
+            </a:r>
+            <a:r>
+              <a:rPr lang="zh-CN" altLang="en-US" dirty="0" smtClean="0"/>
+              <a:t>还可以设置接单偏好，如：取货由近到远，顺路单优先等。</a:t>
+            </a:r>
+            <a:endParaRPr lang="en-US" altLang="zh-CN" dirty="0" smtClean="0"/>
+          </a:p>
+          <a:p>
+            <a:pPr lvl="0"/>
+            <a:endParaRPr lang="zh-CN" altLang="zh-CN" dirty="0"/>
+          </a:p>
+          <a:p>
+            <a:pPr lvl="0"/>
+            <a:r>
+              <a:rPr lang="zh-CN" altLang="zh-CN" dirty="0"/>
+              <a:t>我的任务：跑腿员可在我的任务中，查看自己的待取货订单、配送中订单、已完成订单情况。点击订单还可以查看详细内容，如配送完成时间，获得佣金，商户评价等内容</a:t>
+            </a:r>
+            <a:r>
+              <a:rPr lang="zh-CN" altLang="zh-CN" dirty="0" smtClean="0"/>
+              <a:t>。</a:t>
+            </a:r>
+            <a:endParaRPr lang="en-US" altLang="zh-CN" dirty="0" smtClean="0"/>
+          </a:p>
+          <a:p>
+            <a:pPr lvl="0"/>
+            <a:endParaRPr lang="zh-CN" altLang="zh-CN" dirty="0"/>
+          </a:p>
+          <a:p>
+            <a:pPr lvl="0"/>
+            <a:r>
+              <a:rPr lang="zh-CN" altLang="zh-CN" dirty="0"/>
+              <a:t>个人中心：跑腿员的个人中心，可以对相关功能进行设置</a:t>
+            </a:r>
+            <a:r>
+              <a:rPr lang="zh-CN" altLang="zh-CN" dirty="0" smtClean="0"/>
+              <a:t>。</a:t>
+            </a:r>
+            <a:r>
+              <a:rPr lang="zh-CN" altLang="en-US" dirty="0" smtClean="0"/>
+              <a:t>查看自己的星级评价。查看本周接单情况，完成单量，收入情况。</a:t>
+            </a:r>
+            <a:endParaRPr lang="en-US" altLang="zh-CN" dirty="0"/>
+          </a:p>
+          <a:p>
+            <a:pPr lvl="0"/>
+            <a:endParaRPr lang="en-US" altLang="zh-CN" dirty="0" smtClean="0"/>
+          </a:p>
+          <a:p>
+            <a:pPr lvl="0"/>
+            <a:endParaRPr lang="en-US" altLang="zh-CN" dirty="0"/>
+          </a:p>
+          <a:p>
+            <a:pPr lvl="0"/>
+            <a:r>
+              <a:rPr lang="zh-CN" altLang="en-US" dirty="0"/>
+              <a:t>我</a:t>
+            </a:r>
+            <a:r>
+              <a:rPr lang="zh-CN" altLang="en-US" dirty="0" smtClean="0"/>
+              <a:t>的钱包：跑腿员可对余额进行结算提现。</a:t>
+            </a:r>
+            <a:endParaRPr lang="zh-CN" altLang="zh-CN" dirty="0"/>
+          </a:p>
+        </p:txBody>
+      </p:sp>
+    </p:spTree>
+    <p:extLst>
+      <p:ext uri="{BB962C8B-B14F-4D97-AF65-F5344CB8AC3E}">
+        <p14:creationId xmlns:p14="http://schemas.microsoft.com/office/powerpoint/2010/main" val="1835558877"/>
+      </p:ext>
+    </p:extLst>
+  </p:cSld>
+  <p:clrMapOvr>
+    <a:masterClrMapping/>
+  </p:clrMapOvr>
+  <p:transition>
+    <p:wipe/>
+  </p:transition>
+  <p:timing>
+    <p:tnLst>
+      <p:par>
+        <p:cTn id="1" dur="indefinite" restart="never" nodeType="tmRoot"/>
+      </p:par>
+    </p:tnLst>
+  </p:timing>
+</p:sld>
+</file>
+
+<file path=ppt/slides/slide18.xml><?xml version="1.0" encoding="utf-8"?>
+<p:sld xmlns:a="http://schemas.openxmlformats.org/drawingml/2006/main" xmlns:r="http://schemas.openxmlformats.org/officeDocument/2006/relationships" xmlns:p="http://schemas.openxmlformats.org/presentationml/2006/main">
+  <p:cSld>
+    <p:spTree>
+      <p:nvGrpSpPr>
+        <p:cNvPr id="1" name=""/>
+        <p:cNvGrpSpPr/>
+        <p:nvPr/>
+      </p:nvGrpSpPr>
+      <p:grpSpPr>
+        <a:xfrm>
+          <a:off x="0" y="0"/>
+          <a:ext cx="0" cy="0"/>
+          <a:chOff x="0" y="0"/>
+          <a:chExt cx="0" cy="0"/>
+        </a:xfrm>
+      </p:grpSpPr>
+      <p:grpSp>
+        <p:nvGrpSpPr>
+          <p:cNvPr id="19" name="组合 18"/>
+          <p:cNvGrpSpPr/>
+          <p:nvPr/>
+        </p:nvGrpSpPr>
+        <p:grpSpPr>
+          <a:xfrm>
+            <a:off x="159654" y="86955"/>
+            <a:ext cx="3444158" cy="986484"/>
+            <a:chOff x="0" y="174039"/>
+            <a:chExt cx="3444158" cy="986484"/>
+          </a:xfrm>
+        </p:grpSpPr>
+        <p:sp>
+          <p:nvSpPr>
+            <p:cNvPr id="20" name="文本框 19"/>
+            <p:cNvSpPr txBox="1"/>
+            <p:nvPr/>
+          </p:nvSpPr>
+          <p:spPr>
+            <a:xfrm>
+              <a:off x="267877" y="174039"/>
+              <a:ext cx="3176281" cy="646331"/>
+            </a:xfrm>
+            <a:prstGeom prst="rect">
+              <a:avLst/>
+            </a:prstGeom>
+            <a:noFill/>
+          </p:spPr>
+          <p:txBody>
+            <a:bodyPr wrap="square" rtlCol="0">
+              <a:spAutoFit/>
+            </a:bodyPr>
+            <a:lstStyle/>
+            <a:p>
+              <a:r>
+                <a:rPr lang="zh-CN" altLang="en-US" sz="3600" b="1" spc="300" dirty="0" smtClean="0">
+                  <a:solidFill>
+                    <a:srgbClr val="D7343F"/>
+                  </a:solidFill>
+                  <a:latin typeface="微软雅黑" panose="020B0503020204020204" pitchFamily="34" charset="-122"/>
+                  <a:ea typeface="微软雅黑" panose="020B0503020204020204" pitchFamily="34" charset="-122"/>
+                </a:rPr>
+                <a:t>需求分析</a:t>
+              </a:r>
+              <a:endParaRPr lang="zh-HK" altLang="en-US" sz="3600" b="1" spc="300" dirty="0">
+                <a:solidFill>
+                  <a:srgbClr val="D7343F"/>
+                </a:solidFill>
+                <a:latin typeface="微软雅黑" panose="020B0503020204020204" pitchFamily="34" charset="-122"/>
+                <a:ea typeface="微软雅黑" panose="020B0503020204020204" pitchFamily="34" charset="-122"/>
+              </a:endParaRPr>
+            </a:p>
+          </p:txBody>
+        </p:sp>
+        <p:sp>
+          <p:nvSpPr>
+            <p:cNvPr id="21" name="文本框 20"/>
+            <p:cNvSpPr txBox="1"/>
+            <p:nvPr/>
+          </p:nvSpPr>
+          <p:spPr>
+            <a:xfrm>
+              <a:off x="267877" y="760413"/>
+              <a:ext cx="2620469" cy="400110"/>
+            </a:xfrm>
+            <a:prstGeom prst="rect">
+              <a:avLst/>
+            </a:prstGeom>
+            <a:noFill/>
+          </p:spPr>
+          <p:txBody>
+            <a:bodyPr wrap="square" rtlCol="0">
+              <a:spAutoFit/>
+            </a:bodyPr>
+            <a:lstStyle/>
+            <a:p>
+              <a:r>
+                <a:rPr lang="zh-CN" altLang="en-US" sz="2000" b="1" spc="300" dirty="0" smtClean="0">
+                  <a:solidFill>
+                    <a:srgbClr val="485766"/>
+                  </a:solidFill>
+                  <a:latin typeface="微软雅黑" panose="020B0503020204020204" pitchFamily="34" charset="-122"/>
+                  <a:ea typeface="微软雅黑" panose="020B0503020204020204" pitchFamily="34" charset="-122"/>
+                </a:rPr>
+                <a:t>功能需求</a:t>
+              </a:r>
+              <a:endParaRPr lang="zh-HK" altLang="en-US" sz="2000" b="1" spc="300" dirty="0">
+                <a:solidFill>
+                  <a:srgbClr val="485766"/>
+                </a:solidFill>
+                <a:latin typeface="微软雅黑" panose="020B0503020204020204" pitchFamily="34" charset="-122"/>
+                <a:ea typeface="微软雅黑" panose="020B0503020204020204" pitchFamily="34" charset="-122"/>
+              </a:endParaRPr>
+            </a:p>
+          </p:txBody>
+        </p:sp>
+        <p:sp>
+          <p:nvSpPr>
+            <p:cNvPr id="22" name="矩形 21"/>
+            <p:cNvSpPr/>
+            <p:nvPr/>
+          </p:nvSpPr>
+          <p:spPr>
+            <a:xfrm>
+              <a:off x="0" y="260350"/>
+              <a:ext cx="201202" cy="831850"/>
+            </a:xfrm>
+            <a:prstGeom prst="rect">
+              <a:avLst/>
+            </a:prstGeom>
+            <a:solidFill>
+              <a:srgbClr val="D6343F"/>
+            </a:solidFill>
+            <a:ln>
+              <a:noFill/>
+            </a:ln>
+          </p:spPr>
+          <p:style>
+            <a:lnRef idx="2">
+              <a:schemeClr val="accent1">
+                <a:shade val="50000"/>
+              </a:schemeClr>
+            </a:lnRef>
+            <a:fillRef idx="1">
+              <a:schemeClr val="accent1"/>
+            </a:fillRef>
+            <a:effectRef idx="0">
+              <a:schemeClr val="accent1"/>
+            </a:effectRef>
+            <a:fontRef idx="minor">
+              <a:schemeClr val="lt1"/>
+            </a:fontRef>
+          </p:style>
+          <p:txBody>
+            <a:bodyPr rtlCol="0" anchor="ctr"/>
+            <a:lstStyle/>
+            <a:p>
+              <a:pPr algn="ctr"/>
+              <a:endParaRPr lang="zh-HK" altLang="en-US">
+                <a:solidFill>
+                  <a:srgbClr val="D7343F"/>
+                </a:solidFill>
+              </a:endParaRPr>
+            </a:p>
+          </p:txBody>
+        </p:sp>
+      </p:grpSp>
+      <p:sp>
+        <p:nvSpPr>
+          <p:cNvPr id="9" name="文本框 8"/>
+          <p:cNvSpPr txBox="1"/>
+          <p:nvPr/>
+        </p:nvSpPr>
+        <p:spPr>
+          <a:xfrm>
+            <a:off x="1293223" y="2597137"/>
+            <a:ext cx="184731" cy="369332"/>
+          </a:xfrm>
+          <a:prstGeom prst="rect">
+            <a:avLst/>
+          </a:prstGeom>
+          <a:noFill/>
+        </p:spPr>
+        <p:txBody>
+          <a:bodyPr wrap="none" rtlCol="0">
+            <a:spAutoFit/>
+          </a:bodyPr>
+          <a:lstStyle/>
+          <a:p>
+            <a:endParaRPr lang="zh-CN" altLang="en-US" dirty="0"/>
+          </a:p>
+        </p:txBody>
+      </p:sp>
+      <p:sp>
+        <p:nvSpPr>
+          <p:cNvPr id="13" name="文本框 12"/>
+          <p:cNvSpPr txBox="1"/>
+          <p:nvPr/>
+        </p:nvSpPr>
+        <p:spPr>
+          <a:xfrm>
+            <a:off x="1032508" y="1073439"/>
+            <a:ext cx="9860780" cy="5632311"/>
+          </a:xfrm>
+          <a:prstGeom prst="rect">
+            <a:avLst/>
+          </a:prstGeom>
+          <a:noFill/>
+        </p:spPr>
+        <p:txBody>
+          <a:bodyPr wrap="square" rtlCol="0">
+            <a:spAutoFit/>
+          </a:bodyPr>
+          <a:lstStyle/>
+          <a:p>
+            <a:pPr lvl="0"/>
+            <a:r>
+              <a:rPr lang="zh-CN" altLang="zh-CN" dirty="0"/>
+              <a:t>总体概览：管理员可在总体概览中了解今日平台收入、用户访问量、跑腿员访问量、订单成交数、订单失败数等</a:t>
+            </a:r>
+            <a:r>
+              <a:rPr lang="zh-CN" altLang="zh-CN" dirty="0" smtClean="0"/>
+              <a:t>。</a:t>
+            </a:r>
+            <a:endParaRPr lang="en-US" altLang="zh-CN" dirty="0" smtClean="0"/>
+          </a:p>
+          <a:p>
+            <a:pPr lvl="0"/>
+            <a:endParaRPr lang="zh-CN" altLang="zh-CN" dirty="0"/>
+          </a:p>
+          <a:p>
+            <a:pPr lvl="0"/>
+            <a:r>
+              <a:rPr lang="zh-CN" altLang="zh-CN" dirty="0"/>
+              <a:t>跑腿订单管理：管理员输入相关参数后对跑腿订单进行统计和查询，还可以进行</a:t>
+            </a:r>
+            <a:r>
+              <a:rPr lang="en-US" altLang="zh-CN" dirty="0"/>
+              <a:t>excel</a:t>
+            </a:r>
+            <a:r>
+              <a:rPr lang="zh-CN" altLang="zh-CN" dirty="0"/>
+              <a:t>导出</a:t>
+            </a:r>
+            <a:r>
+              <a:rPr lang="zh-CN" altLang="zh-CN" dirty="0" smtClean="0"/>
+              <a:t>。</a:t>
+            </a:r>
+            <a:endParaRPr lang="en-US" altLang="zh-CN" dirty="0" smtClean="0"/>
+          </a:p>
+          <a:p>
+            <a:pPr lvl="0"/>
+            <a:endParaRPr lang="zh-CN" altLang="zh-CN" dirty="0"/>
+          </a:p>
+          <a:p>
+            <a:pPr lvl="0"/>
+            <a:r>
+              <a:rPr lang="zh-CN" altLang="zh-CN" dirty="0"/>
+              <a:t>商户管理：对入驻商户进行审核，查询等相关操作</a:t>
+            </a:r>
+            <a:r>
+              <a:rPr lang="zh-CN" altLang="zh-CN" dirty="0" smtClean="0"/>
+              <a:t>。</a:t>
+            </a:r>
+            <a:endParaRPr lang="en-US" altLang="zh-CN" dirty="0" smtClean="0"/>
+          </a:p>
+          <a:p>
+            <a:pPr lvl="0"/>
+            <a:endParaRPr lang="zh-CN" altLang="zh-CN" dirty="0"/>
+          </a:p>
+          <a:p>
+            <a:pPr lvl="0"/>
+            <a:r>
+              <a:rPr lang="zh-CN" altLang="zh-CN" dirty="0"/>
+              <a:t>跑腿员管理：对入驻的跑腿员进行审核，查询跑腿员的个人信息，所辖区域等信息。查询商户对跑腿员的评价，星级状况等</a:t>
+            </a:r>
+            <a:r>
+              <a:rPr lang="zh-CN" altLang="zh-CN" dirty="0" smtClean="0"/>
+              <a:t>。</a:t>
+            </a:r>
+            <a:endParaRPr lang="en-US" altLang="zh-CN" dirty="0" smtClean="0"/>
+          </a:p>
+          <a:p>
+            <a:pPr lvl="0"/>
+            <a:r>
+              <a:rPr lang="en-US" altLang="zh-CN" dirty="0" smtClean="0"/>
+              <a:t>         </a:t>
+            </a:r>
+            <a:r>
+              <a:rPr lang="zh-CN" altLang="en-US" dirty="0" smtClean="0"/>
+              <a:t>星级权益设置：对不同等级的跑腿员设计不同的接单权限，高等级的跑腿员可以接价值更高的订单。</a:t>
+            </a:r>
+            <a:endParaRPr lang="en-US" altLang="zh-CN" dirty="0" smtClean="0"/>
+          </a:p>
+          <a:p>
+            <a:pPr lvl="0"/>
+            <a:endParaRPr lang="zh-CN" altLang="zh-CN" dirty="0"/>
+          </a:p>
+          <a:p>
+            <a:pPr lvl="0"/>
+            <a:r>
+              <a:rPr lang="zh-CN" altLang="zh-CN" dirty="0"/>
+              <a:t>营销：管理员可对首页进行轮播图设置，优惠券发放等操作</a:t>
+            </a:r>
+            <a:r>
+              <a:rPr lang="zh-CN" altLang="zh-CN" dirty="0" smtClean="0"/>
+              <a:t>。</a:t>
+            </a:r>
+            <a:endParaRPr lang="zh-CN" altLang="zh-CN" dirty="0"/>
+          </a:p>
+          <a:p>
+            <a:pPr lvl="0"/>
+            <a:r>
+              <a:rPr lang="en-US" altLang="zh-CN" dirty="0" smtClean="0"/>
+              <a:t>         </a:t>
+            </a:r>
+            <a:r>
+              <a:rPr lang="zh-CN" altLang="zh-CN" dirty="0" smtClean="0"/>
+              <a:t>轮</a:t>
+            </a:r>
+            <a:r>
+              <a:rPr lang="zh-CN" altLang="zh-CN" dirty="0"/>
+              <a:t>播图：管理员可对首页的轮播图进行修改，投放广告</a:t>
+            </a:r>
+            <a:r>
+              <a:rPr lang="zh-CN" altLang="zh-CN" dirty="0" smtClean="0"/>
+              <a:t>。</a:t>
+            </a:r>
+            <a:endParaRPr lang="zh-CN" altLang="zh-CN" dirty="0"/>
+          </a:p>
+          <a:p>
+            <a:pPr lvl="0"/>
+            <a:r>
+              <a:rPr lang="en-US" altLang="zh-CN" dirty="0" smtClean="0"/>
+              <a:t>         </a:t>
+            </a:r>
+            <a:r>
+              <a:rPr lang="zh-CN" altLang="zh-CN" dirty="0" smtClean="0"/>
+              <a:t>优惠券</a:t>
+            </a:r>
+            <a:r>
+              <a:rPr lang="zh-CN" altLang="zh-CN" dirty="0"/>
+              <a:t>发放：对商户发放相应的优惠券，可以抵扣金额。</a:t>
+            </a:r>
+          </a:p>
+          <a:p>
+            <a:pPr lvl="0"/>
+            <a:r>
+              <a:rPr lang="en-US" altLang="zh-CN" dirty="0" smtClean="0"/>
+              <a:t>         </a:t>
+            </a:r>
+            <a:r>
+              <a:rPr lang="zh-CN" altLang="zh-CN" dirty="0" smtClean="0"/>
+              <a:t>跑腿</a:t>
+            </a:r>
+            <a:r>
+              <a:rPr lang="zh-CN" altLang="zh-CN" dirty="0"/>
+              <a:t>员奖励：对达到相应订单数量的跑腿员额外奖励</a:t>
+            </a:r>
+            <a:r>
+              <a:rPr lang="zh-CN" altLang="zh-CN" dirty="0" smtClean="0"/>
+              <a:t>。</a:t>
+            </a:r>
+            <a:endParaRPr lang="en-US" altLang="zh-CN" dirty="0" smtClean="0"/>
+          </a:p>
+          <a:p>
+            <a:pPr lvl="0"/>
+            <a:endParaRPr lang="zh-CN" altLang="zh-CN" dirty="0"/>
+          </a:p>
+          <a:p>
+            <a:pPr lvl="0"/>
+            <a:r>
+              <a:rPr lang="zh-CN" altLang="zh-CN" dirty="0"/>
+              <a:t>跑腿计费：管理员可以对跑腿计费模式进行设置，不同的计费模式有不同的计费阶梯，根据不同的情况来选择不同的计费模式。</a:t>
+            </a:r>
+          </a:p>
+          <a:p>
+            <a:pPr lvl="0"/>
+            <a:endParaRPr lang="zh-CN" altLang="en-US" dirty="0">
+              <a:latin typeface="微软雅黑" panose="020B0503020204020204" pitchFamily="34" charset="-122"/>
+              <a:ea typeface="微软雅黑" panose="020B0503020204020204" pitchFamily="34" charset="-122"/>
+            </a:endParaRPr>
+          </a:p>
+        </p:txBody>
+      </p:sp>
+    </p:spTree>
+    <p:extLst>
+      <p:ext uri="{BB962C8B-B14F-4D97-AF65-F5344CB8AC3E}">
+        <p14:creationId xmlns:p14="http://schemas.microsoft.com/office/powerpoint/2010/main" val="2651540021"/>
+      </p:ext>
+    </p:extLst>
+  </p:cSld>
+  <p:clrMapOvr>
+    <a:masterClrMapping/>
+  </p:clrMapOvr>
+  <p:transition>
+    <p:wipe/>
+  </p:transition>
+  <p:timing>
+    <p:tnLst>
+      <p:par>
+        <p:cTn id="1" dur="indefinite" restart="never" nodeType="tmRoot"/>
+      </p:par>
+    </p:tnLst>
+  </p:timing>
+</p:sld>
+</file>
+
+<file path=ppt/slides/slide19.xml><?xml version="1.0" encoding="utf-8"?>
+<p:sld xmlns:a="http://schemas.openxmlformats.org/drawingml/2006/main" xmlns:r="http://schemas.openxmlformats.org/officeDocument/2006/relationships" xmlns:p="http://schemas.openxmlformats.org/presentationml/2006/main">
+  <p:cSld>
+    <p:spTree>
+      <p:nvGrpSpPr>
+        <p:cNvPr id="1" name=""/>
+        <p:cNvGrpSpPr/>
+        <p:nvPr/>
+      </p:nvGrpSpPr>
+      <p:grpSpPr>
+        <a:xfrm>
+          <a:off x="0" y="0"/>
+          <a:ext cx="0" cy="0"/>
+          <a:chOff x="0" y="0"/>
+          <a:chExt cx="0" cy="0"/>
+        </a:xfrm>
+      </p:grpSpPr>
+      <p:grpSp>
+        <p:nvGrpSpPr>
+          <p:cNvPr id="2" name="组合 1"/>
+          <p:cNvGrpSpPr/>
+          <p:nvPr/>
+        </p:nvGrpSpPr>
+        <p:grpSpPr>
+          <a:xfrm>
+            <a:off x="159654" y="86955"/>
+            <a:ext cx="3444158" cy="986484"/>
+            <a:chOff x="0" y="174039"/>
+            <a:chExt cx="3444158" cy="986484"/>
+          </a:xfrm>
+        </p:grpSpPr>
+        <p:sp>
+          <p:nvSpPr>
+            <p:cNvPr id="3" name="文本框 2"/>
+            <p:cNvSpPr txBox="1"/>
+            <p:nvPr/>
+          </p:nvSpPr>
+          <p:spPr>
+            <a:xfrm>
+              <a:off x="267877" y="174039"/>
+              <a:ext cx="3176281" cy="646331"/>
+            </a:xfrm>
+            <a:prstGeom prst="rect">
+              <a:avLst/>
+            </a:prstGeom>
+            <a:noFill/>
+          </p:spPr>
+          <p:txBody>
+            <a:bodyPr wrap="square" rtlCol="0">
+              <a:spAutoFit/>
+            </a:bodyPr>
+            <a:lstStyle/>
+            <a:p>
+              <a:r>
+                <a:rPr lang="zh-CN" altLang="en-US" sz="3600" b="1" spc="300" dirty="0" smtClean="0">
+                  <a:solidFill>
+                    <a:srgbClr val="D7343F"/>
+                  </a:solidFill>
+                  <a:latin typeface="微软雅黑" panose="020B0503020204020204" pitchFamily="34" charset="-122"/>
+                  <a:ea typeface="微软雅黑" panose="020B0503020204020204" pitchFamily="34" charset="-122"/>
+                </a:rPr>
+                <a:t>可行性研究</a:t>
+              </a:r>
+              <a:endParaRPr lang="zh-HK" altLang="en-US" sz="3600" b="1" spc="300" dirty="0">
+                <a:solidFill>
+                  <a:srgbClr val="D7343F"/>
+                </a:solidFill>
+                <a:latin typeface="微软雅黑" panose="020B0503020204020204" pitchFamily="34" charset="-122"/>
+                <a:ea typeface="微软雅黑" panose="020B0503020204020204" pitchFamily="34" charset="-122"/>
+              </a:endParaRPr>
+            </a:p>
+          </p:txBody>
+        </p:sp>
+        <p:sp>
+          <p:nvSpPr>
+            <p:cNvPr id="4" name="文本框 3"/>
+            <p:cNvSpPr txBox="1"/>
+            <p:nvPr/>
+          </p:nvSpPr>
+          <p:spPr>
+            <a:xfrm>
+              <a:off x="267877" y="760413"/>
+              <a:ext cx="2620469" cy="400110"/>
+            </a:xfrm>
+            <a:prstGeom prst="rect">
+              <a:avLst/>
+            </a:prstGeom>
+            <a:noFill/>
+          </p:spPr>
+          <p:txBody>
+            <a:bodyPr wrap="square" rtlCol="0">
+              <a:spAutoFit/>
+            </a:bodyPr>
+            <a:lstStyle/>
+            <a:p>
+              <a:r>
+                <a:rPr lang="zh-CN" altLang="en-US" sz="2000" b="1" spc="300" dirty="0" smtClean="0">
+                  <a:solidFill>
+                    <a:srgbClr val="485766"/>
+                  </a:solidFill>
+                  <a:latin typeface="微软雅黑" panose="020B0503020204020204" pitchFamily="34" charset="-122"/>
+                  <a:ea typeface="微软雅黑" panose="020B0503020204020204" pitchFamily="34" charset="-122"/>
+                </a:rPr>
+                <a:t>项目特色</a:t>
+              </a:r>
+              <a:endParaRPr lang="zh-HK" altLang="en-US" sz="2000" b="1" spc="300" dirty="0">
+                <a:solidFill>
+                  <a:srgbClr val="485766"/>
+                </a:solidFill>
+                <a:latin typeface="微软雅黑" panose="020B0503020204020204" pitchFamily="34" charset="-122"/>
+                <a:ea typeface="微软雅黑" panose="020B0503020204020204" pitchFamily="34" charset="-122"/>
+              </a:endParaRPr>
+            </a:p>
+          </p:txBody>
+        </p:sp>
+        <p:sp>
+          <p:nvSpPr>
+            <p:cNvPr id="5" name="矩形 4"/>
+            <p:cNvSpPr/>
+            <p:nvPr/>
+          </p:nvSpPr>
+          <p:spPr>
+            <a:xfrm>
+              <a:off x="0" y="260350"/>
+              <a:ext cx="201202" cy="831850"/>
+            </a:xfrm>
+            <a:prstGeom prst="rect">
+              <a:avLst/>
+            </a:prstGeom>
+            <a:solidFill>
+              <a:srgbClr val="D6343F"/>
+            </a:solidFill>
+            <a:ln>
+              <a:noFill/>
+            </a:ln>
+          </p:spPr>
+          <p:style>
+            <a:lnRef idx="2">
+              <a:schemeClr val="accent1">
+                <a:shade val="50000"/>
+              </a:schemeClr>
+            </a:lnRef>
+            <a:fillRef idx="1">
+              <a:schemeClr val="accent1"/>
+            </a:fillRef>
+            <a:effectRef idx="0">
+              <a:schemeClr val="accent1"/>
+            </a:effectRef>
+            <a:fontRef idx="minor">
+              <a:schemeClr val="lt1"/>
+            </a:fontRef>
+          </p:style>
+          <p:txBody>
+            <a:bodyPr rtlCol="0" anchor="ctr"/>
+            <a:lstStyle/>
+            <a:p>
+              <a:pPr algn="ctr"/>
+              <a:endParaRPr lang="zh-HK" altLang="en-US">
+                <a:solidFill>
+                  <a:srgbClr val="D7343F"/>
+                </a:solidFill>
+              </a:endParaRPr>
+            </a:p>
+          </p:txBody>
+        </p:sp>
+      </p:grpSp>
+      <p:sp>
+        <p:nvSpPr>
+          <p:cNvPr id="30" name="矩形 29"/>
+          <p:cNvSpPr/>
+          <p:nvPr/>
+        </p:nvSpPr>
+        <p:spPr>
+          <a:xfrm>
+            <a:off x="1980837" y="1322931"/>
+            <a:ext cx="1569660" cy="369332"/>
+          </a:xfrm>
+          <a:prstGeom prst="rect">
+            <a:avLst/>
+          </a:prstGeom>
+        </p:spPr>
+        <p:txBody>
+          <a:bodyPr wrap="none">
+            <a:spAutoFit/>
+          </a:bodyPr>
+          <a:lstStyle/>
+          <a:p>
+            <a:r>
+              <a:rPr lang="zh-CN" altLang="en-US" b="1" dirty="0" smtClean="0">
+                <a:latin typeface="微软雅黑" panose="020B0503020204020204" pitchFamily="34" charset="-122"/>
+                <a:ea typeface="微软雅黑" panose="020B0503020204020204" pitchFamily="34" charset="-122"/>
+              </a:rPr>
+              <a:t>系统推荐订单</a:t>
+            </a:r>
+            <a:endParaRPr lang="zh-CN" altLang="en-US" dirty="0"/>
+          </a:p>
+        </p:txBody>
+      </p:sp>
+      <p:sp>
+        <p:nvSpPr>
+          <p:cNvPr id="8" name="文本框 7"/>
+          <p:cNvSpPr txBox="1"/>
+          <p:nvPr/>
+        </p:nvSpPr>
+        <p:spPr>
+          <a:xfrm>
+            <a:off x="901337" y="2076994"/>
+            <a:ext cx="4950823" cy="3000821"/>
+          </a:xfrm>
+          <a:prstGeom prst="rect">
+            <a:avLst/>
+          </a:prstGeom>
+          <a:noFill/>
+        </p:spPr>
+        <p:txBody>
+          <a:bodyPr wrap="square" rtlCol="0">
+            <a:spAutoFit/>
+          </a:bodyPr>
+          <a:lstStyle/>
+          <a:p>
+            <a:pPr>
+              <a:lnSpc>
+                <a:spcPct val="150000"/>
+              </a:lnSpc>
+            </a:pPr>
+            <a:r>
+              <a:rPr lang="zh-CN" altLang="zh-CN" dirty="0" smtClean="0">
+                <a:latin typeface="微软雅黑" panose="020B0503020204020204" pitchFamily="34" charset="-122"/>
+                <a:ea typeface="微软雅黑" panose="020B0503020204020204" pitchFamily="34" charset="-122"/>
+              </a:rPr>
+              <a:t>随着</a:t>
+            </a:r>
+            <a:r>
+              <a:rPr lang="zh-CN" altLang="zh-CN" dirty="0">
+                <a:latin typeface="微软雅黑" panose="020B0503020204020204" pitchFamily="34" charset="-122"/>
+                <a:ea typeface="微软雅黑" panose="020B0503020204020204" pitchFamily="34" charset="-122"/>
+              </a:rPr>
+              <a:t>数据采集的不断完善和人工智能技术的不断成熟，通过人工智能的方法来进行订单的指派，具有巨大的收益，成为各个配送平台研究的热点之一。</a:t>
+            </a:r>
+          </a:p>
+          <a:p>
+            <a:pPr>
+              <a:lnSpc>
+                <a:spcPct val="150000"/>
+              </a:lnSpc>
+            </a:pPr>
+            <a:r>
+              <a:rPr lang="zh-CN" altLang="zh-CN" dirty="0">
+                <a:latin typeface="微软雅黑" panose="020B0503020204020204" pitchFamily="34" charset="-122"/>
+                <a:ea typeface="微软雅黑" panose="020B0503020204020204" pitchFamily="34" charset="-122"/>
+              </a:rPr>
+              <a:t>我们根据大数据分析算法来针对性的</a:t>
+            </a:r>
+            <a:r>
+              <a:rPr lang="zh-CN" altLang="zh-CN" dirty="0" smtClean="0">
+                <a:latin typeface="微软雅黑" panose="020B0503020204020204" pitchFamily="34" charset="-122"/>
+                <a:ea typeface="微软雅黑" panose="020B0503020204020204" pitchFamily="34" charset="-122"/>
+              </a:rPr>
+              <a:t>为</a:t>
+            </a:r>
+            <a:r>
+              <a:rPr lang="zh-CN" altLang="en-US" dirty="0">
+                <a:latin typeface="微软雅黑" panose="020B0503020204020204" pitchFamily="34" charset="-122"/>
+                <a:ea typeface="微软雅黑" panose="020B0503020204020204" pitchFamily="34" charset="-122"/>
+              </a:rPr>
+              <a:t>跑腿</a:t>
+            </a:r>
+            <a:r>
+              <a:rPr lang="zh-CN" altLang="zh-CN" dirty="0" smtClean="0">
+                <a:latin typeface="微软雅黑" panose="020B0503020204020204" pitchFamily="34" charset="-122"/>
+                <a:ea typeface="微软雅黑" panose="020B0503020204020204" pitchFamily="34" charset="-122"/>
+              </a:rPr>
+              <a:t>员</a:t>
+            </a:r>
+            <a:r>
+              <a:rPr lang="zh-CN" altLang="zh-CN" dirty="0">
+                <a:latin typeface="微软雅黑" panose="020B0503020204020204" pitchFamily="34" charset="-122"/>
+                <a:ea typeface="微软雅黑" panose="020B0503020204020204" pitchFamily="34" charset="-122"/>
+              </a:rPr>
+              <a:t>规划出一条取货路径，并</a:t>
+            </a:r>
+            <a:r>
+              <a:rPr lang="zh-CN" altLang="zh-CN" dirty="0" smtClean="0">
+                <a:latin typeface="微软雅黑" panose="020B0503020204020204" pitchFamily="34" charset="-122"/>
+                <a:ea typeface="微软雅黑" panose="020B0503020204020204" pitchFamily="34" charset="-122"/>
+              </a:rPr>
+              <a:t>根据</a:t>
+            </a:r>
+            <a:r>
+              <a:rPr lang="zh-CN" altLang="en-US" dirty="0">
+                <a:latin typeface="微软雅黑" panose="020B0503020204020204" pitchFamily="34" charset="-122"/>
+                <a:ea typeface="微软雅黑" panose="020B0503020204020204" pitchFamily="34" charset="-122"/>
+              </a:rPr>
+              <a:t>跑腿</a:t>
+            </a:r>
+            <a:r>
+              <a:rPr lang="zh-CN" altLang="zh-CN" dirty="0" smtClean="0">
+                <a:latin typeface="微软雅黑" panose="020B0503020204020204" pitchFamily="34" charset="-122"/>
+                <a:ea typeface="微软雅黑" panose="020B0503020204020204" pitchFamily="34" charset="-122"/>
+              </a:rPr>
+              <a:t>员</a:t>
+            </a:r>
+            <a:r>
+              <a:rPr lang="zh-CN" altLang="zh-CN" dirty="0">
+                <a:latin typeface="微软雅黑" panose="020B0503020204020204" pitchFamily="34" charset="-122"/>
+                <a:ea typeface="微软雅黑" panose="020B0503020204020204" pitchFamily="34" charset="-122"/>
+              </a:rPr>
+              <a:t>的所处地域</a:t>
+            </a:r>
+            <a:r>
+              <a:rPr lang="zh-CN" altLang="zh-CN" dirty="0" smtClean="0">
+                <a:latin typeface="微软雅黑" panose="020B0503020204020204" pitchFamily="34" charset="-122"/>
+                <a:ea typeface="微软雅黑" panose="020B0503020204020204" pitchFamily="34" charset="-122"/>
+              </a:rPr>
+              <a:t>，</a:t>
+            </a:r>
+            <a:r>
+              <a:rPr lang="zh-CN" altLang="en-US" dirty="0" smtClean="0">
+                <a:latin typeface="微软雅黑" panose="020B0503020204020204" pitchFamily="34" charset="-122"/>
+                <a:ea typeface="微软雅黑" panose="020B0503020204020204" pitchFamily="34" charset="-122"/>
+              </a:rPr>
+              <a:t>会在首页推荐合适的订单给跑腿员。</a:t>
+            </a:r>
+            <a:endParaRPr lang="zh-CN" altLang="en-US" dirty="0"/>
+          </a:p>
+        </p:txBody>
+      </p:sp>
+      <p:pic>
+        <p:nvPicPr>
+          <p:cNvPr id="32" name="图片 31"/>
+          <p:cNvPicPr/>
+          <p:nvPr/>
+        </p:nvPicPr>
+        <p:blipFill>
+          <a:blip r:embed="rId2">
+            <a:extLst>
+              <a:ext uri="{28A0092B-C50C-407E-A947-70E740481C1C}">
+                <a14:useLocalDpi xmlns:a14="http://schemas.microsoft.com/office/drawing/2010/main" val="0"/>
+              </a:ext>
+            </a:extLst>
+          </a:blip>
+          <a:stretch>
+            <a:fillRect/>
+          </a:stretch>
+        </p:blipFill>
+        <p:spPr>
+          <a:xfrm>
+            <a:off x="6037534" y="2076994"/>
+            <a:ext cx="5760085" cy="2348865"/>
+          </a:xfrm>
+          <a:prstGeom prst="rect">
+            <a:avLst/>
+          </a:prstGeom>
+        </p:spPr>
+      </p:pic>
+    </p:spTree>
+    <p:extLst>
+      <p:ext uri="{BB962C8B-B14F-4D97-AF65-F5344CB8AC3E}">
+        <p14:creationId xmlns:p14="http://schemas.microsoft.com/office/powerpoint/2010/main" val="3281269682"/>
+      </p:ext>
+    </p:extLst>
+  </p:cSld>
+  <p:clrMapOvr>
+    <a:masterClrMapping/>
+  </p:clrMapOvr>
+  <p:transition>
+    <p:wipe/>
+  </p:transition>
+  <p:timing>
+    <p:tnLst>
+      <p:par>
+        <p:cTn id="1" dur="indefinite" restart="never" nodeType="tmRoot"/>
+      </p:par>
+    </p:tnLst>
+  </p:timing>
+</p:sld>
+</file>
+
+<file path=ppt/slides/slide2.xml><?xml version="1.0" encoding="utf-8"?>
+<p:sld xmlns:a="http://schemas.openxmlformats.org/drawingml/2006/main" xmlns:r="http://schemas.openxmlformats.org/officeDocument/2006/relationships" xmlns:p="http://schemas.openxmlformats.org/presentationml/2006/main">
+  <p:cSld>
+    <p:spTree>
+      <p:nvGrpSpPr>
+        <p:cNvPr id="1" name=""/>
+        <p:cNvGrpSpPr/>
+        <p:nvPr/>
+      </p:nvGrpSpPr>
+      <p:grpSpPr>
+        <a:xfrm>
+          <a:off x="0" y="0"/>
+          <a:ext cx="0" cy="0"/>
+          <a:chOff x="0" y="0"/>
+          <a:chExt cx="0" cy="0"/>
+        </a:xfrm>
+      </p:grpSpPr>
+      <p:grpSp>
+        <p:nvGrpSpPr>
+          <p:cNvPr id="24" name="组合 23"/>
+          <p:cNvGrpSpPr/>
+          <p:nvPr/>
+        </p:nvGrpSpPr>
+        <p:grpSpPr>
+          <a:xfrm>
+            <a:off x="4902994" y="658922"/>
+            <a:ext cx="2386012" cy="614362"/>
+            <a:chOff x="4071938" y="642938"/>
+            <a:chExt cx="2386012" cy="614362"/>
+          </a:xfrm>
+        </p:grpSpPr>
+        <p:cxnSp>
+          <p:nvCxnSpPr>
+            <p:cNvPr id="9" name="直接连接符 8"/>
+            <p:cNvCxnSpPr/>
+            <p:nvPr/>
+          </p:nvCxnSpPr>
+          <p:spPr>
+            <a:xfrm>
+              <a:off x="4071938" y="642938"/>
+              <a:ext cx="2386012" cy="0"/>
+            </a:xfrm>
+            <a:prstGeom prst="line">
+              <a:avLst/>
+            </a:prstGeom>
+            <a:ln>
+              <a:solidFill>
+                <a:srgbClr val="484848"/>
+              </a:solidFill>
+              <a:prstDash val="dash"/>
+            </a:ln>
+          </p:spPr>
+          <p:style>
+            <a:lnRef idx="1">
+              <a:schemeClr val="accent1"/>
+            </a:lnRef>
+            <a:fillRef idx="0">
+              <a:schemeClr val="accent1"/>
+            </a:fillRef>
+            <a:effectRef idx="0">
+              <a:schemeClr val="accent1"/>
+            </a:effectRef>
+            <a:fontRef idx="minor">
+              <a:schemeClr val="tx1"/>
+            </a:fontRef>
+          </p:style>
+        </p:cxnSp>
+        <p:cxnSp>
+          <p:nvCxnSpPr>
+            <p:cNvPr id="21" name="直接连接符 20"/>
+            <p:cNvCxnSpPr/>
+            <p:nvPr/>
+          </p:nvCxnSpPr>
+          <p:spPr>
+            <a:xfrm>
+              <a:off x="4071938" y="1257300"/>
+              <a:ext cx="2386012" cy="0"/>
+            </a:xfrm>
+            <a:prstGeom prst="line">
+              <a:avLst/>
+            </a:prstGeom>
+            <a:ln>
+              <a:solidFill>
+                <a:srgbClr val="484848"/>
+              </a:solidFill>
+              <a:prstDash val="dash"/>
+            </a:ln>
+          </p:spPr>
+          <p:style>
+            <a:lnRef idx="1">
+              <a:schemeClr val="accent1"/>
+            </a:lnRef>
+            <a:fillRef idx="0">
+              <a:schemeClr val="accent1"/>
+            </a:fillRef>
+            <a:effectRef idx="0">
+              <a:schemeClr val="accent1"/>
+            </a:effectRef>
+            <a:fontRef idx="minor">
+              <a:schemeClr val="tx1"/>
+            </a:fontRef>
+          </p:style>
+        </p:cxnSp>
+      </p:grpSp>
+      <p:sp>
+        <p:nvSpPr>
+          <p:cNvPr id="25" name="文本框 24"/>
+          <p:cNvSpPr txBox="1"/>
+          <p:nvPr/>
+        </p:nvSpPr>
+        <p:spPr>
+          <a:xfrm>
+            <a:off x="4628169" y="642938"/>
+            <a:ext cx="2935662" cy="646331"/>
+          </a:xfrm>
+          <a:prstGeom prst="rect">
+            <a:avLst/>
+          </a:prstGeom>
+          <a:noFill/>
+        </p:spPr>
+        <p:txBody>
+          <a:bodyPr wrap="square" rtlCol="0">
+            <a:spAutoFit/>
+          </a:bodyPr>
+          <a:lstStyle/>
+          <a:p>
+            <a:pPr algn="ctr"/>
+            <a:r>
+              <a:rPr lang="en-US" altLang="zh-HK" sz="3600" b="1" dirty="0" err="1" smtClean="0">
+                <a:solidFill>
+                  <a:srgbClr val="D7343F"/>
+                </a:solidFill>
+                <a:latin typeface="微软雅黑" panose="020B0503020204020204" pitchFamily="34" charset="-122"/>
+                <a:ea typeface="微软雅黑" panose="020B0503020204020204" pitchFamily="34" charset="-122"/>
+              </a:rPr>
+              <a:t>Con</a:t>
+            </a:r>
+            <a:r>
+              <a:rPr lang="en-US" altLang="zh-HK" sz="3600" b="1" dirty="0" err="1" smtClean="0">
+                <a:solidFill>
+                  <a:srgbClr val="485766"/>
+                </a:solidFill>
+                <a:latin typeface="微软雅黑" panose="020B0503020204020204" pitchFamily="34" charset="-122"/>
+                <a:ea typeface="微软雅黑" panose="020B0503020204020204" pitchFamily="34" charset="-122"/>
+              </a:rPr>
+              <a:t>tants</a:t>
+            </a:r>
+            <a:endParaRPr lang="zh-HK" altLang="en-US" sz="3600" b="1" dirty="0">
+              <a:solidFill>
+                <a:srgbClr val="485766"/>
+              </a:solidFill>
+              <a:latin typeface="微软雅黑" panose="020B0503020204020204" pitchFamily="34" charset="-122"/>
+              <a:ea typeface="微软雅黑" panose="020B0503020204020204" pitchFamily="34" charset="-122"/>
+            </a:endParaRPr>
+          </a:p>
+        </p:txBody>
+      </p:sp>
+      <p:pic>
+        <p:nvPicPr>
+          <p:cNvPr id="2" name="图片 1"/>
+          <p:cNvPicPr>
+            <a:picLocks noChangeAspect="1"/>
+          </p:cNvPicPr>
+          <p:nvPr/>
+        </p:nvPicPr>
+        <p:blipFill rotWithShape="1">
+          <a:blip r:embed="rId2">
+            <a:extLst>
+              <a:ext uri="{BEBA8EAE-BF5A-486C-A8C5-ECC9F3942E4B}">
+                <a14:imgProps xmlns:a14="http://schemas.microsoft.com/office/drawing/2010/main">
+                  <a14:imgLayer r:embed="rId3">
+                    <a14:imgEffect>
+                      <a14:artisticBlur/>
+                    </a14:imgEffect>
+                  </a14:imgLayer>
+                </a14:imgProps>
+              </a:ext>
+              <a:ext uri="{28A0092B-C50C-407E-A947-70E740481C1C}">
+                <a14:useLocalDpi xmlns:a14="http://schemas.microsoft.com/office/drawing/2010/main" val="0"/>
+              </a:ext>
+            </a:extLst>
+          </a:blip>
+          <a:srcRect t="29238" b="35781"/>
+          <a:stretch/>
+        </p:blipFill>
+        <p:spPr>
+          <a:xfrm>
+            <a:off x="0" y="2098677"/>
+            <a:ext cx="12192000" cy="2843212"/>
+          </a:xfrm>
+          <a:prstGeom prst="rect">
+            <a:avLst/>
+          </a:prstGeom>
+        </p:spPr>
+      </p:pic>
+      <p:sp>
+        <p:nvSpPr>
+          <p:cNvPr id="5" name="矩形 4"/>
+          <p:cNvSpPr/>
+          <p:nvPr/>
+        </p:nvSpPr>
+        <p:spPr>
+          <a:xfrm>
+            <a:off x="0" y="4873627"/>
+            <a:ext cx="12192000" cy="157162"/>
+          </a:xfrm>
+          <a:prstGeom prst="rect">
+            <a:avLst/>
+          </a:prstGeom>
+          <a:solidFill>
+            <a:srgbClr val="D6343F"/>
+          </a:solidFill>
+          <a:ln>
+            <a:noFill/>
+          </a:ln>
+        </p:spPr>
+        <p:style>
+          <a:lnRef idx="2">
+            <a:schemeClr val="accent1">
+              <a:shade val="50000"/>
+            </a:schemeClr>
+          </a:lnRef>
+          <a:fillRef idx="1">
+            <a:schemeClr val="accent1"/>
+          </a:fillRef>
+          <a:effectRef idx="0">
+            <a:schemeClr val="accent1"/>
+          </a:effectRef>
+          <a:fontRef idx="minor">
+            <a:schemeClr val="lt1"/>
+          </a:fontRef>
+        </p:style>
+        <p:txBody>
+          <a:bodyPr rtlCol="0" anchor="ctr"/>
+          <a:lstStyle/>
+          <a:p>
+            <a:pPr algn="ctr"/>
+            <a:endParaRPr lang="zh-HK" altLang="en-US"/>
+          </a:p>
+        </p:txBody>
+      </p:sp>
+      <p:sp>
+        <p:nvSpPr>
+          <p:cNvPr id="15" name="矩形 14"/>
+          <p:cNvSpPr/>
+          <p:nvPr/>
+        </p:nvSpPr>
+        <p:spPr>
+          <a:xfrm>
+            <a:off x="0" y="1941515"/>
+            <a:ext cx="12192000" cy="157162"/>
+          </a:xfrm>
+          <a:prstGeom prst="rect">
+            <a:avLst/>
+          </a:prstGeom>
+          <a:solidFill>
+            <a:srgbClr val="484848"/>
+          </a:solidFill>
+          <a:ln>
+            <a:noFill/>
+          </a:ln>
+        </p:spPr>
+        <p:style>
+          <a:lnRef idx="2">
+            <a:schemeClr val="accent1">
+              <a:shade val="50000"/>
+            </a:schemeClr>
+          </a:lnRef>
+          <a:fillRef idx="1">
+            <a:schemeClr val="accent1"/>
+          </a:fillRef>
+          <a:effectRef idx="0">
+            <a:schemeClr val="accent1"/>
+          </a:effectRef>
+          <a:fontRef idx="minor">
+            <a:schemeClr val="lt1"/>
+          </a:fontRef>
+        </p:style>
+        <p:txBody>
+          <a:bodyPr rtlCol="0" anchor="ctr"/>
+          <a:lstStyle/>
+          <a:p>
+            <a:pPr algn="ctr"/>
+            <a:endParaRPr lang="zh-HK" altLang="en-US"/>
+          </a:p>
+        </p:txBody>
+      </p:sp>
+      <p:sp>
+        <p:nvSpPr>
+          <p:cNvPr id="32" name="文本框 31"/>
+          <p:cNvSpPr txBox="1"/>
+          <p:nvPr/>
+        </p:nvSpPr>
+        <p:spPr>
+          <a:xfrm>
+            <a:off x="1706563" y="3973911"/>
+            <a:ext cx="1092200" cy="1077218"/>
+          </a:xfrm>
+          <a:prstGeom prst="rect">
+            <a:avLst/>
+          </a:prstGeom>
+          <a:noFill/>
+        </p:spPr>
+        <p:txBody>
+          <a:bodyPr wrap="square" rtlCol="0">
+            <a:spAutoFit/>
+          </a:bodyPr>
+          <a:lstStyle/>
+          <a:p>
+            <a:pPr algn="ctr"/>
+            <a:r>
+              <a:rPr lang="zh-CN" altLang="en-US" sz="3200" b="1" dirty="0" smtClean="0">
+                <a:solidFill>
+                  <a:schemeClr val="bg1"/>
+                </a:solidFill>
+                <a:latin typeface="微软雅黑" panose="020B0503020204020204" pitchFamily="34" charset="-122"/>
+                <a:ea typeface="微软雅黑" panose="020B0503020204020204" pitchFamily="34" charset="-122"/>
+              </a:rPr>
+              <a:t>项目背景</a:t>
+            </a:r>
+            <a:endParaRPr lang="zh-HK" altLang="en-US" sz="3200" b="1" dirty="0">
+              <a:solidFill>
+                <a:schemeClr val="bg1"/>
+              </a:solidFill>
+              <a:latin typeface="微软雅黑" panose="020B0503020204020204" pitchFamily="34" charset="-122"/>
+              <a:ea typeface="微软雅黑" panose="020B0503020204020204" pitchFamily="34" charset="-122"/>
+            </a:endParaRPr>
+          </a:p>
+        </p:txBody>
+      </p:sp>
+      <p:sp>
+        <p:nvSpPr>
+          <p:cNvPr id="33" name="文本框 32"/>
+          <p:cNvSpPr txBox="1"/>
+          <p:nvPr/>
+        </p:nvSpPr>
+        <p:spPr>
+          <a:xfrm>
+            <a:off x="5304790" y="3974729"/>
+            <a:ext cx="1582420" cy="1077218"/>
+          </a:xfrm>
+          <a:prstGeom prst="rect">
+            <a:avLst/>
+          </a:prstGeom>
+          <a:noFill/>
+        </p:spPr>
+        <p:txBody>
+          <a:bodyPr wrap="square" rtlCol="0">
+            <a:spAutoFit/>
+          </a:bodyPr>
+          <a:lstStyle/>
+          <a:p>
+            <a:pPr algn="ctr"/>
+            <a:r>
+              <a:rPr lang="zh-CN" altLang="en-US" sz="3200" b="1" dirty="0" smtClean="0">
+                <a:solidFill>
+                  <a:schemeClr val="bg1"/>
+                </a:solidFill>
+                <a:latin typeface="微软雅黑" panose="020B0503020204020204" pitchFamily="34" charset="-122"/>
+                <a:ea typeface="微软雅黑" panose="020B0503020204020204" pitchFamily="34" charset="-122"/>
+              </a:rPr>
+              <a:t>可行性研究</a:t>
+            </a:r>
+            <a:endParaRPr lang="zh-HK" altLang="en-US" sz="3200" b="1" dirty="0">
+              <a:solidFill>
+                <a:schemeClr val="bg1"/>
+              </a:solidFill>
+              <a:latin typeface="微软雅黑" panose="020B0503020204020204" pitchFamily="34" charset="-122"/>
+              <a:ea typeface="微软雅黑" panose="020B0503020204020204" pitchFamily="34" charset="-122"/>
+            </a:endParaRPr>
+          </a:p>
+        </p:txBody>
+      </p:sp>
+      <p:sp>
+        <p:nvSpPr>
+          <p:cNvPr id="27" name="椭圆 26"/>
+          <p:cNvSpPr/>
+          <p:nvPr/>
+        </p:nvSpPr>
+        <p:spPr>
+          <a:xfrm>
+            <a:off x="1678890" y="2540000"/>
+            <a:ext cx="1147546" cy="1147546"/>
+          </a:xfrm>
+          <a:prstGeom prst="ellipse">
+            <a:avLst/>
+          </a:prstGeom>
+          <a:noFill/>
+          <a:ln>
+            <a:solidFill>
+              <a:schemeClr val="bg1"/>
+            </a:solidFill>
+            <a:prstDash val="dash"/>
+          </a:ln>
+        </p:spPr>
+        <p:style>
+          <a:lnRef idx="2">
+            <a:schemeClr val="accent1">
+              <a:shade val="50000"/>
+            </a:schemeClr>
+          </a:lnRef>
+          <a:fillRef idx="1">
+            <a:schemeClr val="accent1"/>
+          </a:fillRef>
+          <a:effectRef idx="0">
+            <a:schemeClr val="accent1"/>
+          </a:effectRef>
+          <a:fontRef idx="minor">
+            <a:schemeClr val="lt1"/>
+          </a:fontRef>
+        </p:style>
+        <p:txBody>
+          <a:bodyPr rtlCol="0" anchor="ctr"/>
+          <a:lstStyle/>
+          <a:p>
+            <a:pPr algn="ctr"/>
+            <a:r>
+              <a:rPr lang="en-US" altLang="zh-HK" sz="4000" b="1" dirty="0" smtClean="0">
+                <a:latin typeface="微软雅黑" panose="020B0503020204020204" pitchFamily="34" charset="-122"/>
+                <a:ea typeface="微软雅黑" panose="020B0503020204020204" pitchFamily="34" charset="-122"/>
+              </a:rPr>
+              <a:t>01</a:t>
+            </a:r>
+            <a:endParaRPr lang="zh-HK" altLang="en-US" sz="4000" b="1" dirty="0">
+              <a:latin typeface="微软雅黑" panose="020B0503020204020204" pitchFamily="34" charset="-122"/>
+              <a:ea typeface="微软雅黑" panose="020B0503020204020204" pitchFamily="34" charset="-122"/>
+            </a:endParaRPr>
+          </a:p>
+        </p:txBody>
+      </p:sp>
+      <p:sp>
+        <p:nvSpPr>
+          <p:cNvPr id="28" name="椭圆 27"/>
+          <p:cNvSpPr/>
+          <p:nvPr/>
+        </p:nvSpPr>
+        <p:spPr>
+          <a:xfrm>
+            <a:off x="5522227" y="2540992"/>
+            <a:ext cx="1147546" cy="1147546"/>
+          </a:xfrm>
+          <a:prstGeom prst="ellipse">
+            <a:avLst/>
+          </a:prstGeom>
+          <a:noFill/>
+          <a:ln>
+            <a:solidFill>
+              <a:schemeClr val="bg1"/>
+            </a:solidFill>
+            <a:prstDash val="dash"/>
+          </a:ln>
+        </p:spPr>
+        <p:style>
+          <a:lnRef idx="2">
+            <a:schemeClr val="accent1">
+              <a:shade val="50000"/>
+            </a:schemeClr>
+          </a:lnRef>
+          <a:fillRef idx="1">
+            <a:schemeClr val="accent1"/>
+          </a:fillRef>
+          <a:effectRef idx="0">
+            <a:schemeClr val="accent1"/>
+          </a:effectRef>
+          <a:fontRef idx="minor">
+            <a:schemeClr val="lt1"/>
+          </a:fontRef>
+        </p:style>
+        <p:txBody>
+          <a:bodyPr rtlCol="0" anchor="ctr"/>
+          <a:lstStyle/>
+          <a:p>
+            <a:pPr algn="ctr"/>
+            <a:r>
+              <a:rPr lang="en-US" altLang="zh-HK" sz="4000" b="1" dirty="0" smtClean="0">
+                <a:latin typeface="微软雅黑" panose="020B0503020204020204" pitchFamily="34" charset="-122"/>
+                <a:ea typeface="微软雅黑" panose="020B0503020204020204" pitchFamily="34" charset="-122"/>
+              </a:rPr>
+              <a:t>02</a:t>
+            </a:r>
+            <a:endParaRPr lang="zh-HK" altLang="en-US" sz="4000" b="1" dirty="0">
+              <a:latin typeface="微软雅黑" panose="020B0503020204020204" pitchFamily="34" charset="-122"/>
+              <a:ea typeface="微软雅黑" panose="020B0503020204020204" pitchFamily="34" charset="-122"/>
+            </a:endParaRPr>
+          </a:p>
+        </p:txBody>
+      </p:sp>
+      <p:sp>
+        <p:nvSpPr>
+          <p:cNvPr id="29" name="椭圆 28"/>
+          <p:cNvSpPr/>
+          <p:nvPr/>
+        </p:nvSpPr>
+        <p:spPr>
+          <a:xfrm>
+            <a:off x="9365565" y="2540992"/>
+            <a:ext cx="1147546" cy="1147546"/>
+          </a:xfrm>
+          <a:prstGeom prst="ellipse">
+            <a:avLst/>
+          </a:prstGeom>
+          <a:noFill/>
+          <a:ln>
+            <a:solidFill>
+              <a:schemeClr val="bg1"/>
+            </a:solidFill>
+            <a:prstDash val="dash"/>
+          </a:ln>
+        </p:spPr>
+        <p:style>
+          <a:lnRef idx="2">
+            <a:schemeClr val="accent1">
+              <a:shade val="50000"/>
+            </a:schemeClr>
+          </a:lnRef>
+          <a:fillRef idx="1">
+            <a:schemeClr val="accent1"/>
+          </a:fillRef>
+          <a:effectRef idx="0">
+            <a:schemeClr val="accent1"/>
+          </a:effectRef>
+          <a:fontRef idx="minor">
+            <a:schemeClr val="lt1"/>
+          </a:fontRef>
+        </p:style>
+        <p:txBody>
+          <a:bodyPr rtlCol="0" anchor="ctr"/>
+          <a:lstStyle/>
+          <a:p>
+            <a:pPr algn="ctr"/>
+            <a:r>
+              <a:rPr lang="en-US" altLang="zh-HK" sz="4000" b="1" dirty="0" smtClean="0">
+                <a:latin typeface="微软雅黑" panose="020B0503020204020204" pitchFamily="34" charset="-122"/>
+                <a:ea typeface="微软雅黑" panose="020B0503020204020204" pitchFamily="34" charset="-122"/>
+              </a:rPr>
+              <a:t>03</a:t>
+            </a:r>
+            <a:endParaRPr lang="zh-HK" altLang="en-US" sz="4000" b="1" dirty="0">
+              <a:latin typeface="微软雅黑" panose="020B0503020204020204" pitchFamily="34" charset="-122"/>
+              <a:ea typeface="微软雅黑" panose="020B0503020204020204" pitchFamily="34" charset="-122"/>
+            </a:endParaRPr>
+          </a:p>
+        </p:txBody>
+      </p:sp>
+      <p:sp>
+        <p:nvSpPr>
+          <p:cNvPr id="34" name="文本框 33"/>
+          <p:cNvSpPr txBox="1"/>
+          <p:nvPr/>
+        </p:nvSpPr>
+        <p:spPr>
+          <a:xfrm>
+            <a:off x="9393238" y="3972919"/>
+            <a:ext cx="1092200" cy="1077218"/>
+          </a:xfrm>
+          <a:prstGeom prst="rect">
+            <a:avLst/>
+          </a:prstGeom>
+          <a:noFill/>
+        </p:spPr>
+        <p:txBody>
+          <a:bodyPr wrap="square" rtlCol="0">
+            <a:spAutoFit/>
+          </a:bodyPr>
+          <a:lstStyle/>
+          <a:p>
+            <a:pPr algn="ctr"/>
+            <a:r>
+              <a:rPr lang="zh-CN" altLang="en-US" sz="3200" b="1" dirty="0" smtClean="0">
+                <a:solidFill>
+                  <a:schemeClr val="bg1"/>
+                </a:solidFill>
+                <a:latin typeface="微软雅黑" panose="020B0503020204020204" pitchFamily="34" charset="-122"/>
+                <a:ea typeface="微软雅黑" panose="020B0503020204020204" pitchFamily="34" charset="-122"/>
+              </a:rPr>
+              <a:t>需求分析</a:t>
+            </a:r>
+            <a:endParaRPr lang="zh-HK" altLang="en-US" sz="3200" b="1" dirty="0">
+              <a:solidFill>
+                <a:schemeClr val="bg1"/>
+              </a:solidFill>
+              <a:latin typeface="微软雅黑" panose="020B0503020204020204" pitchFamily="34" charset="-122"/>
+              <a:ea typeface="微软雅黑" panose="020B0503020204020204" pitchFamily="34" charset="-122"/>
+            </a:endParaRPr>
+          </a:p>
+        </p:txBody>
+      </p:sp>
+      <p:sp>
+        <p:nvSpPr>
+          <p:cNvPr id="42" name="文本框 41"/>
+          <p:cNvSpPr txBox="1"/>
+          <p:nvPr/>
+        </p:nvSpPr>
+        <p:spPr>
+          <a:xfrm>
+            <a:off x="3086100" y="6139157"/>
+            <a:ext cx="6019800" cy="461665"/>
+          </a:xfrm>
+          <a:prstGeom prst="rect">
+            <a:avLst/>
+          </a:prstGeom>
+          <a:noFill/>
+        </p:spPr>
+        <p:txBody>
+          <a:bodyPr wrap="square" rtlCol="0">
+            <a:spAutoFit/>
+          </a:bodyPr>
+          <a:lstStyle/>
+          <a:p>
+            <a:pPr algn="ctr"/>
+            <a:r>
+              <a:rPr lang="en-US" altLang="zh-HK" sz="1200" dirty="0" err="1" smtClean="0">
+                <a:solidFill>
+                  <a:srgbClr val="484848"/>
+                </a:solidFill>
+              </a:rPr>
+              <a:t>Copyight</a:t>
+            </a:r>
+            <a:r>
+              <a:rPr lang="en-US" altLang="zh-HK" sz="1200" dirty="0" smtClean="0">
+                <a:solidFill>
+                  <a:srgbClr val="484848"/>
+                </a:solidFill>
+              </a:rPr>
+              <a:t> @2014 </a:t>
+            </a:r>
+            <a:r>
+              <a:rPr lang="en-US" altLang="zh-CN" sz="1200" dirty="0" err="1" smtClean="0">
+                <a:solidFill>
+                  <a:srgbClr val="484848"/>
+                </a:solidFill>
+              </a:rPr>
+              <a:t>wechat</a:t>
+            </a:r>
+            <a:r>
+              <a:rPr lang="en-US" altLang="zh-HK" sz="1200" dirty="0" smtClean="0">
+                <a:solidFill>
+                  <a:srgbClr val="484848"/>
+                </a:solidFill>
+              </a:rPr>
+              <a:t> </a:t>
+            </a:r>
+            <a:r>
+              <a:rPr lang="en-US" altLang="zh-HK" sz="1200" dirty="0" err="1" smtClean="0">
+                <a:solidFill>
+                  <a:srgbClr val="484848"/>
+                </a:solidFill>
+              </a:rPr>
+              <a:t>damen_ppp</a:t>
+            </a:r>
+            <a:r>
+              <a:rPr lang="en-US" altLang="zh-HK" sz="1200" dirty="0" smtClean="0">
+                <a:solidFill>
+                  <a:srgbClr val="484848"/>
+                </a:solidFill>
+              </a:rPr>
+              <a:t> </a:t>
+            </a:r>
+            <a:r>
+              <a:rPr lang="en-US" altLang="zh-HK" sz="1200" dirty="0" err="1" smtClean="0">
+                <a:solidFill>
+                  <a:srgbClr val="484848"/>
+                </a:solidFill>
+              </a:rPr>
+              <a:t>lnc</a:t>
+            </a:r>
+            <a:endParaRPr lang="en-US" altLang="zh-HK" sz="1200" dirty="0" smtClean="0">
+              <a:solidFill>
+                <a:srgbClr val="484848"/>
+              </a:solidFill>
+            </a:endParaRPr>
+          </a:p>
+          <a:p>
+            <a:pPr algn="ctr"/>
+            <a:r>
+              <a:rPr lang="en-US" altLang="zh-HK" sz="1200" dirty="0" smtClean="0">
+                <a:solidFill>
+                  <a:srgbClr val="484848"/>
+                </a:solidFill>
+              </a:rPr>
+              <a:t>All Rights Reserved</a:t>
+            </a:r>
+            <a:endParaRPr lang="zh-HK" altLang="en-US" sz="1200" dirty="0">
+              <a:solidFill>
+                <a:srgbClr val="484848"/>
+              </a:solidFill>
+            </a:endParaRPr>
+          </a:p>
+        </p:txBody>
+      </p:sp>
+    </p:spTree>
+    <p:extLst>
+      <p:ext uri="{BB962C8B-B14F-4D97-AF65-F5344CB8AC3E}">
+        <p14:creationId xmlns:p14="http://schemas.microsoft.com/office/powerpoint/2010/main" val="3553441131"/>
+      </p:ext>
+    </p:extLst>
+  </p:cSld>
+  <p:clrMapOvr>
+    <a:masterClrMapping/>
+  </p:clrMapOvr>
+  <mc:AlternateContent xmlns:mc="http://schemas.openxmlformats.org/markup-compatibility/2006" xmlns:p15="http://schemas.microsoft.com/office/powerpoint/2012/main">
+    <mc:Choice Requires="p15">
+      <p:transition>
+        <p15:prstTrans prst="peelOff"/>
+      </p:transition>
+    </mc:Choice>
+    <mc:Fallback xmlns="">
+      <p:transition>
+        <p:fade/>
+      </p:transition>
+    </mc:Fallback>
+  </mc:AlternateContent>
+  <p:timing>
+    <p:tnLst>
+      <p:par>
+        <p:cTn id="1" dur="indefinite" restart="never" nodeType="tmRoot"/>
+      </p:par>
+    </p:tnLst>
+  </p:timing>
+</p:sld>
+</file>
+
+<file path=ppt/slides/slide20.xml><?xml version="1.0" encoding="utf-8"?>
+<p:sld xmlns:a="http://schemas.openxmlformats.org/drawingml/2006/main" xmlns:r="http://schemas.openxmlformats.org/officeDocument/2006/relationships" xmlns:p="http://schemas.openxmlformats.org/presentationml/2006/main">
+  <p:cSld>
+    <p:spTree>
+      <p:nvGrpSpPr>
+        <p:cNvPr id="1" name=""/>
+        <p:cNvGrpSpPr/>
+        <p:nvPr/>
+      </p:nvGrpSpPr>
+      <p:grpSpPr>
+        <a:xfrm>
+          <a:off x="0" y="0"/>
+          <a:ext cx="0" cy="0"/>
+          <a:chOff x="0" y="0"/>
+          <a:chExt cx="0" cy="0"/>
+        </a:xfrm>
+      </p:grpSpPr>
+      <p:pic>
+        <p:nvPicPr>
+          <p:cNvPr id="2" name="图片 1"/>
+          <p:cNvPicPr>
+            <a:picLocks noChangeAspect="1"/>
+          </p:cNvPicPr>
+          <p:nvPr/>
+        </p:nvPicPr>
+        <p:blipFill rotWithShape="1">
+          <a:blip r:embed="rId2">
+            <a:extLst>
+              <a:ext uri="{28A0092B-C50C-407E-A947-70E740481C1C}">
+                <a14:useLocalDpi xmlns:a14="http://schemas.microsoft.com/office/drawing/2010/main" val="0"/>
+              </a:ext>
+            </a:extLst>
+          </a:blip>
+          <a:srcRect b="18308"/>
+          <a:stretch/>
+        </p:blipFill>
+        <p:spPr>
+          <a:xfrm>
+            <a:off x="0" y="0"/>
+            <a:ext cx="12192000" cy="6877050"/>
+          </a:xfrm>
+          <a:prstGeom prst="rect">
+            <a:avLst/>
+          </a:prstGeom>
+        </p:spPr>
+      </p:pic>
+      <p:sp>
+        <p:nvSpPr>
+          <p:cNvPr id="4" name="矩形 3"/>
+          <p:cNvSpPr/>
+          <p:nvPr/>
+        </p:nvSpPr>
+        <p:spPr>
+          <a:xfrm>
+            <a:off x="0" y="0"/>
+            <a:ext cx="12192000" cy="6858000"/>
+          </a:xfrm>
+          <a:prstGeom prst="rect">
+            <a:avLst/>
+          </a:prstGeom>
+          <a:solidFill>
+            <a:schemeClr val="tx1">
+              <a:alpha val="66000"/>
+            </a:schemeClr>
+          </a:solidFill>
+          <a:ln>
+            <a:noFill/>
+          </a:ln>
+        </p:spPr>
+        <p:style>
+          <a:lnRef idx="2">
+            <a:schemeClr val="accent1">
+              <a:shade val="50000"/>
+            </a:schemeClr>
+          </a:lnRef>
+          <a:fillRef idx="1">
+            <a:schemeClr val="accent1"/>
+          </a:fillRef>
+          <a:effectRef idx="0">
+            <a:schemeClr val="accent1"/>
+          </a:effectRef>
+          <a:fontRef idx="minor">
+            <a:schemeClr val="lt1"/>
+          </a:fontRef>
+        </p:style>
+        <p:txBody>
+          <a:bodyPr rtlCol="0" anchor="ctr"/>
+          <a:lstStyle/>
+          <a:p>
+            <a:pPr algn="ctr"/>
+            <a:endParaRPr lang="zh-HK" altLang="en-US"/>
+          </a:p>
+        </p:txBody>
+      </p:sp>
+      <p:sp>
+        <p:nvSpPr>
+          <p:cNvPr id="5" name="文本框 4"/>
+          <p:cNvSpPr txBox="1"/>
+          <p:nvPr/>
+        </p:nvSpPr>
+        <p:spPr>
+          <a:xfrm>
+            <a:off x="3200400" y="2644170"/>
+            <a:ext cx="5791200" cy="1569660"/>
+          </a:xfrm>
+          <a:prstGeom prst="rect">
+            <a:avLst/>
+          </a:prstGeom>
+          <a:noFill/>
+          <a:ln>
+            <a:solidFill>
+              <a:schemeClr val="bg1"/>
+            </a:solidFill>
+          </a:ln>
+        </p:spPr>
+        <p:txBody>
+          <a:bodyPr wrap="square" rtlCol="0">
+            <a:spAutoFit/>
+          </a:bodyPr>
+          <a:lstStyle/>
+          <a:p>
+            <a:pPr algn="ctr"/>
+            <a:r>
+              <a:rPr lang="en-US" altLang="zh-CN" sz="9600" b="1" spc="300" dirty="0" smtClean="0">
+                <a:solidFill>
+                  <a:schemeClr val="bg1"/>
+                </a:solidFill>
+                <a:latin typeface="微软雅黑" panose="020B0503020204020204" pitchFamily="34" charset="-122"/>
+                <a:ea typeface="微软雅黑" panose="020B0503020204020204" pitchFamily="34" charset="-122"/>
+              </a:rPr>
+              <a:t>Th</a:t>
+            </a:r>
+            <a:r>
+              <a:rPr lang="en-US" altLang="zh-CN" sz="9600" b="1" spc="300" dirty="0" smtClean="0">
+                <a:solidFill>
+                  <a:srgbClr val="D6343F"/>
+                </a:solidFill>
+                <a:latin typeface="微软雅黑" panose="020B0503020204020204" pitchFamily="34" charset="-122"/>
+                <a:ea typeface="微软雅黑" panose="020B0503020204020204" pitchFamily="34" charset="-122"/>
+              </a:rPr>
+              <a:t>a</a:t>
+            </a:r>
+            <a:r>
+              <a:rPr lang="en-US" altLang="zh-CN" sz="9600" b="1" spc="300" dirty="0" smtClean="0">
+                <a:solidFill>
+                  <a:schemeClr val="bg1"/>
+                </a:solidFill>
+                <a:latin typeface="微软雅黑" panose="020B0503020204020204" pitchFamily="34" charset="-122"/>
+                <a:ea typeface="微软雅黑" panose="020B0503020204020204" pitchFamily="34" charset="-122"/>
+              </a:rPr>
+              <a:t>nks</a:t>
+            </a:r>
+            <a:r>
+              <a:rPr lang="en-US" altLang="zh-CN" sz="9600" b="1" spc="300" dirty="0">
+                <a:solidFill>
+                  <a:schemeClr val="bg1"/>
+                </a:solidFill>
+                <a:latin typeface="微软雅黑" panose="020B0503020204020204" pitchFamily="34" charset="-122"/>
+                <a:ea typeface="微软雅黑" panose="020B0503020204020204" pitchFamily="34" charset="-122"/>
+              </a:rPr>
+              <a:t>.</a:t>
+            </a:r>
+            <a:endParaRPr lang="zh-HK" altLang="en-US" sz="9600" b="1" spc="300" dirty="0">
+              <a:solidFill>
+                <a:schemeClr val="bg1"/>
+              </a:solidFill>
+              <a:latin typeface="微软雅黑" panose="020B0503020204020204" pitchFamily="34" charset="-122"/>
+              <a:ea typeface="微软雅黑" panose="020B0503020204020204" pitchFamily="34" charset="-122"/>
+            </a:endParaRPr>
+          </a:p>
+        </p:txBody>
+      </p:sp>
+      <p:sp>
+        <p:nvSpPr>
+          <p:cNvPr id="6" name="文本框 5"/>
+          <p:cNvSpPr txBox="1"/>
+          <p:nvPr/>
+        </p:nvSpPr>
+        <p:spPr>
+          <a:xfrm>
+            <a:off x="3086100" y="6139157"/>
+            <a:ext cx="6019800" cy="461665"/>
+          </a:xfrm>
+          <a:prstGeom prst="rect">
+            <a:avLst/>
+          </a:prstGeom>
+          <a:noFill/>
+        </p:spPr>
+        <p:txBody>
+          <a:bodyPr wrap="square" rtlCol="0">
+            <a:spAutoFit/>
+          </a:bodyPr>
+          <a:lstStyle/>
+          <a:p>
+            <a:pPr algn="ctr"/>
+            <a:r>
+              <a:rPr lang="en-US" altLang="zh-HK" sz="1200" dirty="0" err="1" smtClean="0">
+                <a:solidFill>
+                  <a:schemeClr val="bg1"/>
+                </a:solidFill>
+              </a:rPr>
+              <a:t>Copyight</a:t>
+            </a:r>
+            <a:r>
+              <a:rPr lang="en-US" altLang="zh-HK" sz="1200" dirty="0" smtClean="0">
+                <a:solidFill>
+                  <a:schemeClr val="bg1"/>
+                </a:solidFill>
+              </a:rPr>
+              <a:t> @2014 </a:t>
+            </a:r>
+            <a:r>
+              <a:rPr lang="en-US" altLang="zh-CN" sz="1200" dirty="0" err="1" smtClean="0">
+                <a:solidFill>
+                  <a:schemeClr val="bg1"/>
+                </a:solidFill>
+              </a:rPr>
+              <a:t>wechat</a:t>
+            </a:r>
+            <a:r>
+              <a:rPr lang="en-US" altLang="zh-HK" sz="1200" dirty="0" smtClean="0">
+                <a:solidFill>
+                  <a:schemeClr val="bg1"/>
+                </a:solidFill>
+              </a:rPr>
+              <a:t> </a:t>
+            </a:r>
+            <a:r>
+              <a:rPr lang="en-US" altLang="zh-HK" sz="1200" dirty="0" err="1" smtClean="0">
+                <a:solidFill>
+                  <a:schemeClr val="bg1"/>
+                </a:solidFill>
+              </a:rPr>
+              <a:t>damen_ppp</a:t>
+            </a:r>
+            <a:r>
+              <a:rPr lang="en-US" altLang="zh-HK" sz="1200" dirty="0" smtClean="0">
+                <a:solidFill>
+                  <a:schemeClr val="bg1"/>
+                </a:solidFill>
+              </a:rPr>
+              <a:t> </a:t>
+            </a:r>
+            <a:r>
+              <a:rPr lang="en-US" altLang="zh-HK" sz="1200" dirty="0" err="1" smtClean="0">
+                <a:solidFill>
+                  <a:schemeClr val="bg1"/>
+                </a:solidFill>
+              </a:rPr>
+              <a:t>lnc</a:t>
+            </a:r>
+            <a:endParaRPr lang="en-US" altLang="zh-HK" sz="1200" dirty="0" smtClean="0">
+              <a:solidFill>
+                <a:schemeClr val="bg1"/>
+              </a:solidFill>
+            </a:endParaRPr>
+          </a:p>
+          <a:p>
+            <a:pPr algn="ctr"/>
+            <a:r>
+              <a:rPr lang="en-US" altLang="zh-HK" sz="1200" dirty="0" smtClean="0">
+                <a:solidFill>
+                  <a:schemeClr val="bg1"/>
+                </a:solidFill>
+              </a:rPr>
+              <a:t>All Rights Reserved</a:t>
+            </a:r>
+            <a:endParaRPr lang="zh-HK" altLang="en-US" sz="1200" dirty="0">
+              <a:solidFill>
+                <a:schemeClr val="bg1"/>
+              </a:solidFill>
+            </a:endParaRPr>
+          </a:p>
+        </p:txBody>
+      </p:sp>
+    </p:spTree>
+    <p:extLst>
+      <p:ext uri="{BB962C8B-B14F-4D97-AF65-F5344CB8AC3E}">
+        <p14:creationId xmlns:p14="http://schemas.microsoft.com/office/powerpoint/2010/main" val="683759260"/>
+      </p:ext>
+    </p:extLst>
+  </p:cSld>
+  <p:clrMapOvr>
+    <a:masterClrMapping/>
+  </p:clrMapOvr>
+  <p:transition>
+    <p:wipe/>
+  </p:transition>
+  <p:timing>
+    <p:tnLst>
+      <p:par>
+        <p:cTn id="1" dur="indefinite" restart="never" nodeType="tmRoot"/>
+      </p:par>
+    </p:tnLst>
+  </p:timing>
+</p:sld>
+</file>
+
+<file path=ppt/slides/slide21.xml><?xml version="1.0" encoding="utf-8"?>
+<p:sld xmlns:a="http://schemas.openxmlformats.org/drawingml/2006/main" xmlns:r="http://schemas.openxmlformats.org/officeDocument/2006/relationships" xmlns:p="http://schemas.openxmlformats.org/presentationml/2006/main">
+  <p:cSld>
+    <p:spTree>
+      <p:nvGrpSpPr>
+        <p:cNvPr id="1" name=""/>
+        <p:cNvGrpSpPr/>
+        <p:nvPr/>
+      </p:nvGrpSpPr>
+      <p:grpSpPr>
+        <a:xfrm>
+          <a:off x="0" y="0"/>
+          <a:ext cx="0" cy="0"/>
+          <a:chOff x="0" y="0"/>
+          <a:chExt cx="0" cy="0"/>
+        </a:xfrm>
+      </p:grpSpPr>
+      <p:grpSp>
+        <p:nvGrpSpPr>
           <p:cNvPr id="19" name="组合 18"/>
           <p:cNvGrpSpPr/>
           <p:nvPr/>
@@ -6904,11 +9670,11 @@
           <a:lstStyle/>
           <a:p>
             <a:r>
-              <a:rPr lang="zh-CN" altLang="zh-CN" b="1" dirty="0">
+              <a:rPr lang="zh-CN" altLang="en-US" b="1" dirty="0" smtClean="0">
                 <a:latin typeface="微软雅黑" panose="020B0503020204020204" pitchFamily="34" charset="-122"/>
                 <a:ea typeface="微软雅黑" panose="020B0503020204020204" pitchFamily="34" charset="-122"/>
               </a:rPr>
-              <a:t>接单</a:t>
+              <a:t>跑腿</a:t>
             </a:r>
             <a:r>
               <a:rPr lang="zh-CN" altLang="zh-CN" b="1" dirty="0" smtClean="0">
@@ -7106,7 +9872,7 @@
 </p:sld>
 </file>
 
-<file path=ppt/slides/slide16.xml><?xml version="1.0" encoding="utf-8"?>
+<file path=ppt/slides/slide22.xml><?xml version="1.0" encoding="utf-8"?>
 <p:sld xmlns:a="http://schemas.openxmlformats.org/drawingml/2006/main" xmlns:r="http://schemas.openxmlformats.org/officeDocument/2006/relationships" xmlns:p="http://schemas.openxmlformats.org/presentationml/2006/main">
   <p:cSld>
     <p:spTree>
@@ -7325,268 +10091,7 @@
 </p:sld>
 </file>
 
-<file path=ppt/slides/slide17.xml><?xml version="1.0" encoding="utf-8"?>
-<p:sld xmlns:a="http://schemas.openxmlformats.org/drawingml/2006/main" xmlns:r="http://schemas.openxmlformats.org/officeDocument/2006/relationships" xmlns:p="http://schemas.openxmlformats.org/presentationml/2006/main">
-  <p:cSld>
-    <p:spTree>
-      <p:nvGrpSpPr>
-        <p:cNvPr id="1" name=""/>
-        <p:cNvGrpSpPr/>
-        <p:nvPr/>
-      </p:nvGrpSpPr>
-      <p:grpSpPr>
-        <a:xfrm>
-          <a:off x="0" y="0"/>
-          <a:ext cx="0" cy="0"/>
-          <a:chOff x="0" y="0"/>
-          <a:chExt cx="0" cy="0"/>
-        </a:xfrm>
-      </p:grpSpPr>
-      <p:grpSp>
-        <p:nvGrpSpPr>
-          <p:cNvPr id="2" name="组合 1"/>
-          <p:cNvGrpSpPr/>
-          <p:nvPr/>
-        </p:nvGrpSpPr>
-        <p:grpSpPr>
-          <a:xfrm>
-            <a:off x="159654" y="86955"/>
-            <a:ext cx="3444158" cy="986484"/>
-            <a:chOff x="0" y="174039"/>
-            <a:chExt cx="3444158" cy="986484"/>
-          </a:xfrm>
-        </p:grpSpPr>
-        <p:sp>
-          <p:nvSpPr>
-            <p:cNvPr id="3" name="文本框 2"/>
-            <p:cNvSpPr txBox="1"/>
-            <p:nvPr/>
-          </p:nvSpPr>
-          <p:spPr>
-            <a:xfrm>
-              <a:off x="267877" y="174039"/>
-              <a:ext cx="3176281" cy="646331"/>
-            </a:xfrm>
-            <a:prstGeom prst="rect">
-              <a:avLst/>
-            </a:prstGeom>
-            <a:noFill/>
-          </p:spPr>
-          <p:txBody>
-            <a:bodyPr wrap="square" rtlCol="0">
-              <a:spAutoFit/>
-            </a:bodyPr>
-            <a:lstStyle/>
-            <a:p>
-              <a:r>
-                <a:rPr lang="zh-CN" altLang="en-US" sz="3600" b="1" spc="300" dirty="0" smtClean="0">
-                  <a:solidFill>
-                    <a:srgbClr val="D7343F"/>
-                  </a:solidFill>
-                  <a:latin typeface="微软雅黑" panose="020B0503020204020204" pitchFamily="34" charset="-122"/>
-                  <a:ea typeface="微软雅黑" panose="020B0503020204020204" pitchFamily="34" charset="-122"/>
-                </a:rPr>
-                <a:t>需求分析</a:t>
-              </a:r>
-              <a:endParaRPr lang="zh-HK" altLang="en-US" sz="3600" b="1" spc="300" dirty="0">
-                <a:solidFill>
-                  <a:srgbClr val="D7343F"/>
-                </a:solidFill>
-                <a:latin typeface="微软雅黑" panose="020B0503020204020204" pitchFamily="34" charset="-122"/>
-                <a:ea typeface="微软雅黑" panose="020B0503020204020204" pitchFamily="34" charset="-122"/>
-              </a:endParaRPr>
-            </a:p>
-          </p:txBody>
-        </p:sp>
-        <p:sp>
-          <p:nvSpPr>
-            <p:cNvPr id="4" name="文本框 3"/>
-            <p:cNvSpPr txBox="1"/>
-            <p:nvPr/>
-          </p:nvSpPr>
-          <p:spPr>
-            <a:xfrm>
-              <a:off x="267877" y="760413"/>
-              <a:ext cx="2620469" cy="400110"/>
-            </a:xfrm>
-            <a:prstGeom prst="rect">
-              <a:avLst/>
-            </a:prstGeom>
-            <a:noFill/>
-          </p:spPr>
-          <p:txBody>
-            <a:bodyPr wrap="square" rtlCol="0">
-              <a:spAutoFit/>
-            </a:bodyPr>
-            <a:lstStyle/>
-            <a:p>
-              <a:r>
-                <a:rPr lang="zh-CN" altLang="en-US" sz="2000" b="1" spc="300" dirty="0" smtClean="0">
-                  <a:solidFill>
-                    <a:srgbClr val="485766"/>
-                  </a:solidFill>
-                  <a:latin typeface="微软雅黑" panose="020B0503020204020204" pitchFamily="34" charset="-122"/>
-                  <a:ea typeface="微软雅黑" panose="020B0503020204020204" pitchFamily="34" charset="-122"/>
-                </a:rPr>
-                <a:t>用例图</a:t>
-              </a:r>
-              <a:endParaRPr lang="zh-HK" altLang="en-US" sz="2000" b="1" spc="300" dirty="0">
-                <a:solidFill>
-                  <a:srgbClr val="485766"/>
-                </a:solidFill>
-                <a:latin typeface="微软雅黑" panose="020B0503020204020204" pitchFamily="34" charset="-122"/>
-                <a:ea typeface="微软雅黑" panose="020B0503020204020204" pitchFamily="34" charset="-122"/>
-              </a:endParaRPr>
-            </a:p>
-          </p:txBody>
-        </p:sp>
-        <p:sp>
-          <p:nvSpPr>
-            <p:cNvPr id="5" name="矩形 4"/>
-            <p:cNvSpPr/>
-            <p:nvPr/>
-          </p:nvSpPr>
-          <p:spPr>
-            <a:xfrm>
-              <a:off x="0" y="260350"/>
-              <a:ext cx="201202" cy="831850"/>
-            </a:xfrm>
-            <a:prstGeom prst="rect">
-              <a:avLst/>
-            </a:prstGeom>
-            <a:solidFill>
-              <a:srgbClr val="D6343F"/>
-            </a:solidFill>
-            <a:ln>
-              <a:noFill/>
-            </a:ln>
-          </p:spPr>
-          <p:style>
-            <a:lnRef idx="2">
-              <a:schemeClr val="accent1">
-                <a:shade val="50000"/>
-              </a:schemeClr>
-            </a:lnRef>
-            <a:fillRef idx="1">
-              <a:schemeClr val="accent1"/>
-            </a:fillRef>
-            <a:effectRef idx="0">
-              <a:schemeClr val="accent1"/>
-            </a:effectRef>
-            <a:fontRef idx="minor">
-              <a:schemeClr val="lt1"/>
-            </a:fontRef>
-          </p:style>
-          <p:txBody>
-            <a:bodyPr rtlCol="0" anchor="ctr"/>
-            <a:lstStyle/>
-            <a:p>
-              <a:pPr algn="ctr"/>
-              <a:endParaRPr lang="zh-HK" altLang="en-US">
-                <a:solidFill>
-                  <a:srgbClr val="D7343F"/>
-                </a:solidFill>
-              </a:endParaRPr>
-            </a:p>
-          </p:txBody>
-        </p:sp>
-      </p:grpSp>
-      <p:pic>
-        <p:nvPicPr>
-          <p:cNvPr id="6" name="图片 5"/>
-          <p:cNvPicPr>
-            <a:picLocks noChangeAspect="1"/>
-          </p:cNvPicPr>
-          <p:nvPr/>
-        </p:nvPicPr>
-        <p:blipFill>
-          <a:blip r:embed="rId2"/>
-          <a:stretch>
-            <a:fillRect/>
-          </a:stretch>
-        </p:blipFill>
-        <p:spPr>
-          <a:xfrm>
-            <a:off x="0" y="1319660"/>
-            <a:ext cx="4750525" cy="4577719"/>
-          </a:xfrm>
-          <a:prstGeom prst="rect">
-            <a:avLst/>
-          </a:prstGeom>
-        </p:spPr>
-      </p:pic>
-      <p:pic>
-        <p:nvPicPr>
-          <p:cNvPr id="7" name="图片 6"/>
-          <p:cNvPicPr>
-            <a:picLocks noChangeAspect="1"/>
-          </p:cNvPicPr>
-          <p:nvPr/>
-        </p:nvPicPr>
-        <p:blipFill>
-          <a:blip r:embed="rId3"/>
-          <a:stretch>
-            <a:fillRect/>
-          </a:stretch>
-        </p:blipFill>
-        <p:spPr>
-          <a:xfrm>
-            <a:off x="7120741" y="1005116"/>
-            <a:ext cx="5448598" cy="4930547"/>
-          </a:xfrm>
-          <a:prstGeom prst="rect">
-            <a:avLst/>
-          </a:prstGeom>
-        </p:spPr>
-      </p:pic>
-      <p:pic>
-        <p:nvPicPr>
-          <p:cNvPr id="9" name="图片 8"/>
-          <p:cNvPicPr>
-            <a:picLocks noChangeAspect="1"/>
-          </p:cNvPicPr>
-          <p:nvPr/>
-        </p:nvPicPr>
-        <p:blipFill>
-          <a:blip r:embed="rId4"/>
-          <a:stretch>
-            <a:fillRect/>
-          </a:stretch>
-        </p:blipFill>
-        <p:spPr>
-          <a:xfrm>
-            <a:off x="3897522" y="1624148"/>
-            <a:ext cx="4396955" cy="3609703"/>
-          </a:xfrm>
-          <a:prstGeom prst="rect">
-            <a:avLst/>
-          </a:prstGeom>
-        </p:spPr>
-      </p:pic>
-    </p:spTree>
-    <p:extLst>
-      <p:ext uri="{BB962C8B-B14F-4D97-AF65-F5344CB8AC3E}">
-        <p14:creationId xmlns:p14="http://schemas.microsoft.com/office/powerpoint/2010/main" val="1579427254"/>
-      </p:ext>
-    </p:extLst>
-  </p:cSld>
-  <p:clrMapOvr>
-    <a:masterClrMapping/>
-  </p:clrMapOvr>
-  <p:transition>
-    <p:wipe/>
-  </p:transition>
-  <p:timing>
-    <p:tnLst>
-      <p:par>
-        <p:cTn id="1" dur="indefinite" restart="never" nodeType="tmRoot"/>
-      </p:par>
-    </p:tnLst>
-  </p:timing>
-</p:sld>
-</file>
-
-<file path=ppt/slides/slide18.xml><?xml version="1.0" encoding="utf-8"?>
+<file path=ppt/slides/slide23.xml><?xml version="1.0" encoding="utf-8"?>
 <p:sld xmlns:a="http://schemas.openxmlformats.org/drawingml/2006/main" xmlns:r="http://schemas.openxmlformats.org/officeDocument/2006/relationships" xmlns:p="http://schemas.openxmlformats.org/presentationml/2006/main">
   <p:cSld>
     <p:spTree>
@@ -7891,7 +10396,7 @@
 </p:sld>
 </file>
 
-<file path=ppt/slides/slide19.xml><?xml version="1.0" encoding="utf-8"?>
+<file path=ppt/slides/slide24.xml><?xml version="1.0" encoding="utf-8"?>
 <p:sld xmlns:a="http://schemas.openxmlformats.org/drawingml/2006/main" xmlns:r="http://schemas.openxmlformats.org/officeDocument/2006/relationships" xmlns:p="http://schemas.openxmlformats.org/presentationml/2006/main">
   <p:cSld>
     <p:spTree>
@@ -8154,729 +10659,7 @@
 </p:sld>
 </file>
 
-<file path=ppt/slides/slide2.xml><?xml version="1.0" encoding="utf-8"?>
-<p:sld xmlns:a="http://schemas.openxmlformats.org/drawingml/2006/main" xmlns:r="http://schemas.openxmlformats.org/officeDocument/2006/relationships" xmlns:p="http://schemas.openxmlformats.org/presentationml/2006/main">
-  <p:cSld>
-    <p:spTree>
-      <p:nvGrpSpPr>
-        <p:cNvPr id="1" name=""/>
-        <p:cNvGrpSpPr/>
-        <p:nvPr/>
-      </p:nvGrpSpPr>
-      <p:grpSpPr>
-        <a:xfrm>
-          <a:off x="0" y="0"/>
-          <a:ext cx="0" cy="0"/>
-          <a:chOff x="0" y="0"/>
-          <a:chExt cx="0" cy="0"/>
-        </a:xfrm>
-      </p:grpSpPr>
-      <p:grpSp>
-        <p:nvGrpSpPr>
-          <p:cNvPr id="24" name="组合 23"/>
-          <p:cNvGrpSpPr/>
-          <p:nvPr/>
-        </p:nvGrpSpPr>
-        <p:grpSpPr>
-          <a:xfrm>
-            <a:off x="4902994" y="658922"/>
-            <a:ext cx="2386012" cy="614362"/>
-            <a:chOff x="4071938" y="642938"/>
-            <a:chExt cx="2386012" cy="614362"/>
-          </a:xfrm>
-        </p:grpSpPr>
-        <p:cxnSp>
-          <p:nvCxnSpPr>
-            <p:cNvPr id="9" name="直接连接符 8"/>
-            <p:cNvCxnSpPr/>
-            <p:nvPr/>
-          </p:nvCxnSpPr>
-          <p:spPr>
-            <a:xfrm>
-              <a:off x="4071938" y="642938"/>
-              <a:ext cx="2386012" cy="0"/>
-            </a:xfrm>
-            <a:prstGeom prst="line">
-              <a:avLst/>
-            </a:prstGeom>
-            <a:ln>
-              <a:solidFill>
-                <a:srgbClr val="484848"/>
-              </a:solidFill>
-              <a:prstDash val="dash"/>
-            </a:ln>
-          </p:spPr>
-          <p:style>
-            <a:lnRef idx="1">
-              <a:schemeClr val="accent1"/>
-            </a:lnRef>
-            <a:fillRef idx="0">
-              <a:schemeClr val="accent1"/>
-            </a:fillRef>
-            <a:effectRef idx="0">
-              <a:schemeClr val="accent1"/>
-            </a:effectRef>
-            <a:fontRef idx="minor">
-              <a:schemeClr val="tx1"/>
-            </a:fontRef>
-          </p:style>
-        </p:cxnSp>
-        <p:cxnSp>
-          <p:nvCxnSpPr>
-            <p:cNvPr id="21" name="直接连接符 20"/>
-            <p:cNvCxnSpPr/>
-            <p:nvPr/>
-          </p:nvCxnSpPr>
-          <p:spPr>
-            <a:xfrm>
-              <a:off x="4071938" y="1257300"/>
-              <a:ext cx="2386012" cy="0"/>
-            </a:xfrm>
-            <a:prstGeom prst="line">
-              <a:avLst/>
-            </a:prstGeom>
-            <a:ln>
-              <a:solidFill>
-                <a:srgbClr val="484848"/>
-              </a:solidFill>
-              <a:prstDash val="dash"/>
-            </a:ln>
-          </p:spPr>
-          <p:style>
-            <a:lnRef idx="1">
-              <a:schemeClr val="accent1"/>
-            </a:lnRef>
-            <a:fillRef idx="0">
-              <a:schemeClr val="accent1"/>
-            </a:fillRef>
-            <a:effectRef idx="0">
-              <a:schemeClr val="accent1"/>
-            </a:effectRef>
-            <a:fontRef idx="minor">
-              <a:schemeClr val="tx1"/>
-            </a:fontRef>
-          </p:style>
-        </p:cxnSp>
-      </p:grpSp>
-      <p:sp>
-        <p:nvSpPr>
-          <p:cNvPr id="25" name="文本框 24"/>
-          <p:cNvSpPr txBox="1"/>
-          <p:nvPr/>
-        </p:nvSpPr>
-        <p:spPr>
-          <a:xfrm>
-            <a:off x="4628169" y="642938"/>
-            <a:ext cx="2935662" cy="646331"/>
-          </a:xfrm>
-          <a:prstGeom prst="rect">
-            <a:avLst/>
-          </a:prstGeom>
-          <a:noFill/>
-        </p:spPr>
-        <p:txBody>
-          <a:bodyPr wrap="square" rtlCol="0">
-            <a:spAutoFit/>
-          </a:bodyPr>
-          <a:lstStyle/>
-          <a:p>
-            <a:pPr algn="ctr"/>
-            <a:r>
-              <a:rPr lang="en-US" altLang="zh-HK" sz="3600" b="1" dirty="0" err="1" smtClean="0">
-                <a:solidFill>
-                  <a:srgbClr val="D7343F"/>
-                </a:solidFill>
-                <a:latin typeface="微软雅黑" panose="020B0503020204020204" pitchFamily="34" charset="-122"/>
-                <a:ea typeface="微软雅黑" panose="020B0503020204020204" pitchFamily="34" charset="-122"/>
-              </a:rPr>
-              <a:t>Con</a:t>
-            </a:r>
-            <a:r>
-              <a:rPr lang="en-US" altLang="zh-HK" sz="3600" b="1" dirty="0" err="1" smtClean="0">
-                <a:solidFill>
-                  <a:srgbClr val="485766"/>
-                </a:solidFill>
-                <a:latin typeface="微软雅黑" panose="020B0503020204020204" pitchFamily="34" charset="-122"/>
-                <a:ea typeface="微软雅黑" panose="020B0503020204020204" pitchFamily="34" charset="-122"/>
-              </a:rPr>
-              <a:t>tants</a:t>
-            </a:r>
-            <a:endParaRPr lang="zh-HK" altLang="en-US" sz="3600" b="1" dirty="0">
-              <a:solidFill>
-                <a:srgbClr val="485766"/>
-              </a:solidFill>
-              <a:latin typeface="微软雅黑" panose="020B0503020204020204" pitchFamily="34" charset="-122"/>
-              <a:ea typeface="微软雅黑" panose="020B0503020204020204" pitchFamily="34" charset="-122"/>
-            </a:endParaRPr>
-          </a:p>
-        </p:txBody>
-      </p:sp>
-      <p:pic>
-        <p:nvPicPr>
-          <p:cNvPr id="2" name="图片 1"/>
-          <p:cNvPicPr>
-            <a:picLocks noChangeAspect="1"/>
-          </p:cNvPicPr>
-          <p:nvPr/>
-        </p:nvPicPr>
-        <p:blipFill rotWithShape="1">
-          <a:blip r:embed="rId2">
-            <a:extLst>
-              <a:ext uri="{BEBA8EAE-BF5A-486C-A8C5-ECC9F3942E4B}">
-                <a14:imgProps xmlns:a14="http://schemas.microsoft.com/office/drawing/2010/main">
-                  <a14:imgLayer r:embed="rId3">
-                    <a14:imgEffect>
-                      <a14:artisticBlur/>
-                    </a14:imgEffect>
-                  </a14:imgLayer>
-                </a14:imgProps>
-              </a:ext>
-              <a:ext uri="{28A0092B-C50C-407E-A947-70E740481C1C}">
-                <a14:useLocalDpi xmlns:a14="http://schemas.microsoft.com/office/drawing/2010/main" val="0"/>
-              </a:ext>
-            </a:extLst>
-          </a:blip>
-          <a:srcRect t="29238" b="35781"/>
-          <a:stretch/>
-        </p:blipFill>
-        <p:spPr>
-          <a:xfrm>
-            <a:off x="0" y="2098677"/>
-            <a:ext cx="12192000" cy="2843212"/>
-          </a:xfrm>
-          <a:prstGeom prst="rect">
-            <a:avLst/>
-          </a:prstGeom>
-        </p:spPr>
-      </p:pic>
-      <p:sp>
-        <p:nvSpPr>
-          <p:cNvPr id="5" name="矩形 4"/>
-          <p:cNvSpPr/>
-          <p:nvPr/>
-        </p:nvSpPr>
-        <p:spPr>
-          <a:xfrm>
-            <a:off x="0" y="4873627"/>
-            <a:ext cx="12192000" cy="157162"/>
-          </a:xfrm>
-          <a:prstGeom prst="rect">
-            <a:avLst/>
-          </a:prstGeom>
-          <a:solidFill>
-            <a:srgbClr val="D6343F"/>
-          </a:solidFill>
-          <a:ln>
-            <a:noFill/>
-          </a:ln>
-        </p:spPr>
-        <p:style>
-          <a:lnRef idx="2">
-            <a:schemeClr val="accent1">
-              <a:shade val="50000"/>
-            </a:schemeClr>
-          </a:lnRef>
-          <a:fillRef idx="1">
-            <a:schemeClr val="accent1"/>
-          </a:fillRef>
-          <a:effectRef idx="0">
-            <a:schemeClr val="accent1"/>
-          </a:effectRef>
-          <a:fontRef idx="minor">
-            <a:schemeClr val="lt1"/>
-          </a:fontRef>
-        </p:style>
-        <p:txBody>
-          <a:bodyPr rtlCol="0" anchor="ctr"/>
-          <a:lstStyle/>
-          <a:p>
-            <a:pPr algn="ctr"/>
-            <a:endParaRPr lang="zh-HK" altLang="en-US"/>
-          </a:p>
-        </p:txBody>
-      </p:sp>
-      <p:sp>
-        <p:nvSpPr>
-          <p:cNvPr id="15" name="矩形 14"/>
-          <p:cNvSpPr/>
-          <p:nvPr/>
-        </p:nvSpPr>
-        <p:spPr>
-          <a:xfrm>
-            <a:off x="0" y="1941515"/>
-            <a:ext cx="12192000" cy="157162"/>
-          </a:xfrm>
-          <a:prstGeom prst="rect">
-            <a:avLst/>
-          </a:prstGeom>
-          <a:solidFill>
-            <a:srgbClr val="484848"/>
-          </a:solidFill>
-          <a:ln>
-            <a:noFill/>
-          </a:ln>
-        </p:spPr>
-        <p:style>
-          <a:lnRef idx="2">
-            <a:schemeClr val="accent1">
-              <a:shade val="50000"/>
-            </a:schemeClr>
-          </a:lnRef>
-          <a:fillRef idx="1">
-            <a:schemeClr val="accent1"/>
-          </a:fillRef>
-          <a:effectRef idx="0">
-            <a:schemeClr val="accent1"/>
-          </a:effectRef>
-          <a:fontRef idx="minor">
-            <a:schemeClr val="lt1"/>
-          </a:fontRef>
-        </p:style>
-        <p:txBody>
-          <a:bodyPr rtlCol="0" anchor="ctr"/>
-          <a:lstStyle/>
-          <a:p>
-            <a:pPr algn="ctr"/>
-            <a:endParaRPr lang="zh-HK" altLang="en-US"/>
-          </a:p>
-        </p:txBody>
-      </p:sp>
-      <p:sp>
-        <p:nvSpPr>
-          <p:cNvPr id="32" name="文本框 31"/>
-          <p:cNvSpPr txBox="1"/>
-          <p:nvPr/>
-        </p:nvSpPr>
-        <p:spPr>
-          <a:xfrm>
-            <a:off x="1706563" y="3973911"/>
-            <a:ext cx="1092200" cy="1077218"/>
-          </a:xfrm>
-          <a:prstGeom prst="rect">
-            <a:avLst/>
-          </a:prstGeom>
-          <a:noFill/>
-        </p:spPr>
-        <p:txBody>
-          <a:bodyPr wrap="square" rtlCol="0">
-            <a:spAutoFit/>
-          </a:bodyPr>
-          <a:lstStyle/>
-          <a:p>
-            <a:pPr algn="ctr"/>
-            <a:r>
-              <a:rPr lang="zh-CN" altLang="en-US" sz="3200" b="1" dirty="0" smtClean="0">
-                <a:solidFill>
-                  <a:schemeClr val="bg1"/>
-                </a:solidFill>
-                <a:latin typeface="微软雅黑" panose="020B0503020204020204" pitchFamily="34" charset="-122"/>
-                <a:ea typeface="微软雅黑" panose="020B0503020204020204" pitchFamily="34" charset="-122"/>
-              </a:rPr>
-              <a:t>项目背景</a:t>
-            </a:r>
-            <a:endParaRPr lang="zh-HK" altLang="en-US" sz="3200" b="1" dirty="0">
-              <a:solidFill>
-                <a:schemeClr val="bg1"/>
-              </a:solidFill>
-              <a:latin typeface="微软雅黑" panose="020B0503020204020204" pitchFamily="34" charset="-122"/>
-              <a:ea typeface="微软雅黑" panose="020B0503020204020204" pitchFamily="34" charset="-122"/>
-            </a:endParaRPr>
-          </a:p>
-        </p:txBody>
-      </p:sp>
-      <p:sp>
-        <p:nvSpPr>
-          <p:cNvPr id="33" name="文本框 32"/>
-          <p:cNvSpPr txBox="1"/>
-          <p:nvPr/>
-        </p:nvSpPr>
-        <p:spPr>
-          <a:xfrm>
-            <a:off x="5304790" y="3974729"/>
-            <a:ext cx="1582420" cy="1077218"/>
-          </a:xfrm>
-          <a:prstGeom prst="rect">
-            <a:avLst/>
-          </a:prstGeom>
-          <a:noFill/>
-        </p:spPr>
-        <p:txBody>
-          <a:bodyPr wrap="square" rtlCol="0">
-            <a:spAutoFit/>
-          </a:bodyPr>
-          <a:lstStyle/>
-          <a:p>
-            <a:pPr algn="ctr"/>
-            <a:r>
-              <a:rPr lang="zh-CN" altLang="en-US" sz="3200" b="1" dirty="0" smtClean="0">
-                <a:solidFill>
-                  <a:schemeClr val="bg1"/>
-                </a:solidFill>
-                <a:latin typeface="微软雅黑" panose="020B0503020204020204" pitchFamily="34" charset="-122"/>
-                <a:ea typeface="微软雅黑" panose="020B0503020204020204" pitchFamily="34" charset="-122"/>
-              </a:rPr>
-              <a:t>可行性研究</a:t>
-            </a:r>
-            <a:endParaRPr lang="zh-HK" altLang="en-US" sz="3200" b="1" dirty="0">
-              <a:solidFill>
-                <a:schemeClr val="bg1"/>
-              </a:solidFill>
-              <a:latin typeface="微软雅黑" panose="020B0503020204020204" pitchFamily="34" charset="-122"/>
-              <a:ea typeface="微软雅黑" panose="020B0503020204020204" pitchFamily="34" charset="-122"/>
-            </a:endParaRPr>
-          </a:p>
-        </p:txBody>
-      </p:sp>
-      <p:sp>
-        <p:nvSpPr>
-          <p:cNvPr id="27" name="椭圆 26"/>
-          <p:cNvSpPr/>
-          <p:nvPr/>
-        </p:nvSpPr>
-        <p:spPr>
-          <a:xfrm>
-            <a:off x="1678890" y="2540000"/>
-            <a:ext cx="1147546" cy="1147546"/>
-          </a:xfrm>
-          <a:prstGeom prst="ellipse">
-            <a:avLst/>
-          </a:prstGeom>
-          <a:noFill/>
-          <a:ln>
-            <a:solidFill>
-              <a:schemeClr val="bg1"/>
-            </a:solidFill>
-            <a:prstDash val="dash"/>
-          </a:ln>
-        </p:spPr>
-        <p:style>
-          <a:lnRef idx="2">
-            <a:schemeClr val="accent1">
-              <a:shade val="50000"/>
-            </a:schemeClr>
-          </a:lnRef>
-          <a:fillRef idx="1">
-            <a:schemeClr val="accent1"/>
-          </a:fillRef>
-          <a:effectRef idx="0">
-            <a:schemeClr val="accent1"/>
-          </a:effectRef>
-          <a:fontRef idx="minor">
-            <a:schemeClr val="lt1"/>
-          </a:fontRef>
-        </p:style>
-        <p:txBody>
-          <a:bodyPr rtlCol="0" anchor="ctr"/>
-          <a:lstStyle/>
-          <a:p>
-            <a:pPr algn="ctr"/>
-            <a:r>
-              <a:rPr lang="en-US" altLang="zh-HK" sz="4000" b="1" dirty="0" smtClean="0">
-                <a:latin typeface="微软雅黑" panose="020B0503020204020204" pitchFamily="34" charset="-122"/>
-                <a:ea typeface="微软雅黑" panose="020B0503020204020204" pitchFamily="34" charset="-122"/>
-              </a:rPr>
-              <a:t>01</a:t>
-            </a:r>
-            <a:endParaRPr lang="zh-HK" altLang="en-US" sz="4000" b="1" dirty="0">
-              <a:latin typeface="微软雅黑" panose="020B0503020204020204" pitchFamily="34" charset="-122"/>
-              <a:ea typeface="微软雅黑" panose="020B0503020204020204" pitchFamily="34" charset="-122"/>
-            </a:endParaRPr>
-          </a:p>
-        </p:txBody>
-      </p:sp>
-      <p:sp>
-        <p:nvSpPr>
-          <p:cNvPr id="28" name="椭圆 27"/>
-          <p:cNvSpPr/>
-          <p:nvPr/>
-        </p:nvSpPr>
-        <p:spPr>
-          <a:xfrm>
-            <a:off x="5522227" y="2540992"/>
-            <a:ext cx="1147546" cy="1147546"/>
-          </a:xfrm>
-          <a:prstGeom prst="ellipse">
-            <a:avLst/>
-          </a:prstGeom>
-          <a:noFill/>
-          <a:ln>
-            <a:solidFill>
-              <a:schemeClr val="bg1"/>
-            </a:solidFill>
-            <a:prstDash val="dash"/>
-          </a:ln>
-        </p:spPr>
-        <p:style>
-          <a:lnRef idx="2">
-            <a:schemeClr val="accent1">
-              <a:shade val="50000"/>
-            </a:schemeClr>
-          </a:lnRef>
-          <a:fillRef idx="1">
-            <a:schemeClr val="accent1"/>
-          </a:fillRef>
-          <a:effectRef idx="0">
-            <a:schemeClr val="accent1"/>
-          </a:effectRef>
-          <a:fontRef idx="minor">
-            <a:schemeClr val="lt1"/>
-          </a:fontRef>
-        </p:style>
-        <p:txBody>
-          <a:bodyPr rtlCol="0" anchor="ctr"/>
-          <a:lstStyle/>
-          <a:p>
-            <a:pPr algn="ctr"/>
-            <a:r>
-              <a:rPr lang="en-US" altLang="zh-HK" sz="4000" b="1" dirty="0" smtClean="0">
-                <a:latin typeface="微软雅黑" panose="020B0503020204020204" pitchFamily="34" charset="-122"/>
-                <a:ea typeface="微软雅黑" panose="020B0503020204020204" pitchFamily="34" charset="-122"/>
-              </a:rPr>
-              <a:t>02</a:t>
-            </a:r>
-            <a:endParaRPr lang="zh-HK" altLang="en-US" sz="4000" b="1" dirty="0">
-              <a:latin typeface="微软雅黑" panose="020B0503020204020204" pitchFamily="34" charset="-122"/>
-              <a:ea typeface="微软雅黑" panose="020B0503020204020204" pitchFamily="34" charset="-122"/>
-            </a:endParaRPr>
-          </a:p>
-        </p:txBody>
-      </p:sp>
-      <p:sp>
-        <p:nvSpPr>
-          <p:cNvPr id="29" name="椭圆 28"/>
-          <p:cNvSpPr/>
-          <p:nvPr/>
-        </p:nvSpPr>
-        <p:spPr>
-          <a:xfrm>
-            <a:off x="9365565" y="2540992"/>
-            <a:ext cx="1147546" cy="1147546"/>
-          </a:xfrm>
-          <a:prstGeom prst="ellipse">
-            <a:avLst/>
-          </a:prstGeom>
-          <a:noFill/>
-          <a:ln>
-            <a:solidFill>
-              <a:schemeClr val="bg1"/>
-            </a:solidFill>
-            <a:prstDash val="dash"/>
-          </a:ln>
-        </p:spPr>
-        <p:style>
-          <a:lnRef idx="2">
-            <a:schemeClr val="accent1">
-              <a:shade val="50000"/>
-            </a:schemeClr>
-          </a:lnRef>
-          <a:fillRef idx="1">
-            <a:schemeClr val="accent1"/>
-          </a:fillRef>
-          <a:effectRef idx="0">
-            <a:schemeClr val="accent1"/>
-          </a:effectRef>
-          <a:fontRef idx="minor">
-            <a:schemeClr val="lt1"/>
-          </a:fontRef>
-        </p:style>
-        <p:txBody>
-          <a:bodyPr rtlCol="0" anchor="ctr"/>
-          <a:lstStyle/>
-          <a:p>
-            <a:pPr algn="ctr"/>
-            <a:r>
-              <a:rPr lang="en-US" altLang="zh-HK" sz="4000" b="1" dirty="0" smtClean="0">
-                <a:latin typeface="微软雅黑" panose="020B0503020204020204" pitchFamily="34" charset="-122"/>
-                <a:ea typeface="微软雅黑" panose="020B0503020204020204" pitchFamily="34" charset="-122"/>
-              </a:rPr>
-              <a:t>03</a:t>
-            </a:r>
-            <a:endParaRPr lang="zh-HK" altLang="en-US" sz="4000" b="1" dirty="0">
-              <a:latin typeface="微软雅黑" panose="020B0503020204020204" pitchFamily="34" charset="-122"/>
-              <a:ea typeface="微软雅黑" panose="020B0503020204020204" pitchFamily="34" charset="-122"/>
-            </a:endParaRPr>
-          </a:p>
-        </p:txBody>
-      </p:sp>
-      <p:sp>
-        <p:nvSpPr>
-          <p:cNvPr id="34" name="文本框 33"/>
-          <p:cNvSpPr txBox="1"/>
-          <p:nvPr/>
-        </p:nvSpPr>
-        <p:spPr>
-          <a:xfrm>
-            <a:off x="9393238" y="3972919"/>
-            <a:ext cx="1092200" cy="1077218"/>
-          </a:xfrm>
-          <a:prstGeom prst="rect">
-            <a:avLst/>
-          </a:prstGeom>
-          <a:noFill/>
-        </p:spPr>
-        <p:txBody>
-          <a:bodyPr wrap="square" rtlCol="0">
-            <a:spAutoFit/>
-          </a:bodyPr>
-          <a:lstStyle/>
-          <a:p>
-            <a:pPr algn="ctr"/>
-            <a:r>
-              <a:rPr lang="zh-CN" altLang="en-US" sz="3200" b="1" dirty="0" smtClean="0">
-                <a:solidFill>
-                  <a:schemeClr val="bg1"/>
-                </a:solidFill>
-                <a:latin typeface="微软雅黑" panose="020B0503020204020204" pitchFamily="34" charset="-122"/>
-                <a:ea typeface="微软雅黑" panose="020B0503020204020204" pitchFamily="34" charset="-122"/>
-              </a:rPr>
-              <a:t>需求分析</a:t>
-            </a:r>
-            <a:endParaRPr lang="zh-HK" altLang="en-US" sz="3200" b="1" dirty="0">
-              <a:solidFill>
-                <a:schemeClr val="bg1"/>
-              </a:solidFill>
-              <a:latin typeface="微软雅黑" panose="020B0503020204020204" pitchFamily="34" charset="-122"/>
-              <a:ea typeface="微软雅黑" panose="020B0503020204020204" pitchFamily="34" charset="-122"/>
-            </a:endParaRPr>
-          </a:p>
-        </p:txBody>
-      </p:sp>
-      <p:sp>
-        <p:nvSpPr>
-          <p:cNvPr id="42" name="文本框 41"/>
-          <p:cNvSpPr txBox="1"/>
-          <p:nvPr/>
-        </p:nvSpPr>
-        <p:spPr>
-          <a:xfrm>
-            <a:off x="3086100" y="6139157"/>
-            <a:ext cx="6019800" cy="461665"/>
-          </a:xfrm>
-          <a:prstGeom prst="rect">
-            <a:avLst/>
-          </a:prstGeom>
-          <a:noFill/>
-        </p:spPr>
-        <p:txBody>
-          <a:bodyPr wrap="square" rtlCol="0">
-            <a:spAutoFit/>
-          </a:bodyPr>
-          <a:lstStyle/>
-          <a:p>
-            <a:pPr algn="ctr"/>
-            <a:r>
-              <a:rPr lang="en-US" altLang="zh-HK" sz="1200" dirty="0" err="1" smtClean="0">
-                <a:solidFill>
-                  <a:srgbClr val="484848"/>
-                </a:solidFill>
-              </a:rPr>
-              <a:t>Copyight</a:t>
-            </a:r>
-            <a:r>
-              <a:rPr lang="en-US" altLang="zh-HK" sz="1200" dirty="0" smtClean="0">
-                <a:solidFill>
-                  <a:srgbClr val="484848"/>
-                </a:solidFill>
-              </a:rPr>
-              <a:t> @2014 </a:t>
-            </a:r>
-            <a:r>
-              <a:rPr lang="en-US" altLang="zh-CN" sz="1200" dirty="0" err="1" smtClean="0">
-                <a:solidFill>
-                  <a:srgbClr val="484848"/>
-                </a:solidFill>
-              </a:rPr>
-              <a:t>wechat</a:t>
-            </a:r>
-            <a:r>
-              <a:rPr lang="en-US" altLang="zh-HK" sz="1200" dirty="0" smtClean="0">
-                <a:solidFill>
-                  <a:srgbClr val="484848"/>
-                </a:solidFill>
-              </a:rPr>
-              <a:t> </a:t>
-            </a:r>
-            <a:r>
-              <a:rPr lang="en-US" altLang="zh-HK" sz="1200" dirty="0" err="1" smtClean="0">
-                <a:solidFill>
-                  <a:srgbClr val="484848"/>
-                </a:solidFill>
-              </a:rPr>
-              <a:t>damen_ppp</a:t>
-            </a:r>
-            <a:r>
-              <a:rPr lang="en-US" altLang="zh-HK" sz="1200" dirty="0" smtClean="0">
-                <a:solidFill>
-                  <a:srgbClr val="484848"/>
-                </a:solidFill>
-              </a:rPr>
-              <a:t> </a:t>
-            </a:r>
-            <a:r>
-              <a:rPr lang="en-US" altLang="zh-HK" sz="1200" dirty="0" err="1" smtClean="0">
-                <a:solidFill>
-                  <a:srgbClr val="484848"/>
-                </a:solidFill>
-              </a:rPr>
-              <a:t>lnc</a:t>
-            </a:r>
-            <a:endParaRPr lang="en-US" altLang="zh-HK" sz="1200" dirty="0" smtClean="0">
-              <a:solidFill>
-                <a:srgbClr val="484848"/>
-              </a:solidFill>
-            </a:endParaRPr>
-          </a:p>
-          <a:p>
-            <a:pPr algn="ctr"/>
-            <a:r>
-              <a:rPr lang="en-US" altLang="zh-HK" sz="1200" dirty="0" smtClean="0">
-                <a:solidFill>
-                  <a:srgbClr val="484848"/>
-                </a:solidFill>
-              </a:rPr>
-              <a:t>All Rights Reserved</a:t>
-            </a:r>
-            <a:endParaRPr lang="zh-HK" altLang="en-US" sz="1200" dirty="0">
-              <a:solidFill>
-                <a:srgbClr val="484848"/>
-              </a:solidFill>
-            </a:endParaRPr>
-          </a:p>
-        </p:txBody>
-      </p:sp>
-    </p:spTree>
-    <p:extLst>
-      <p:ext uri="{BB962C8B-B14F-4D97-AF65-F5344CB8AC3E}">
-        <p14:creationId xmlns:p14="http://schemas.microsoft.com/office/powerpoint/2010/main" val="3553441131"/>
-      </p:ext>
-    </p:extLst>
-  </p:cSld>
-  <p:clrMapOvr>
-    <a:masterClrMapping/>
-  </p:clrMapOvr>
-  <mc:AlternateContent xmlns:mc="http://schemas.openxmlformats.org/markup-compatibility/2006" xmlns:p15="http://schemas.microsoft.com/office/powerpoint/2012/main">
-    <mc:Choice Requires="p15">
-      <p:transition>
-        <p15:prstTrans prst="peelOff"/>
-      </p:transition>
-    </mc:Choice>
-    <mc:Fallback xmlns="">
-      <p:transition>
-        <p:fade/>
-      </p:transition>
-    </mc:Fallback>
-  </mc:AlternateContent>
-  <p:timing>
-    <p:tnLst>
-      <p:par>
-        <p:cTn id="1" dur="indefinite" restart="never" nodeType="tmRoot"/>
-      </p:par>
-    </p:tnLst>
-  </p:timing>
-</p:sld>
-</file>
-
-<file path=ppt/slides/slide20.xml><?xml version="1.0" encoding="utf-8"?>
+<file path=ppt/slides/slide25.xml><?xml version="1.0" encoding="utf-8"?>
 <p:sld xmlns:a="http://schemas.openxmlformats.org/drawingml/2006/main" xmlns:r="http://schemas.openxmlformats.org/officeDocument/2006/relationships" xmlns:p="http://schemas.openxmlformats.org/presentationml/2006/main">
   <p:cSld>
     <p:spTree>
@@ -9140,7 +10923,7 @@
 </p:sld>
 </file>
 
-<file path=ppt/slides/slide21.xml><?xml version="1.0" encoding="utf-8"?>
+<file path=ppt/slides/slide26.xml><?xml version="1.0" encoding="utf-8"?>
 <p:sld xmlns:a="http://schemas.openxmlformats.org/drawingml/2006/main" xmlns:r="http://schemas.openxmlformats.org/officeDocument/2006/relationships" xmlns:p="http://schemas.openxmlformats.org/presentationml/2006/main">
   <p:cSld>
     <p:spTree>
@@ -9403,7 +11186,7 @@
 </p:sld>
 </file>
 
-<file path=ppt/slides/slide22.xml><?xml version="1.0" encoding="utf-8"?>
+<file path=ppt/slides/slide27.xml><?xml version="1.0" encoding="utf-8"?>
 <p:sld xmlns:a="http://schemas.openxmlformats.org/drawingml/2006/main" xmlns:r="http://schemas.openxmlformats.org/officeDocument/2006/relationships" xmlns:p="http://schemas.openxmlformats.org/presentationml/2006/main">
   <p:cSld>
     <p:spTree>
@@ -9662,7 +11445,7 @@
 </p:sld>
 </file>
 
-<file path=ppt/slides/slide23.xml><?xml version="1.0" encoding="utf-8"?>
+<file path=ppt/slides/slide28.xml><?xml version="1.0" encoding="utf-8"?>
 <p:sld xmlns:a="http://schemas.openxmlformats.org/drawingml/2006/main" xmlns:r="http://schemas.openxmlformats.org/officeDocument/2006/relationships" xmlns:p="http://schemas.openxmlformats.org/presentationml/2006/main">
   <p:cSld>
     <p:spTree>
@@ -9921,7 +11704,7 @@
 </p:sld>
 </file>
 
-<file path=ppt/slides/slide24.xml><?xml version="1.0" encoding="utf-8"?>
+<file path=ppt/slides/slide29.xml><?xml version="1.0" encoding="utf-8"?>
 <p:sld xmlns:a="http://schemas.openxmlformats.org/drawingml/2006/main" xmlns:r="http://schemas.openxmlformats.org/officeDocument/2006/relationships" xmlns:p="http://schemas.openxmlformats.org/presentationml/2006/main">
   <p:cSld>
     <p:spTree>
@@ -10180,7 +11963,1090 @@
 </p:sld>
 </file>
 
-<file path=ppt/slides/slide25.xml><?xml version="1.0" encoding="utf-8"?>
+<file path=ppt/slides/slide3.xml><?xml version="1.0" encoding="utf-8"?>
+<p:sld xmlns:a="http://schemas.openxmlformats.org/drawingml/2006/main" xmlns:r="http://schemas.openxmlformats.org/officeDocument/2006/relationships" xmlns:p="http://schemas.openxmlformats.org/presentationml/2006/main">
+  <p:cSld>
+    <p:spTree>
+      <p:nvGrpSpPr>
+        <p:cNvPr id="1" name=""/>
+        <p:cNvGrpSpPr/>
+        <p:nvPr/>
+      </p:nvGrpSpPr>
+      <p:grpSpPr>
+        <a:xfrm>
+          <a:off x="0" y="0"/>
+          <a:ext cx="0" cy="0"/>
+          <a:chOff x="0" y="0"/>
+          <a:chExt cx="0" cy="0"/>
+        </a:xfrm>
+      </p:grpSpPr>
+      <p:pic>
+        <p:nvPicPr>
+          <p:cNvPr id="7" name="图片 6"/>
+          <p:cNvPicPr>
+            <a:picLocks noChangeAspect="1"/>
+          </p:cNvPicPr>
+          <p:nvPr/>
+        </p:nvPicPr>
+        <p:blipFill rotWithShape="1">
+          <a:blip r:embed="rId2">
+            <a:extLst>
+              <a:ext uri="{28A0092B-C50C-407E-A947-70E740481C1C}">
+                <a14:useLocalDpi xmlns:a14="http://schemas.microsoft.com/office/drawing/2010/main" val="0"/>
+              </a:ext>
+            </a:extLst>
+          </a:blip>
+          <a:srcRect b="15357"/>
+          <a:stretch/>
+        </p:blipFill>
+        <p:spPr>
+          <a:xfrm>
+            <a:off x="0" y="0"/>
+            <a:ext cx="12192000" cy="6879771"/>
+          </a:xfrm>
+          <a:prstGeom prst="rect">
+            <a:avLst/>
+          </a:prstGeom>
+          <a:solidFill>
+            <a:srgbClr val="F3DE5A">
+              <a:alpha val="36000"/>
+            </a:srgbClr>
+          </a:solidFill>
+        </p:spPr>
+      </p:pic>
+      <p:sp>
+        <p:nvSpPr>
+          <p:cNvPr id="29" name="椭圆 28"/>
+          <p:cNvSpPr/>
+          <p:nvPr/>
+        </p:nvSpPr>
+        <p:spPr>
+          <a:xfrm>
+            <a:off x="7275369" y="1679116"/>
+            <a:ext cx="229156" cy="229156"/>
+          </a:xfrm>
+          <a:prstGeom prst="ellipse">
+            <a:avLst/>
+          </a:prstGeom>
+          <a:solidFill>
+            <a:srgbClr val="D6343F">
+              <a:alpha val="53000"/>
+            </a:srgbClr>
+          </a:solidFill>
+          <a:ln>
+            <a:noFill/>
+          </a:ln>
+        </p:spPr>
+        <p:style>
+          <a:lnRef idx="2">
+            <a:schemeClr val="accent1">
+              <a:shade val="50000"/>
+            </a:schemeClr>
+          </a:lnRef>
+          <a:fillRef idx="1">
+            <a:schemeClr val="accent1"/>
+          </a:fillRef>
+          <a:effectRef idx="0">
+            <a:schemeClr val="accent1"/>
+          </a:effectRef>
+          <a:fontRef idx="minor">
+            <a:schemeClr val="lt1"/>
+          </a:fontRef>
+        </p:style>
+        <p:txBody>
+          <a:bodyPr rtlCol="0" anchor="ctr"/>
+          <a:lstStyle/>
+          <a:p>
+            <a:pPr algn="ctr"/>
+            <a:endParaRPr lang="zh-HK" altLang="en-US"/>
+          </a:p>
+        </p:txBody>
+      </p:sp>
+      <p:sp>
+        <p:nvSpPr>
+          <p:cNvPr id="30" name="椭圆 29"/>
+          <p:cNvSpPr/>
+          <p:nvPr/>
+        </p:nvSpPr>
+        <p:spPr>
+          <a:xfrm>
+            <a:off x="5886755" y="1499861"/>
+            <a:ext cx="471201" cy="471201"/>
+          </a:xfrm>
+          <a:prstGeom prst="ellipse">
+            <a:avLst/>
+          </a:prstGeom>
+          <a:solidFill>
+            <a:srgbClr val="D6343F">
+              <a:alpha val="53000"/>
+            </a:srgbClr>
+          </a:solidFill>
+          <a:ln>
+            <a:noFill/>
+          </a:ln>
+        </p:spPr>
+        <p:style>
+          <a:lnRef idx="2">
+            <a:schemeClr val="accent1">
+              <a:shade val="50000"/>
+            </a:schemeClr>
+          </a:lnRef>
+          <a:fillRef idx="1">
+            <a:schemeClr val="accent1"/>
+          </a:fillRef>
+          <a:effectRef idx="0">
+            <a:schemeClr val="accent1"/>
+          </a:effectRef>
+          <a:fontRef idx="minor">
+            <a:schemeClr val="lt1"/>
+          </a:fontRef>
+        </p:style>
+        <p:txBody>
+          <a:bodyPr rtlCol="0" anchor="ctr"/>
+          <a:lstStyle/>
+          <a:p>
+            <a:pPr algn="ctr"/>
+            <a:endParaRPr lang="zh-HK" altLang="en-US"/>
+          </a:p>
+        </p:txBody>
+      </p:sp>
+      <p:sp>
+        <p:nvSpPr>
+          <p:cNvPr id="27" name="椭圆 26"/>
+          <p:cNvSpPr/>
+          <p:nvPr/>
+        </p:nvSpPr>
+        <p:spPr>
+          <a:xfrm>
+            <a:off x="6490687" y="1202957"/>
+            <a:ext cx="651951" cy="651951"/>
+          </a:xfrm>
+          <a:prstGeom prst="ellipse">
+            <a:avLst/>
+          </a:prstGeom>
+          <a:solidFill>
+            <a:srgbClr val="D6343F">
+              <a:alpha val="53000"/>
+            </a:srgbClr>
+          </a:solidFill>
+          <a:ln>
+            <a:noFill/>
+          </a:ln>
+        </p:spPr>
+        <p:style>
+          <a:lnRef idx="2">
+            <a:schemeClr val="accent1">
+              <a:shade val="50000"/>
+            </a:schemeClr>
+          </a:lnRef>
+          <a:fillRef idx="1">
+            <a:schemeClr val="accent1"/>
+          </a:fillRef>
+          <a:effectRef idx="0">
+            <a:schemeClr val="accent1"/>
+          </a:effectRef>
+          <a:fontRef idx="minor">
+            <a:schemeClr val="lt1"/>
+          </a:fontRef>
+        </p:style>
+        <p:txBody>
+          <a:bodyPr rtlCol="0" anchor="ctr"/>
+          <a:lstStyle/>
+          <a:p>
+            <a:pPr algn="ctr"/>
+            <a:endParaRPr lang="zh-HK" altLang="en-US"/>
+          </a:p>
+        </p:txBody>
+      </p:sp>
+      <p:sp>
+        <p:nvSpPr>
+          <p:cNvPr id="28" name="椭圆 27"/>
+          <p:cNvSpPr/>
+          <p:nvPr/>
+        </p:nvSpPr>
+        <p:spPr>
+          <a:xfrm>
+            <a:off x="6863857" y="1872683"/>
+            <a:ext cx="463448" cy="463448"/>
+          </a:xfrm>
+          <a:prstGeom prst="ellipse">
+            <a:avLst/>
+          </a:prstGeom>
+          <a:solidFill>
+            <a:srgbClr val="D6343F">
+              <a:alpha val="53000"/>
+            </a:srgbClr>
+          </a:solidFill>
+          <a:ln>
+            <a:noFill/>
+          </a:ln>
+        </p:spPr>
+        <p:style>
+          <a:lnRef idx="2">
+            <a:schemeClr val="accent1">
+              <a:shade val="50000"/>
+            </a:schemeClr>
+          </a:lnRef>
+          <a:fillRef idx="1">
+            <a:schemeClr val="accent1"/>
+          </a:fillRef>
+          <a:effectRef idx="0">
+            <a:schemeClr val="accent1"/>
+          </a:effectRef>
+          <a:fontRef idx="minor">
+            <a:schemeClr val="lt1"/>
+          </a:fontRef>
+        </p:style>
+        <p:txBody>
+          <a:bodyPr rtlCol="0" anchor="ctr"/>
+          <a:lstStyle/>
+          <a:p>
+            <a:pPr algn="ctr"/>
+            <a:endParaRPr lang="zh-HK" altLang="en-US"/>
+          </a:p>
+        </p:txBody>
+      </p:sp>
+      <p:sp>
+        <p:nvSpPr>
+          <p:cNvPr id="16" name="椭圆 15"/>
+          <p:cNvSpPr/>
+          <p:nvPr/>
+        </p:nvSpPr>
+        <p:spPr>
+          <a:xfrm>
+            <a:off x="5463698" y="4433540"/>
+            <a:ext cx="302440" cy="302440"/>
+          </a:xfrm>
+          <a:prstGeom prst="ellipse">
+            <a:avLst/>
+          </a:prstGeom>
+          <a:solidFill>
+            <a:srgbClr val="060606">
+              <a:alpha val="46000"/>
+            </a:srgbClr>
+          </a:solidFill>
+          <a:ln>
+            <a:noFill/>
+          </a:ln>
+        </p:spPr>
+        <p:style>
+          <a:lnRef idx="2">
+            <a:schemeClr val="accent1">
+              <a:shade val="50000"/>
+            </a:schemeClr>
+          </a:lnRef>
+          <a:fillRef idx="1">
+            <a:schemeClr val="accent1"/>
+          </a:fillRef>
+          <a:effectRef idx="0">
+            <a:schemeClr val="accent1"/>
+          </a:effectRef>
+          <a:fontRef idx="minor">
+            <a:schemeClr val="lt1"/>
+          </a:fontRef>
+        </p:style>
+        <p:txBody>
+          <a:bodyPr rtlCol="0" anchor="ctr"/>
+          <a:lstStyle/>
+          <a:p>
+            <a:pPr algn="ctr"/>
+            <a:endParaRPr lang="zh-HK" altLang="en-US"/>
+          </a:p>
+        </p:txBody>
+      </p:sp>
+      <p:sp>
+        <p:nvSpPr>
+          <p:cNvPr id="10" name="椭圆 9"/>
+          <p:cNvSpPr/>
+          <p:nvPr/>
+        </p:nvSpPr>
+        <p:spPr>
+          <a:xfrm>
+            <a:off x="5641273" y="4639634"/>
+            <a:ext cx="1102659" cy="1102659"/>
+          </a:xfrm>
+          <a:prstGeom prst="ellipse">
+            <a:avLst/>
+          </a:prstGeom>
+          <a:solidFill>
+            <a:srgbClr val="060606">
+              <a:alpha val="46000"/>
+            </a:srgbClr>
+          </a:solidFill>
+          <a:ln>
+            <a:noFill/>
+          </a:ln>
+        </p:spPr>
+        <p:style>
+          <a:lnRef idx="2">
+            <a:schemeClr val="accent1">
+              <a:shade val="50000"/>
+            </a:schemeClr>
+          </a:lnRef>
+          <a:fillRef idx="1">
+            <a:schemeClr val="accent1"/>
+          </a:fillRef>
+          <a:effectRef idx="0">
+            <a:schemeClr val="accent1"/>
+          </a:effectRef>
+          <a:fontRef idx="minor">
+            <a:schemeClr val="lt1"/>
+          </a:fontRef>
+        </p:style>
+        <p:txBody>
+          <a:bodyPr rtlCol="0" anchor="ctr"/>
+          <a:lstStyle/>
+          <a:p>
+            <a:pPr algn="ctr"/>
+            <a:endParaRPr lang="zh-HK" altLang="en-US"/>
+          </a:p>
+        </p:txBody>
+      </p:sp>
+      <p:sp>
+        <p:nvSpPr>
+          <p:cNvPr id="2" name="椭圆 1"/>
+          <p:cNvSpPr/>
+          <p:nvPr/>
+        </p:nvSpPr>
+        <p:spPr>
+          <a:xfrm>
+            <a:off x="5893200" y="2982789"/>
+            <a:ext cx="665144" cy="665144"/>
+          </a:xfrm>
+          <a:prstGeom prst="ellipse">
+            <a:avLst/>
+          </a:prstGeom>
+          <a:solidFill>
+            <a:srgbClr val="060606">
+              <a:alpha val="46000"/>
+            </a:srgbClr>
+          </a:solidFill>
+          <a:ln>
+            <a:noFill/>
+          </a:ln>
+        </p:spPr>
+        <p:style>
+          <a:lnRef idx="2">
+            <a:schemeClr val="accent1">
+              <a:shade val="50000"/>
+            </a:schemeClr>
+          </a:lnRef>
+          <a:fillRef idx="1">
+            <a:schemeClr val="accent1"/>
+          </a:fillRef>
+          <a:effectRef idx="0">
+            <a:schemeClr val="accent1"/>
+          </a:effectRef>
+          <a:fontRef idx="minor">
+            <a:schemeClr val="lt1"/>
+          </a:fontRef>
+        </p:style>
+        <p:txBody>
+          <a:bodyPr rtlCol="0" anchor="ctr"/>
+          <a:lstStyle/>
+          <a:p>
+            <a:pPr algn="ctr"/>
+            <a:endParaRPr lang="zh-HK" altLang="en-US"/>
+          </a:p>
+        </p:txBody>
+      </p:sp>
+      <p:sp>
+        <p:nvSpPr>
+          <p:cNvPr id="9" name="椭圆 8"/>
+          <p:cNvSpPr/>
+          <p:nvPr/>
+        </p:nvSpPr>
+        <p:spPr>
+          <a:xfrm>
+            <a:off x="5200201" y="2318011"/>
+            <a:ext cx="741225" cy="741225"/>
+          </a:xfrm>
+          <a:prstGeom prst="ellipse">
+            <a:avLst/>
+          </a:prstGeom>
+          <a:solidFill>
+            <a:srgbClr val="060606">
+              <a:alpha val="46000"/>
+            </a:srgbClr>
+          </a:solidFill>
+          <a:ln>
+            <a:noFill/>
+          </a:ln>
+        </p:spPr>
+        <p:style>
+          <a:lnRef idx="2">
+            <a:schemeClr val="accent1">
+              <a:shade val="50000"/>
+            </a:schemeClr>
+          </a:lnRef>
+          <a:fillRef idx="1">
+            <a:schemeClr val="accent1"/>
+          </a:fillRef>
+          <a:effectRef idx="0">
+            <a:schemeClr val="accent1"/>
+          </a:effectRef>
+          <a:fontRef idx="minor">
+            <a:schemeClr val="lt1"/>
+          </a:fontRef>
+        </p:style>
+        <p:txBody>
+          <a:bodyPr rtlCol="0" anchor="ctr"/>
+          <a:lstStyle/>
+          <a:p>
+            <a:pPr algn="ctr"/>
+            <a:endParaRPr lang="zh-HK" altLang="en-US"/>
+          </a:p>
+        </p:txBody>
+      </p:sp>
+      <p:sp>
+        <p:nvSpPr>
+          <p:cNvPr id="11" name="椭圆 10"/>
+          <p:cNvSpPr/>
+          <p:nvPr/>
+        </p:nvSpPr>
+        <p:spPr>
+          <a:xfrm>
+            <a:off x="6538813" y="3814654"/>
+            <a:ext cx="949380" cy="932962"/>
+          </a:xfrm>
+          <a:prstGeom prst="ellipse">
+            <a:avLst/>
+          </a:prstGeom>
+          <a:solidFill>
+            <a:srgbClr val="D6343F">
+              <a:alpha val="53000"/>
+            </a:srgbClr>
+          </a:solidFill>
+          <a:ln>
+            <a:noFill/>
+          </a:ln>
+        </p:spPr>
+        <p:style>
+          <a:lnRef idx="2">
+            <a:schemeClr val="accent1">
+              <a:shade val="50000"/>
+            </a:schemeClr>
+          </a:lnRef>
+          <a:fillRef idx="1">
+            <a:schemeClr val="accent1"/>
+          </a:fillRef>
+          <a:effectRef idx="0">
+            <a:schemeClr val="accent1"/>
+          </a:effectRef>
+          <a:fontRef idx="minor">
+            <a:schemeClr val="lt1"/>
+          </a:fontRef>
+        </p:style>
+        <p:txBody>
+          <a:bodyPr rtlCol="0" anchor="ctr"/>
+          <a:lstStyle/>
+          <a:p>
+            <a:pPr algn="ctr"/>
+            <a:endParaRPr lang="zh-HK" altLang="en-US"/>
+          </a:p>
+        </p:txBody>
+      </p:sp>
+      <p:sp>
+        <p:nvSpPr>
+          <p:cNvPr id="12" name="椭圆 11"/>
+          <p:cNvSpPr/>
+          <p:nvPr/>
+        </p:nvSpPr>
+        <p:spPr>
+          <a:xfrm>
+            <a:off x="6634425" y="2869045"/>
+            <a:ext cx="790515" cy="790515"/>
+          </a:xfrm>
+          <a:prstGeom prst="ellipse">
+            <a:avLst/>
+          </a:prstGeom>
+          <a:solidFill>
+            <a:srgbClr val="D6343F">
+              <a:alpha val="53000"/>
+            </a:srgbClr>
+          </a:solidFill>
+          <a:ln>
+            <a:noFill/>
+          </a:ln>
+        </p:spPr>
+        <p:style>
+          <a:lnRef idx="2">
+            <a:schemeClr val="accent1">
+              <a:shade val="50000"/>
+            </a:schemeClr>
+          </a:lnRef>
+          <a:fillRef idx="1">
+            <a:schemeClr val="accent1"/>
+          </a:fillRef>
+          <a:effectRef idx="0">
+            <a:schemeClr val="accent1"/>
+          </a:effectRef>
+          <a:fontRef idx="minor">
+            <a:schemeClr val="lt1"/>
+          </a:fontRef>
+        </p:style>
+        <p:txBody>
+          <a:bodyPr rtlCol="0" anchor="ctr"/>
+          <a:lstStyle/>
+          <a:p>
+            <a:pPr algn="ctr"/>
+            <a:endParaRPr lang="zh-HK" altLang="en-US"/>
+          </a:p>
+        </p:txBody>
+      </p:sp>
+      <p:sp>
+        <p:nvSpPr>
+          <p:cNvPr id="13" name="椭圆 12"/>
+          <p:cNvSpPr/>
+          <p:nvPr/>
+        </p:nvSpPr>
+        <p:spPr>
+          <a:xfrm>
+            <a:off x="6084802" y="2088682"/>
+            <a:ext cx="857026" cy="857026"/>
+          </a:xfrm>
+          <a:prstGeom prst="ellipse">
+            <a:avLst/>
+          </a:prstGeom>
+          <a:solidFill>
+            <a:srgbClr val="D6343F">
+              <a:alpha val="53000"/>
+            </a:srgbClr>
+          </a:solidFill>
+          <a:ln>
+            <a:noFill/>
+          </a:ln>
+        </p:spPr>
+        <p:style>
+          <a:lnRef idx="2">
+            <a:schemeClr val="accent1">
+              <a:shade val="50000"/>
+            </a:schemeClr>
+          </a:lnRef>
+          <a:fillRef idx="1">
+            <a:schemeClr val="accent1"/>
+          </a:fillRef>
+          <a:effectRef idx="0">
+            <a:schemeClr val="accent1"/>
+          </a:effectRef>
+          <a:fontRef idx="minor">
+            <a:schemeClr val="lt1"/>
+          </a:fontRef>
+        </p:style>
+        <p:txBody>
+          <a:bodyPr rtlCol="0" anchor="ctr"/>
+          <a:lstStyle/>
+          <a:p>
+            <a:pPr algn="ctr"/>
+            <a:endParaRPr lang="zh-HK" altLang="en-US"/>
+          </a:p>
+        </p:txBody>
+      </p:sp>
+      <p:sp>
+        <p:nvSpPr>
+          <p:cNvPr id="14" name="椭圆 13"/>
+          <p:cNvSpPr/>
+          <p:nvPr/>
+        </p:nvSpPr>
+        <p:spPr>
+          <a:xfrm>
+            <a:off x="4855655" y="3072807"/>
+            <a:ext cx="854560" cy="854560"/>
+          </a:xfrm>
+          <a:prstGeom prst="ellipse">
+            <a:avLst/>
+          </a:prstGeom>
+          <a:solidFill>
+            <a:srgbClr val="D6343F">
+              <a:alpha val="53000"/>
+            </a:srgbClr>
+          </a:solidFill>
+          <a:ln>
+            <a:noFill/>
+          </a:ln>
+        </p:spPr>
+        <p:style>
+          <a:lnRef idx="2">
+            <a:schemeClr val="accent1">
+              <a:shade val="50000"/>
+            </a:schemeClr>
+          </a:lnRef>
+          <a:fillRef idx="1">
+            <a:schemeClr val="accent1"/>
+          </a:fillRef>
+          <a:effectRef idx="0">
+            <a:schemeClr val="accent1"/>
+          </a:effectRef>
+          <a:fontRef idx="minor">
+            <a:schemeClr val="lt1"/>
+          </a:fontRef>
+        </p:style>
+        <p:txBody>
+          <a:bodyPr rtlCol="0" anchor="ctr"/>
+          <a:lstStyle/>
+          <a:p>
+            <a:pPr algn="ctr"/>
+            <a:endParaRPr lang="zh-HK" altLang="en-US"/>
+          </a:p>
+        </p:txBody>
+      </p:sp>
+      <p:sp>
+        <p:nvSpPr>
+          <p:cNvPr id="15" name="椭圆 14"/>
+          <p:cNvSpPr/>
+          <p:nvPr/>
+        </p:nvSpPr>
+        <p:spPr>
+          <a:xfrm>
+            <a:off x="5606449" y="3649580"/>
+            <a:ext cx="820357" cy="820357"/>
+          </a:xfrm>
+          <a:prstGeom prst="ellipse">
+            <a:avLst/>
+          </a:prstGeom>
+          <a:solidFill>
+            <a:srgbClr val="060606">
+              <a:alpha val="46000"/>
+            </a:srgbClr>
+          </a:solidFill>
+          <a:ln>
+            <a:noFill/>
+          </a:ln>
+        </p:spPr>
+        <p:style>
+          <a:lnRef idx="2">
+            <a:schemeClr val="accent1">
+              <a:shade val="50000"/>
+            </a:schemeClr>
+          </a:lnRef>
+          <a:fillRef idx="1">
+            <a:schemeClr val="accent1"/>
+          </a:fillRef>
+          <a:effectRef idx="0">
+            <a:schemeClr val="accent1"/>
+          </a:effectRef>
+          <a:fontRef idx="minor">
+            <a:schemeClr val="lt1"/>
+          </a:fontRef>
+        </p:style>
+        <p:txBody>
+          <a:bodyPr rtlCol="0" anchor="ctr"/>
+          <a:lstStyle/>
+          <a:p>
+            <a:pPr algn="ctr"/>
+            <a:endParaRPr lang="zh-HK" altLang="en-US"/>
+          </a:p>
+        </p:txBody>
+      </p:sp>
+      <p:sp>
+        <p:nvSpPr>
+          <p:cNvPr id="17" name="椭圆 16"/>
+          <p:cNvSpPr/>
+          <p:nvPr/>
+        </p:nvSpPr>
+        <p:spPr>
+          <a:xfrm>
+            <a:off x="5800617" y="2095566"/>
+            <a:ext cx="281618" cy="281618"/>
+          </a:xfrm>
+          <a:prstGeom prst="ellipse">
+            <a:avLst/>
+          </a:prstGeom>
+          <a:solidFill>
+            <a:srgbClr val="060606">
+              <a:alpha val="46000"/>
+            </a:srgbClr>
+          </a:solidFill>
+          <a:ln>
+            <a:noFill/>
+          </a:ln>
+        </p:spPr>
+        <p:style>
+          <a:lnRef idx="2">
+            <a:schemeClr val="accent1">
+              <a:shade val="50000"/>
+            </a:schemeClr>
+          </a:lnRef>
+          <a:fillRef idx="1">
+            <a:schemeClr val="accent1"/>
+          </a:fillRef>
+          <a:effectRef idx="0">
+            <a:schemeClr val="accent1"/>
+          </a:effectRef>
+          <a:fontRef idx="minor">
+            <a:schemeClr val="lt1"/>
+          </a:fontRef>
+        </p:style>
+        <p:txBody>
+          <a:bodyPr rtlCol="0" anchor="ctr"/>
+          <a:lstStyle/>
+          <a:p>
+            <a:pPr algn="ctr"/>
+            <a:endParaRPr lang="zh-HK" altLang="en-US"/>
+          </a:p>
+        </p:txBody>
+      </p:sp>
+      <p:sp>
+        <p:nvSpPr>
+          <p:cNvPr id="48" name="直角三角形 47"/>
+          <p:cNvSpPr/>
+          <p:nvPr/>
+        </p:nvSpPr>
+        <p:spPr>
+          <a:xfrm>
+            <a:off x="-7305" y="-21771"/>
+            <a:ext cx="12192000" cy="6879771"/>
+          </a:xfrm>
+          <a:prstGeom prst="rtTriangle">
+            <a:avLst/>
+          </a:prstGeom>
+          <a:solidFill>
+            <a:srgbClr val="D6343F">
+              <a:alpha val="36000"/>
+            </a:srgbClr>
+          </a:solidFill>
+          <a:ln>
+            <a:noFill/>
+          </a:ln>
+        </p:spPr>
+        <p:style>
+          <a:lnRef idx="2">
+            <a:schemeClr val="accent1">
+              <a:shade val="50000"/>
+            </a:schemeClr>
+          </a:lnRef>
+          <a:fillRef idx="1">
+            <a:schemeClr val="accent1"/>
+          </a:fillRef>
+          <a:effectRef idx="0">
+            <a:schemeClr val="accent1"/>
+          </a:effectRef>
+          <a:fontRef idx="minor">
+            <a:schemeClr val="lt1"/>
+          </a:fontRef>
+        </p:style>
+        <p:txBody>
+          <a:bodyPr rtlCol="0" anchor="ctr"/>
+          <a:lstStyle/>
+          <a:p>
+            <a:pPr algn="ctr"/>
+            <a:endParaRPr lang="zh-HK" altLang="en-US"/>
+          </a:p>
+        </p:txBody>
+      </p:sp>
+      <p:sp>
+        <p:nvSpPr>
+          <p:cNvPr id="49" name="直角三角形 48"/>
+          <p:cNvSpPr/>
+          <p:nvPr/>
+        </p:nvSpPr>
+        <p:spPr>
+          <a:xfrm flipH="1" flipV="1">
+            <a:off x="26355" y="0"/>
+            <a:ext cx="12192000" cy="6879771"/>
+          </a:xfrm>
+          <a:prstGeom prst="rtTriangle">
+            <a:avLst/>
+          </a:prstGeom>
+          <a:solidFill>
+            <a:srgbClr val="060606">
+              <a:alpha val="36000"/>
+            </a:srgbClr>
+          </a:solidFill>
+          <a:ln>
+            <a:noFill/>
+          </a:ln>
+        </p:spPr>
+        <p:style>
+          <a:lnRef idx="2">
+            <a:schemeClr val="accent1">
+              <a:shade val="50000"/>
+            </a:schemeClr>
+          </a:lnRef>
+          <a:fillRef idx="1">
+            <a:schemeClr val="accent1"/>
+          </a:fillRef>
+          <a:effectRef idx="0">
+            <a:schemeClr val="accent1"/>
+          </a:effectRef>
+          <a:fontRef idx="minor">
+            <a:schemeClr val="lt1"/>
+          </a:fontRef>
+        </p:style>
+        <p:txBody>
+          <a:bodyPr rtlCol="0" anchor="ctr"/>
+          <a:lstStyle/>
+          <a:p>
+            <a:pPr algn="ctr"/>
+            <a:endParaRPr lang="zh-HK" altLang="en-US"/>
+          </a:p>
+        </p:txBody>
+      </p:sp>
+      <p:sp>
+        <p:nvSpPr>
+          <p:cNvPr id="33" name="椭圆 32"/>
+          <p:cNvSpPr/>
+          <p:nvPr/>
+        </p:nvSpPr>
+        <p:spPr>
+          <a:xfrm>
+            <a:off x="7037869" y="2493554"/>
+            <a:ext cx="229156" cy="229156"/>
+          </a:xfrm>
+          <a:prstGeom prst="ellipse">
+            <a:avLst/>
+          </a:prstGeom>
+          <a:solidFill>
+            <a:srgbClr val="060606">
+              <a:alpha val="46000"/>
+            </a:srgbClr>
+          </a:solidFill>
+          <a:ln>
+            <a:noFill/>
+          </a:ln>
+        </p:spPr>
+        <p:style>
+          <a:lnRef idx="2">
+            <a:schemeClr val="accent1">
+              <a:shade val="50000"/>
+            </a:schemeClr>
+          </a:lnRef>
+          <a:fillRef idx="1">
+            <a:schemeClr val="accent1"/>
+          </a:fillRef>
+          <a:effectRef idx="0">
+            <a:schemeClr val="accent1"/>
+          </a:effectRef>
+          <a:fontRef idx="minor">
+            <a:schemeClr val="lt1"/>
+          </a:fontRef>
+        </p:style>
+        <p:txBody>
+          <a:bodyPr rtlCol="0" anchor="ctr"/>
+          <a:lstStyle/>
+          <a:p>
+            <a:pPr algn="ctr"/>
+            <a:endParaRPr lang="zh-HK" altLang="en-US"/>
+          </a:p>
+        </p:txBody>
+      </p:sp>
+      <p:grpSp>
+        <p:nvGrpSpPr>
+          <p:cNvPr id="52" name="组合 51"/>
+          <p:cNvGrpSpPr/>
+          <p:nvPr/>
+        </p:nvGrpSpPr>
+        <p:grpSpPr>
+          <a:xfrm>
+            <a:off x="3086100" y="2610509"/>
+            <a:ext cx="6019800" cy="1452317"/>
+            <a:chOff x="3086100" y="2635624"/>
+            <a:chExt cx="6019800" cy="1452317"/>
+          </a:xfrm>
+        </p:grpSpPr>
+        <p:sp>
+          <p:nvSpPr>
+            <p:cNvPr id="50" name="文本框 49"/>
+            <p:cNvSpPr txBox="1"/>
+            <p:nvPr/>
+          </p:nvSpPr>
+          <p:spPr>
+            <a:xfrm>
+              <a:off x="3688977" y="2635624"/>
+              <a:ext cx="4814047" cy="1200329"/>
+            </a:xfrm>
+            <a:prstGeom prst="rect">
+              <a:avLst/>
+            </a:prstGeom>
+            <a:noFill/>
+          </p:spPr>
+          <p:txBody>
+            <a:bodyPr wrap="square" rtlCol="0">
+              <a:spAutoFit/>
+            </a:bodyPr>
+            <a:lstStyle/>
+            <a:p>
+              <a:pPr algn="ctr"/>
+              <a:r>
+                <a:rPr lang="zh-CN" altLang="en-US" sz="7200" b="1" dirty="0" smtClean="0">
+                  <a:solidFill>
+                    <a:schemeClr val="bg1"/>
+                  </a:solidFill>
+                  <a:latin typeface="华文细黑" panose="02010600040101010101" pitchFamily="2" charset="-122"/>
+                  <a:ea typeface="华文细黑" panose="02010600040101010101" pitchFamily="2" charset="-122"/>
+                </a:rPr>
+                <a:t>项目背景</a:t>
+              </a:r>
+              <a:endParaRPr lang="zh-HK" altLang="en-US" sz="7200" b="1" dirty="0">
+                <a:solidFill>
+                  <a:schemeClr val="bg1"/>
+                </a:solidFill>
+                <a:latin typeface="华文细黑" panose="02010600040101010101" pitchFamily="2" charset="-122"/>
+                <a:ea typeface="华文细黑" panose="02010600040101010101" pitchFamily="2" charset="-122"/>
+              </a:endParaRPr>
+            </a:p>
+          </p:txBody>
+        </p:sp>
+        <p:sp>
+          <p:nvSpPr>
+            <p:cNvPr id="51" name="文本框 50"/>
+            <p:cNvSpPr txBox="1"/>
+            <p:nvPr/>
+          </p:nvSpPr>
+          <p:spPr>
+            <a:xfrm>
+              <a:off x="3086100" y="3810942"/>
+              <a:ext cx="6019800" cy="276999"/>
+            </a:xfrm>
+            <a:prstGeom prst="rect">
+              <a:avLst/>
+            </a:prstGeom>
+            <a:noFill/>
+          </p:spPr>
+          <p:txBody>
+            <a:bodyPr wrap="square" rtlCol="0">
+              <a:spAutoFit/>
+            </a:bodyPr>
+            <a:lstStyle/>
+            <a:p>
+              <a:pPr algn="ctr"/>
+              <a:r>
+                <a:rPr lang="zh-CN" altLang="en-US" sz="1200" dirty="0" smtClean="0">
+                  <a:solidFill>
+                    <a:schemeClr val="bg1"/>
+                  </a:solidFill>
+                </a:rPr>
+                <a:t>杭州电子科技大学信息工程学院</a:t>
+              </a:r>
+              <a:endParaRPr lang="zh-HK" altLang="en-US" sz="1200" dirty="0">
+                <a:solidFill>
+                  <a:schemeClr val="bg1"/>
+                </a:solidFill>
+              </a:endParaRPr>
+            </a:p>
+          </p:txBody>
+        </p:sp>
+      </p:grpSp>
+      <p:sp>
+        <p:nvSpPr>
+          <p:cNvPr id="34" name="椭圆 33"/>
+          <p:cNvSpPr/>
+          <p:nvPr/>
+        </p:nvSpPr>
+        <p:spPr>
+          <a:xfrm>
+            <a:off x="4607136" y="4022128"/>
+            <a:ext cx="713852" cy="713852"/>
+          </a:xfrm>
+          <a:prstGeom prst="ellipse">
+            <a:avLst/>
+          </a:prstGeom>
+          <a:solidFill>
+            <a:srgbClr val="060606">
+              <a:alpha val="46000"/>
+            </a:srgbClr>
+          </a:solidFill>
+          <a:ln>
+            <a:noFill/>
+          </a:ln>
+        </p:spPr>
+        <p:style>
+          <a:lnRef idx="2">
+            <a:schemeClr val="accent1">
+              <a:shade val="50000"/>
+            </a:schemeClr>
+          </a:lnRef>
+          <a:fillRef idx="1">
+            <a:schemeClr val="accent1"/>
+          </a:fillRef>
+          <a:effectRef idx="0">
+            <a:schemeClr val="accent1"/>
+          </a:effectRef>
+          <a:fontRef idx="minor">
+            <a:schemeClr val="lt1"/>
+          </a:fontRef>
+        </p:style>
+        <p:txBody>
+          <a:bodyPr rtlCol="0" anchor="ctr"/>
+          <a:lstStyle/>
+          <a:p>
+            <a:pPr algn="ctr"/>
+            <a:endParaRPr lang="zh-HK" altLang="en-US"/>
+          </a:p>
+        </p:txBody>
+      </p:sp>
+      <p:sp>
+        <p:nvSpPr>
+          <p:cNvPr id="35" name="椭圆 34"/>
+          <p:cNvSpPr/>
+          <p:nvPr/>
+        </p:nvSpPr>
+        <p:spPr>
+          <a:xfrm>
+            <a:off x="6831538" y="4827514"/>
+            <a:ext cx="311100" cy="305720"/>
+          </a:xfrm>
+          <a:prstGeom prst="ellipse">
+            <a:avLst/>
+          </a:prstGeom>
+          <a:solidFill>
+            <a:srgbClr val="D6343F">
+              <a:alpha val="53000"/>
+            </a:srgbClr>
+          </a:solidFill>
+          <a:ln>
+            <a:noFill/>
+          </a:ln>
+        </p:spPr>
+        <p:style>
+          <a:lnRef idx="2">
+            <a:schemeClr val="accent1">
+              <a:shade val="50000"/>
+            </a:schemeClr>
+          </a:lnRef>
+          <a:fillRef idx="1">
+            <a:schemeClr val="accent1"/>
+          </a:fillRef>
+          <a:effectRef idx="0">
+            <a:schemeClr val="accent1"/>
+          </a:effectRef>
+          <a:fontRef idx="minor">
+            <a:schemeClr val="lt1"/>
+          </a:fontRef>
+        </p:style>
+        <p:txBody>
+          <a:bodyPr rtlCol="0" anchor="ctr"/>
+          <a:lstStyle/>
+          <a:p>
+            <a:pPr algn="ctr"/>
+            <a:endParaRPr lang="zh-HK" altLang="en-US"/>
+          </a:p>
+        </p:txBody>
+      </p:sp>
+    </p:spTree>
+    <p:extLst>
+      <p:ext uri="{BB962C8B-B14F-4D97-AF65-F5344CB8AC3E}">
+        <p14:creationId xmlns:p14="http://schemas.microsoft.com/office/powerpoint/2010/main" val="1145969728"/>
+      </p:ext>
+    </p:extLst>
+  </p:cSld>
+  <p:clrMapOvr>
+    <a:masterClrMapping/>
+  </p:clrMapOvr>
+  <p:transition>
+    <p:wipe/>
+  </p:transition>
+  <p:timing>
+    <p:tnLst>
+      <p:par>
+        <p:cTn id="1" dur="indefinite" restart="never" nodeType="tmRoot"/>
+      </p:par>
+    </p:tnLst>
+  </p:timing>
+</p:sld>
+</file>
+
+<file path=ppt/slides/slide30.xml><?xml version="1.0" encoding="utf-8"?>
 <p:sld xmlns:a="http://schemas.openxmlformats.org/drawingml/2006/main" xmlns:r="http://schemas.openxmlformats.org/officeDocument/2006/relationships" xmlns:p="http://schemas.openxmlformats.org/presentationml/2006/main">
   <p:cSld>
     <p:spTree>
@@ -10450,7 +13316,7 @@
 </p:sld>
 </file>
 
-<file path=ppt/slides/slide26.xml><?xml version="1.0" encoding="utf-8"?>
+<file path=ppt/slides/slide31.xml><?xml version="1.0" encoding="utf-8"?>
 <p:sld xmlns:a="http://schemas.openxmlformats.org/drawingml/2006/main" xmlns:r="http://schemas.openxmlformats.org/officeDocument/2006/relationships" xmlns:p="http://schemas.openxmlformats.org/presentationml/2006/main">
   <p:cSld>
     <p:spTree>
@@ -10704,7 +13570,7 @@
 </p:sld>
 </file>
 
-<file path=ppt/slides/slide27.xml><?xml version="1.0" encoding="utf-8"?>
+<file path=ppt/slides/slide32.xml><?xml version="1.0" encoding="utf-8"?>
 <p:sld xmlns:a="http://schemas.openxmlformats.org/drawingml/2006/main" xmlns:r="http://schemas.openxmlformats.org/officeDocument/2006/relationships" xmlns:p="http://schemas.openxmlformats.org/presentationml/2006/main">
   <p:cSld>
     <p:spTree>
@@ -11015,7 +13881,7 @@
 </p:sld>
 </file>
 
-<file path=ppt/slides/slide28.xml><?xml version="1.0" encoding="utf-8"?>
+<file path=ppt/slides/slide33.xml><?xml version="1.0" encoding="utf-8"?>
 <p:sld xmlns:a="http://schemas.openxmlformats.org/drawingml/2006/main" xmlns:r="http://schemas.openxmlformats.org/officeDocument/2006/relationships" xmlns:p="http://schemas.openxmlformats.org/presentationml/2006/main">
   <p:cSld>
     <p:spTree>
@@ -11285,1388 +14151,7 @@
 </p:sld>
 </file>
 
-<file path=ppt/slides/slide29.xml><?xml version="1.0" encoding="utf-8"?>
-<p:sld xmlns:a="http://schemas.openxmlformats.org/drawingml/2006/main" xmlns:r="http://schemas.openxmlformats.org/officeDocument/2006/relationships" xmlns:p="http://schemas.openxmlformats.org/presentationml/2006/main">
-  <p:cSld>
-    <p:spTree>
-      <p:nvGrpSpPr>
-        <p:cNvPr id="1" name=""/>
-        <p:cNvGrpSpPr/>
-        <p:nvPr/>
-      </p:nvGrpSpPr>
-      <p:grpSpPr>
-        <a:xfrm>
-          <a:off x="0" y="0"/>
-          <a:ext cx="0" cy="0"/>
-          <a:chOff x="0" y="0"/>
-          <a:chExt cx="0" cy="0"/>
-        </a:xfrm>
-      </p:grpSpPr>
-      <p:pic>
-        <p:nvPicPr>
-          <p:cNvPr id="2" name="图片 1"/>
-          <p:cNvPicPr>
-            <a:picLocks noChangeAspect="1"/>
-          </p:cNvPicPr>
-          <p:nvPr/>
-        </p:nvPicPr>
-        <p:blipFill rotWithShape="1">
-          <a:blip r:embed="rId2">
-            <a:extLst>
-              <a:ext uri="{28A0092B-C50C-407E-A947-70E740481C1C}">
-                <a14:useLocalDpi xmlns:a14="http://schemas.microsoft.com/office/drawing/2010/main" val="0"/>
-              </a:ext>
-            </a:extLst>
-          </a:blip>
-          <a:srcRect b="18308"/>
-          <a:stretch/>
-        </p:blipFill>
-        <p:spPr>
-          <a:xfrm>
-            <a:off x="0" y="0"/>
-            <a:ext cx="12192000" cy="6877050"/>
-          </a:xfrm>
-          <a:prstGeom prst="rect">
-            <a:avLst/>
-          </a:prstGeom>
-        </p:spPr>
-      </p:pic>
-      <p:sp>
-        <p:nvSpPr>
-          <p:cNvPr id="4" name="矩形 3"/>
-          <p:cNvSpPr/>
-          <p:nvPr/>
-        </p:nvSpPr>
-        <p:spPr>
-          <a:xfrm>
-            <a:off x="0" y="0"/>
-            <a:ext cx="12192000" cy="6858000"/>
-          </a:xfrm>
-          <a:prstGeom prst="rect">
-            <a:avLst/>
-          </a:prstGeom>
-          <a:solidFill>
-            <a:schemeClr val="tx1">
-              <a:alpha val="66000"/>
-            </a:schemeClr>
-          </a:solidFill>
-          <a:ln>
-            <a:noFill/>
-          </a:ln>
-        </p:spPr>
-        <p:style>
-          <a:lnRef idx="2">
-            <a:schemeClr val="accent1">
-              <a:shade val="50000"/>
-            </a:schemeClr>
-          </a:lnRef>
-          <a:fillRef idx="1">
-            <a:schemeClr val="accent1"/>
-          </a:fillRef>
-          <a:effectRef idx="0">
-            <a:schemeClr val="accent1"/>
-          </a:effectRef>
-          <a:fontRef idx="minor">
-            <a:schemeClr val="lt1"/>
-          </a:fontRef>
-        </p:style>
-        <p:txBody>
-          <a:bodyPr rtlCol="0" anchor="ctr"/>
-          <a:lstStyle/>
-          <a:p>
-            <a:pPr algn="ctr"/>
-            <a:endParaRPr lang="zh-HK" altLang="en-US"/>
-          </a:p>
-        </p:txBody>
-      </p:sp>
-      <p:sp>
-        <p:nvSpPr>
-          <p:cNvPr id="5" name="文本框 4"/>
-          <p:cNvSpPr txBox="1"/>
-          <p:nvPr/>
-        </p:nvSpPr>
-        <p:spPr>
-          <a:xfrm>
-            <a:off x="3200400" y="2644170"/>
-            <a:ext cx="5791200" cy="1569660"/>
-          </a:xfrm>
-          <a:prstGeom prst="rect">
-            <a:avLst/>
-          </a:prstGeom>
-          <a:noFill/>
-          <a:ln>
-            <a:solidFill>
-              <a:schemeClr val="bg1"/>
-            </a:solidFill>
-          </a:ln>
-        </p:spPr>
-        <p:txBody>
-          <a:bodyPr wrap="square" rtlCol="0">
-            <a:spAutoFit/>
-          </a:bodyPr>
-          <a:lstStyle/>
-          <a:p>
-            <a:pPr algn="ctr"/>
-            <a:r>
-              <a:rPr lang="en-US" altLang="zh-CN" sz="9600" b="1" spc="300" dirty="0" smtClean="0">
-                <a:solidFill>
-                  <a:schemeClr val="bg1"/>
-                </a:solidFill>
-                <a:latin typeface="微软雅黑" panose="020B0503020204020204" pitchFamily="34" charset="-122"/>
-                <a:ea typeface="微软雅黑" panose="020B0503020204020204" pitchFamily="34" charset="-122"/>
-              </a:rPr>
-              <a:t>Th</a:t>
-            </a:r>
-            <a:r>
-              <a:rPr lang="en-US" altLang="zh-CN" sz="9600" b="1" spc="300" dirty="0" smtClean="0">
-                <a:solidFill>
-                  <a:srgbClr val="D6343F"/>
-                </a:solidFill>
-                <a:latin typeface="微软雅黑" panose="020B0503020204020204" pitchFamily="34" charset="-122"/>
-                <a:ea typeface="微软雅黑" panose="020B0503020204020204" pitchFamily="34" charset="-122"/>
-              </a:rPr>
-              <a:t>a</a:t>
-            </a:r>
-            <a:r>
-              <a:rPr lang="en-US" altLang="zh-CN" sz="9600" b="1" spc="300" dirty="0" smtClean="0">
-                <a:solidFill>
-                  <a:schemeClr val="bg1"/>
-                </a:solidFill>
-                <a:latin typeface="微软雅黑" panose="020B0503020204020204" pitchFamily="34" charset="-122"/>
-                <a:ea typeface="微软雅黑" panose="020B0503020204020204" pitchFamily="34" charset="-122"/>
-              </a:rPr>
-              <a:t>nks</a:t>
-            </a:r>
-            <a:r>
-              <a:rPr lang="en-US" altLang="zh-CN" sz="9600" b="1" spc="300" dirty="0">
-                <a:solidFill>
-                  <a:schemeClr val="bg1"/>
-                </a:solidFill>
-                <a:latin typeface="微软雅黑" panose="020B0503020204020204" pitchFamily="34" charset="-122"/>
-                <a:ea typeface="微软雅黑" panose="020B0503020204020204" pitchFamily="34" charset="-122"/>
-              </a:rPr>
-              <a:t>.</a:t>
-            </a:r>
-            <a:endParaRPr lang="zh-HK" altLang="en-US" sz="9600" b="1" spc="300" dirty="0">
-              <a:solidFill>
-                <a:schemeClr val="bg1"/>
-              </a:solidFill>
-              <a:latin typeface="微软雅黑" panose="020B0503020204020204" pitchFamily="34" charset="-122"/>
-              <a:ea typeface="微软雅黑" panose="020B0503020204020204" pitchFamily="34" charset="-122"/>
-            </a:endParaRPr>
-          </a:p>
-        </p:txBody>
-      </p:sp>
-      <p:sp>
-        <p:nvSpPr>
-          <p:cNvPr id="6" name="文本框 5"/>
-          <p:cNvSpPr txBox="1"/>
-          <p:nvPr/>
-        </p:nvSpPr>
-        <p:spPr>
-          <a:xfrm>
-            <a:off x="3086100" y="6139157"/>
-            <a:ext cx="6019800" cy="461665"/>
-          </a:xfrm>
-          <a:prstGeom prst="rect">
-            <a:avLst/>
-          </a:prstGeom>
-          <a:noFill/>
-        </p:spPr>
-        <p:txBody>
-          <a:bodyPr wrap="square" rtlCol="0">
-            <a:spAutoFit/>
-          </a:bodyPr>
-          <a:lstStyle/>
-          <a:p>
-            <a:pPr algn="ctr"/>
-            <a:r>
-              <a:rPr lang="en-US" altLang="zh-HK" sz="1200" dirty="0" err="1" smtClean="0">
-                <a:solidFill>
-                  <a:schemeClr val="bg1"/>
-                </a:solidFill>
-              </a:rPr>
-              <a:t>Copyight</a:t>
-            </a:r>
-            <a:r>
-              <a:rPr lang="en-US" altLang="zh-HK" sz="1200" dirty="0" smtClean="0">
-                <a:solidFill>
-                  <a:schemeClr val="bg1"/>
-                </a:solidFill>
-              </a:rPr>
-              <a:t> @2014 </a:t>
-            </a:r>
-            <a:r>
-              <a:rPr lang="en-US" altLang="zh-CN" sz="1200" dirty="0" err="1" smtClean="0">
-                <a:solidFill>
-                  <a:schemeClr val="bg1"/>
-                </a:solidFill>
-              </a:rPr>
-              <a:t>wechat</a:t>
-            </a:r>
-            <a:r>
-              <a:rPr lang="en-US" altLang="zh-HK" sz="1200" dirty="0" smtClean="0">
-                <a:solidFill>
-                  <a:schemeClr val="bg1"/>
-                </a:solidFill>
-              </a:rPr>
-              <a:t> </a:t>
-            </a:r>
-            <a:r>
-              <a:rPr lang="en-US" altLang="zh-HK" sz="1200" dirty="0" err="1" smtClean="0">
-                <a:solidFill>
-                  <a:schemeClr val="bg1"/>
-                </a:solidFill>
-              </a:rPr>
-              <a:t>damen_ppp</a:t>
-            </a:r>
-            <a:r>
-              <a:rPr lang="en-US" altLang="zh-HK" sz="1200" dirty="0" smtClean="0">
-                <a:solidFill>
-                  <a:schemeClr val="bg1"/>
-                </a:solidFill>
-              </a:rPr>
-              <a:t> </a:t>
-            </a:r>
-            <a:r>
-              <a:rPr lang="en-US" altLang="zh-HK" sz="1200" dirty="0" err="1" smtClean="0">
-                <a:solidFill>
-                  <a:schemeClr val="bg1"/>
-                </a:solidFill>
-              </a:rPr>
-              <a:t>lnc</a:t>
-            </a:r>
-            <a:endParaRPr lang="en-US" altLang="zh-HK" sz="1200" dirty="0" smtClean="0">
-              <a:solidFill>
-                <a:schemeClr val="bg1"/>
-              </a:solidFill>
-            </a:endParaRPr>
-          </a:p>
-          <a:p>
-            <a:pPr algn="ctr"/>
-            <a:r>
-              <a:rPr lang="en-US" altLang="zh-HK" sz="1200" dirty="0" smtClean="0">
-                <a:solidFill>
-                  <a:schemeClr val="bg1"/>
-                </a:solidFill>
-              </a:rPr>
-              <a:t>All Rights Reserved</a:t>
-            </a:r>
-            <a:endParaRPr lang="zh-HK" altLang="en-US" sz="1200" dirty="0">
-              <a:solidFill>
-                <a:schemeClr val="bg1"/>
-              </a:solidFill>
-            </a:endParaRPr>
-          </a:p>
-        </p:txBody>
-      </p:sp>
-    </p:spTree>
-    <p:extLst>
-      <p:ext uri="{BB962C8B-B14F-4D97-AF65-F5344CB8AC3E}">
-        <p14:creationId xmlns:p14="http://schemas.microsoft.com/office/powerpoint/2010/main" val="683759260"/>
-      </p:ext>
-    </p:extLst>
-  </p:cSld>
-  <p:clrMapOvr>
-    <a:masterClrMapping/>
-  </p:clrMapOvr>
-  <p:transition>
-    <p:wipe/>
-  </p:transition>
-  <p:timing>
-    <p:tnLst>
-      <p:par>
-        <p:cTn id="1" dur="indefinite" restart="never" nodeType="tmRoot"/>
-      </p:par>
-    </p:tnLst>
-  </p:timing>
-</p:sld>
-</file>
-
-<file path=ppt/slides/slide3.xml><?xml version="1.0" encoding="utf-8"?>
-<p:sld xmlns:a="http://schemas.openxmlformats.org/drawingml/2006/main" xmlns:r="http://schemas.openxmlformats.org/officeDocument/2006/relationships" xmlns:p="http://schemas.openxmlformats.org/presentationml/2006/main">
-  <p:cSld>
-    <p:spTree>
-      <p:nvGrpSpPr>
-        <p:cNvPr id="1" name=""/>
-        <p:cNvGrpSpPr/>
-        <p:nvPr/>
-      </p:nvGrpSpPr>
-      <p:grpSpPr>
-        <a:xfrm>
-          <a:off x="0" y="0"/>
-          <a:ext cx="0" cy="0"/>
-          <a:chOff x="0" y="0"/>
-          <a:chExt cx="0" cy="0"/>
-        </a:xfrm>
-      </p:grpSpPr>
-      <p:pic>
-        <p:nvPicPr>
-          <p:cNvPr id="7" name="图片 6"/>
-          <p:cNvPicPr>
-            <a:picLocks noChangeAspect="1"/>
-          </p:cNvPicPr>
-          <p:nvPr/>
-        </p:nvPicPr>
-        <p:blipFill rotWithShape="1">
-          <a:blip r:embed="rId2">
-            <a:extLst>
-              <a:ext uri="{28A0092B-C50C-407E-A947-70E740481C1C}">
-                <a14:useLocalDpi xmlns:a14="http://schemas.microsoft.com/office/drawing/2010/main" val="0"/>
-              </a:ext>
-            </a:extLst>
-          </a:blip>
-          <a:srcRect b="15357"/>
-          <a:stretch/>
-        </p:blipFill>
-        <p:spPr>
-          <a:xfrm>
-            <a:off x="0" y="0"/>
-            <a:ext cx="12192000" cy="6879771"/>
-          </a:xfrm>
-          <a:prstGeom prst="rect">
-            <a:avLst/>
-          </a:prstGeom>
-          <a:solidFill>
-            <a:srgbClr val="F3DE5A">
-              <a:alpha val="36000"/>
-            </a:srgbClr>
-          </a:solidFill>
-        </p:spPr>
-      </p:pic>
-      <p:sp>
-        <p:nvSpPr>
-          <p:cNvPr id="29" name="椭圆 28"/>
-          <p:cNvSpPr/>
-          <p:nvPr/>
-        </p:nvSpPr>
-        <p:spPr>
-          <a:xfrm>
-            <a:off x="7275369" y="1679116"/>
-            <a:ext cx="229156" cy="229156"/>
-          </a:xfrm>
-          <a:prstGeom prst="ellipse">
-            <a:avLst/>
-          </a:prstGeom>
-          <a:solidFill>
-            <a:srgbClr val="D6343F">
-              <a:alpha val="53000"/>
-            </a:srgbClr>
-          </a:solidFill>
-          <a:ln>
-            <a:noFill/>
-          </a:ln>
-        </p:spPr>
-        <p:style>
-          <a:lnRef idx="2">
-            <a:schemeClr val="accent1">
-              <a:shade val="50000"/>
-            </a:schemeClr>
-          </a:lnRef>
-          <a:fillRef idx="1">
-            <a:schemeClr val="accent1"/>
-          </a:fillRef>
-          <a:effectRef idx="0">
-            <a:schemeClr val="accent1"/>
-          </a:effectRef>
-          <a:fontRef idx="minor">
-            <a:schemeClr val="lt1"/>
-          </a:fontRef>
-        </p:style>
-        <p:txBody>
-          <a:bodyPr rtlCol="0" anchor="ctr"/>
-          <a:lstStyle/>
-          <a:p>
-            <a:pPr algn="ctr"/>
-            <a:endParaRPr lang="zh-HK" altLang="en-US"/>
-          </a:p>
-        </p:txBody>
-      </p:sp>
-      <p:sp>
-        <p:nvSpPr>
-          <p:cNvPr id="30" name="椭圆 29"/>
-          <p:cNvSpPr/>
-          <p:nvPr/>
-        </p:nvSpPr>
-        <p:spPr>
-          <a:xfrm>
-            <a:off x="5886755" y="1499861"/>
-            <a:ext cx="471201" cy="471201"/>
-          </a:xfrm>
-          <a:prstGeom prst="ellipse">
-            <a:avLst/>
-          </a:prstGeom>
-          <a:solidFill>
-            <a:srgbClr val="D6343F">
-              <a:alpha val="53000"/>
-            </a:srgbClr>
-          </a:solidFill>
-          <a:ln>
-            <a:noFill/>
-          </a:ln>
-        </p:spPr>
-        <p:style>
-          <a:lnRef idx="2">
-            <a:schemeClr val="accent1">
-              <a:shade val="50000"/>
-            </a:schemeClr>
-          </a:lnRef>
-          <a:fillRef idx="1">
-            <a:schemeClr val="accent1"/>
-          </a:fillRef>
-          <a:effectRef idx="0">
-            <a:schemeClr val="accent1"/>
-          </a:effectRef>
-          <a:fontRef idx="minor">
-            <a:schemeClr val="lt1"/>
-          </a:fontRef>
-        </p:style>
-        <p:txBody>
-          <a:bodyPr rtlCol="0" anchor="ctr"/>
-          <a:lstStyle/>
-          <a:p>
-            <a:pPr algn="ctr"/>
-            <a:endParaRPr lang="zh-HK" altLang="en-US"/>
-          </a:p>
-        </p:txBody>
-      </p:sp>
-      <p:sp>
-        <p:nvSpPr>
-          <p:cNvPr id="27" name="椭圆 26"/>
-          <p:cNvSpPr/>
-          <p:nvPr/>
-        </p:nvSpPr>
-        <p:spPr>
-          <a:xfrm>
-            <a:off x="6490687" y="1202957"/>
-            <a:ext cx="651951" cy="651951"/>
-          </a:xfrm>
-          <a:prstGeom prst="ellipse">
-            <a:avLst/>
-          </a:prstGeom>
-          <a:solidFill>
-            <a:srgbClr val="D6343F">
-              <a:alpha val="53000"/>
-            </a:srgbClr>
-          </a:solidFill>
-          <a:ln>
-            <a:noFill/>
-          </a:ln>
-        </p:spPr>
-        <p:style>
-          <a:lnRef idx="2">
-            <a:schemeClr val="accent1">
-              <a:shade val="50000"/>
-            </a:schemeClr>
-          </a:lnRef>
-          <a:fillRef idx="1">
-            <a:schemeClr val="accent1"/>
-          </a:fillRef>
-          <a:effectRef idx="0">
-            <a:schemeClr val="accent1"/>
-          </a:effectRef>
-          <a:fontRef idx="minor">
-            <a:schemeClr val="lt1"/>
-          </a:fontRef>
-        </p:style>
-        <p:txBody>
-          <a:bodyPr rtlCol="0" anchor="ctr"/>
-          <a:lstStyle/>
-          <a:p>
-            <a:pPr algn="ctr"/>
-            <a:endParaRPr lang="zh-HK" altLang="en-US"/>
-          </a:p>
-        </p:txBody>
-      </p:sp>
-      <p:sp>
-        <p:nvSpPr>
-          <p:cNvPr id="28" name="椭圆 27"/>
-          <p:cNvSpPr/>
-          <p:nvPr/>
-        </p:nvSpPr>
-        <p:spPr>
-          <a:xfrm>
-            <a:off x="6863857" y="1872683"/>
-            <a:ext cx="463448" cy="463448"/>
-          </a:xfrm>
-          <a:prstGeom prst="ellipse">
-            <a:avLst/>
-          </a:prstGeom>
-          <a:solidFill>
-            <a:srgbClr val="D6343F">
-              <a:alpha val="53000"/>
-            </a:srgbClr>
-          </a:solidFill>
-          <a:ln>
-            <a:noFill/>
-          </a:ln>
-        </p:spPr>
-        <p:style>
-          <a:lnRef idx="2">
-            <a:schemeClr val="accent1">
-              <a:shade val="50000"/>
-            </a:schemeClr>
-          </a:lnRef>
-          <a:fillRef idx="1">
-            <a:schemeClr val="accent1"/>
-          </a:fillRef>
-          <a:effectRef idx="0">
-            <a:schemeClr val="accent1"/>
-          </a:effectRef>
-          <a:fontRef idx="minor">
-            <a:schemeClr val="lt1"/>
-          </a:fontRef>
-        </p:style>
-        <p:txBody>
-          <a:bodyPr rtlCol="0" anchor="ctr"/>
-          <a:lstStyle/>
-          <a:p>
-            <a:pPr algn="ctr"/>
-            <a:endParaRPr lang="zh-HK" altLang="en-US"/>
-          </a:p>
-        </p:txBody>
-      </p:sp>
-      <p:sp>
-        <p:nvSpPr>
-          <p:cNvPr id="16" name="椭圆 15"/>
-          <p:cNvSpPr/>
-          <p:nvPr/>
-        </p:nvSpPr>
-        <p:spPr>
-          <a:xfrm>
-            <a:off x="5463698" y="4433540"/>
-            <a:ext cx="302440" cy="302440"/>
-          </a:xfrm>
-          <a:prstGeom prst="ellipse">
-            <a:avLst/>
-          </a:prstGeom>
-          <a:solidFill>
-            <a:srgbClr val="060606">
-              <a:alpha val="46000"/>
-            </a:srgbClr>
-          </a:solidFill>
-          <a:ln>
-            <a:noFill/>
-          </a:ln>
-        </p:spPr>
-        <p:style>
-          <a:lnRef idx="2">
-            <a:schemeClr val="accent1">
-              <a:shade val="50000"/>
-            </a:schemeClr>
-          </a:lnRef>
-          <a:fillRef idx="1">
-            <a:schemeClr val="accent1"/>
-          </a:fillRef>
-          <a:effectRef idx="0">
-            <a:schemeClr val="accent1"/>
-          </a:effectRef>
-          <a:fontRef idx="minor">
-            <a:schemeClr val="lt1"/>
-          </a:fontRef>
-        </p:style>
-        <p:txBody>
-          <a:bodyPr rtlCol="0" anchor="ctr"/>
-          <a:lstStyle/>
-          <a:p>
-            <a:pPr algn="ctr"/>
-            <a:endParaRPr lang="zh-HK" altLang="en-US"/>
-          </a:p>
-        </p:txBody>
-      </p:sp>
-      <p:sp>
-        <p:nvSpPr>
-          <p:cNvPr id="10" name="椭圆 9"/>
-          <p:cNvSpPr/>
-          <p:nvPr/>
-        </p:nvSpPr>
-        <p:spPr>
-          <a:xfrm>
-            <a:off x="5641273" y="4639634"/>
-            <a:ext cx="1102659" cy="1102659"/>
-          </a:xfrm>
-          <a:prstGeom prst="ellipse">
-            <a:avLst/>
-          </a:prstGeom>
-          <a:solidFill>
-            <a:srgbClr val="060606">
-              <a:alpha val="46000"/>
-            </a:srgbClr>
-          </a:solidFill>
-          <a:ln>
-            <a:noFill/>
-          </a:ln>
-        </p:spPr>
-        <p:style>
-          <a:lnRef idx="2">
-            <a:schemeClr val="accent1">
-              <a:shade val="50000"/>
-            </a:schemeClr>
-          </a:lnRef>
-          <a:fillRef idx="1">
-            <a:schemeClr val="accent1"/>
-          </a:fillRef>
-          <a:effectRef idx="0">
-            <a:schemeClr val="accent1"/>
-          </a:effectRef>
-          <a:fontRef idx="minor">
-            <a:schemeClr val="lt1"/>
-          </a:fontRef>
-        </p:style>
-        <p:txBody>
-          <a:bodyPr rtlCol="0" anchor="ctr"/>
-          <a:lstStyle/>
-          <a:p>
-            <a:pPr algn="ctr"/>
-            <a:endParaRPr lang="zh-HK" altLang="en-US"/>
-          </a:p>
-        </p:txBody>
-      </p:sp>
-      <p:sp>
-        <p:nvSpPr>
-          <p:cNvPr id="2" name="椭圆 1"/>
-          <p:cNvSpPr/>
-          <p:nvPr/>
-        </p:nvSpPr>
-        <p:spPr>
-          <a:xfrm>
-            <a:off x="5893200" y="2982789"/>
-            <a:ext cx="665144" cy="665144"/>
-          </a:xfrm>
-          <a:prstGeom prst="ellipse">
-            <a:avLst/>
-          </a:prstGeom>
-          <a:solidFill>
-            <a:srgbClr val="060606">
-              <a:alpha val="46000"/>
-            </a:srgbClr>
-          </a:solidFill>
-          <a:ln>
-            <a:noFill/>
-          </a:ln>
-        </p:spPr>
-        <p:style>
-          <a:lnRef idx="2">
-            <a:schemeClr val="accent1">
-              <a:shade val="50000"/>
-            </a:schemeClr>
-          </a:lnRef>
-          <a:fillRef idx="1">
-            <a:schemeClr val="accent1"/>
-          </a:fillRef>
-          <a:effectRef idx="0">
-            <a:schemeClr val="accent1"/>
-          </a:effectRef>
-          <a:fontRef idx="minor">
-            <a:schemeClr val="lt1"/>
-          </a:fontRef>
-        </p:style>
-        <p:txBody>
-          <a:bodyPr rtlCol="0" anchor="ctr"/>
-          <a:lstStyle/>
-          <a:p>
-            <a:pPr algn="ctr"/>
-            <a:endParaRPr lang="zh-HK" altLang="en-US"/>
-          </a:p>
-        </p:txBody>
-      </p:sp>
-      <p:sp>
-        <p:nvSpPr>
-          <p:cNvPr id="9" name="椭圆 8"/>
-          <p:cNvSpPr/>
-          <p:nvPr/>
-        </p:nvSpPr>
-        <p:spPr>
-          <a:xfrm>
-            <a:off x="5200201" y="2318011"/>
-            <a:ext cx="741225" cy="741225"/>
-          </a:xfrm>
-          <a:prstGeom prst="ellipse">
-            <a:avLst/>
-          </a:prstGeom>
-          <a:solidFill>
-            <a:srgbClr val="060606">
-              <a:alpha val="46000"/>
-            </a:srgbClr>
-          </a:solidFill>
-          <a:ln>
-            <a:noFill/>
-          </a:ln>
-        </p:spPr>
-        <p:style>
-          <a:lnRef idx="2">
-            <a:schemeClr val="accent1">
-              <a:shade val="50000"/>
-            </a:schemeClr>
-          </a:lnRef>
-          <a:fillRef idx="1">
-            <a:schemeClr val="accent1"/>
-          </a:fillRef>
-          <a:effectRef idx="0">
-            <a:schemeClr val="accent1"/>
-          </a:effectRef>
-          <a:fontRef idx="minor">
-            <a:schemeClr val="lt1"/>
-          </a:fontRef>
-        </p:style>
-        <p:txBody>
-          <a:bodyPr rtlCol="0" anchor="ctr"/>
-          <a:lstStyle/>
-          <a:p>
-            <a:pPr algn="ctr"/>
-            <a:endParaRPr lang="zh-HK" altLang="en-US"/>
-          </a:p>
-        </p:txBody>
-      </p:sp>
-      <p:sp>
-        <p:nvSpPr>
-          <p:cNvPr id="11" name="椭圆 10"/>
-          <p:cNvSpPr/>
-          <p:nvPr/>
-        </p:nvSpPr>
-        <p:spPr>
-          <a:xfrm>
-            <a:off x="6538813" y="3814654"/>
-            <a:ext cx="949380" cy="932962"/>
-          </a:xfrm>
-          <a:prstGeom prst="ellipse">
-            <a:avLst/>
-          </a:prstGeom>
-          <a:solidFill>
-            <a:srgbClr val="D6343F">
-              <a:alpha val="53000"/>
-            </a:srgbClr>
-          </a:solidFill>
-          <a:ln>
-            <a:noFill/>
-          </a:ln>
-        </p:spPr>
-        <p:style>
-          <a:lnRef idx="2">
-            <a:schemeClr val="accent1">
-              <a:shade val="50000"/>
-            </a:schemeClr>
-          </a:lnRef>
-          <a:fillRef idx="1">
-            <a:schemeClr val="accent1"/>
-          </a:fillRef>
-          <a:effectRef idx="0">
-            <a:schemeClr val="accent1"/>
-          </a:effectRef>
-          <a:fontRef idx="minor">
-            <a:schemeClr val="lt1"/>
-          </a:fontRef>
-        </p:style>
-        <p:txBody>
-          <a:bodyPr rtlCol="0" anchor="ctr"/>
-          <a:lstStyle/>
-          <a:p>
-            <a:pPr algn="ctr"/>
-            <a:endParaRPr lang="zh-HK" altLang="en-US"/>
-          </a:p>
-        </p:txBody>
-      </p:sp>
-      <p:sp>
-        <p:nvSpPr>
-          <p:cNvPr id="12" name="椭圆 11"/>
-          <p:cNvSpPr/>
-          <p:nvPr/>
-        </p:nvSpPr>
-        <p:spPr>
-          <a:xfrm>
-            <a:off x="6634425" y="2869045"/>
-            <a:ext cx="790515" cy="790515"/>
-          </a:xfrm>
-          <a:prstGeom prst="ellipse">
-            <a:avLst/>
-          </a:prstGeom>
-          <a:solidFill>
-            <a:srgbClr val="D6343F">
-              <a:alpha val="53000"/>
-            </a:srgbClr>
-          </a:solidFill>
-          <a:ln>
-            <a:noFill/>
-          </a:ln>
-        </p:spPr>
-        <p:style>
-          <a:lnRef idx="2">
-            <a:schemeClr val="accent1">
-              <a:shade val="50000"/>
-            </a:schemeClr>
-          </a:lnRef>
-          <a:fillRef idx="1">
-            <a:schemeClr val="accent1"/>
-          </a:fillRef>
-          <a:effectRef idx="0">
-            <a:schemeClr val="accent1"/>
-          </a:effectRef>
-          <a:fontRef idx="minor">
-            <a:schemeClr val="lt1"/>
-          </a:fontRef>
-        </p:style>
-        <p:txBody>
-          <a:bodyPr rtlCol="0" anchor="ctr"/>
-          <a:lstStyle/>
-          <a:p>
-            <a:pPr algn="ctr"/>
-            <a:endParaRPr lang="zh-HK" altLang="en-US"/>
-          </a:p>
-        </p:txBody>
-      </p:sp>
-      <p:sp>
-        <p:nvSpPr>
-          <p:cNvPr id="13" name="椭圆 12"/>
-          <p:cNvSpPr/>
-          <p:nvPr/>
-        </p:nvSpPr>
-        <p:spPr>
-          <a:xfrm>
-            <a:off x="6084802" y="2088682"/>
-            <a:ext cx="857026" cy="857026"/>
-          </a:xfrm>
-          <a:prstGeom prst="ellipse">
-            <a:avLst/>
-          </a:prstGeom>
-          <a:solidFill>
-            <a:srgbClr val="D6343F">
-              <a:alpha val="53000"/>
-            </a:srgbClr>
-          </a:solidFill>
-          <a:ln>
-            <a:noFill/>
-          </a:ln>
-        </p:spPr>
-        <p:style>
-          <a:lnRef idx="2">
-            <a:schemeClr val="accent1">
-              <a:shade val="50000"/>
-            </a:schemeClr>
-          </a:lnRef>
-          <a:fillRef idx="1">
-            <a:schemeClr val="accent1"/>
-          </a:fillRef>
-          <a:effectRef idx="0">
-            <a:schemeClr val="accent1"/>
-          </a:effectRef>
-          <a:fontRef idx="minor">
-            <a:schemeClr val="lt1"/>
-          </a:fontRef>
-        </p:style>
-        <p:txBody>
-          <a:bodyPr rtlCol="0" anchor="ctr"/>
-          <a:lstStyle/>
-          <a:p>
-            <a:pPr algn="ctr"/>
-            <a:endParaRPr lang="zh-HK" altLang="en-US"/>
-          </a:p>
-        </p:txBody>
-      </p:sp>
-      <p:sp>
-        <p:nvSpPr>
-          <p:cNvPr id="14" name="椭圆 13"/>
-          <p:cNvSpPr/>
-          <p:nvPr/>
-        </p:nvSpPr>
-        <p:spPr>
-          <a:xfrm>
-            <a:off x="4855655" y="3072807"/>
-            <a:ext cx="854560" cy="854560"/>
-          </a:xfrm>
-          <a:prstGeom prst="ellipse">
-            <a:avLst/>
-          </a:prstGeom>
-          <a:solidFill>
-            <a:srgbClr val="D6343F">
-              <a:alpha val="53000"/>
-            </a:srgbClr>
-          </a:solidFill>
-          <a:ln>
-            <a:noFill/>
-          </a:ln>
-        </p:spPr>
-        <p:style>
-          <a:lnRef idx="2">
-            <a:schemeClr val="accent1">
-              <a:shade val="50000"/>
-            </a:schemeClr>
-          </a:lnRef>
-          <a:fillRef idx="1">
-            <a:schemeClr val="accent1"/>
-          </a:fillRef>
-          <a:effectRef idx="0">
-            <a:schemeClr val="accent1"/>
-          </a:effectRef>
-          <a:fontRef idx="minor">
-            <a:schemeClr val="lt1"/>
-          </a:fontRef>
-        </p:style>
-        <p:txBody>
-          <a:bodyPr rtlCol="0" anchor="ctr"/>
-          <a:lstStyle/>
-          <a:p>
-            <a:pPr algn="ctr"/>
-            <a:endParaRPr lang="zh-HK" altLang="en-US"/>
-          </a:p>
-        </p:txBody>
-      </p:sp>
-      <p:sp>
-        <p:nvSpPr>
-          <p:cNvPr id="15" name="椭圆 14"/>
-          <p:cNvSpPr/>
-          <p:nvPr/>
-        </p:nvSpPr>
-        <p:spPr>
-          <a:xfrm>
-            <a:off x="5606449" y="3649580"/>
-            <a:ext cx="820357" cy="820357"/>
-          </a:xfrm>
-          <a:prstGeom prst="ellipse">
-            <a:avLst/>
-          </a:prstGeom>
-          <a:solidFill>
-            <a:srgbClr val="060606">
-              <a:alpha val="46000"/>
-            </a:srgbClr>
-          </a:solidFill>
-          <a:ln>
-            <a:noFill/>
-          </a:ln>
-        </p:spPr>
-        <p:style>
-          <a:lnRef idx="2">
-            <a:schemeClr val="accent1">
-              <a:shade val="50000"/>
-            </a:schemeClr>
-          </a:lnRef>
-          <a:fillRef idx="1">
-            <a:schemeClr val="accent1"/>
-          </a:fillRef>
-          <a:effectRef idx="0">
-            <a:schemeClr val="accent1"/>
-          </a:effectRef>
-          <a:fontRef idx="minor">
-            <a:schemeClr val="lt1"/>
-          </a:fontRef>
-        </p:style>
-        <p:txBody>
-          <a:bodyPr rtlCol="0" anchor="ctr"/>
-          <a:lstStyle/>
-          <a:p>
-            <a:pPr algn="ctr"/>
-            <a:endParaRPr lang="zh-HK" altLang="en-US"/>
-          </a:p>
-        </p:txBody>
-      </p:sp>
-      <p:sp>
-        <p:nvSpPr>
-          <p:cNvPr id="17" name="椭圆 16"/>
-          <p:cNvSpPr/>
-          <p:nvPr/>
-        </p:nvSpPr>
-        <p:spPr>
-          <a:xfrm>
-            <a:off x="5800617" y="2095566"/>
-            <a:ext cx="281618" cy="281618"/>
-          </a:xfrm>
-          <a:prstGeom prst="ellipse">
-            <a:avLst/>
-          </a:prstGeom>
-          <a:solidFill>
-            <a:srgbClr val="060606">
-              <a:alpha val="46000"/>
-            </a:srgbClr>
-          </a:solidFill>
-          <a:ln>
-            <a:noFill/>
-          </a:ln>
-        </p:spPr>
-        <p:style>
-          <a:lnRef idx="2">
-            <a:schemeClr val="accent1">
-              <a:shade val="50000"/>
-            </a:schemeClr>
-          </a:lnRef>
-          <a:fillRef idx="1">
-            <a:schemeClr val="accent1"/>
-          </a:fillRef>
-          <a:effectRef idx="0">
-            <a:schemeClr val="accent1"/>
-          </a:effectRef>
-          <a:fontRef idx="minor">
-            <a:schemeClr val="lt1"/>
-          </a:fontRef>
-        </p:style>
-        <p:txBody>
-          <a:bodyPr rtlCol="0" anchor="ctr"/>
-          <a:lstStyle/>
-          <a:p>
-            <a:pPr algn="ctr"/>
-            <a:endParaRPr lang="zh-HK" altLang="en-US"/>
-          </a:p>
-        </p:txBody>
-      </p:sp>
-      <p:sp>
-        <p:nvSpPr>
-          <p:cNvPr id="48" name="直角三角形 47"/>
-          <p:cNvSpPr/>
-          <p:nvPr/>
-        </p:nvSpPr>
-        <p:spPr>
-          <a:xfrm>
-            <a:off x="-7305" y="-21771"/>
-            <a:ext cx="12192000" cy="6879771"/>
-          </a:xfrm>
-          <a:prstGeom prst="rtTriangle">
-            <a:avLst/>
-          </a:prstGeom>
-          <a:solidFill>
-            <a:srgbClr val="D6343F">
-              <a:alpha val="36000"/>
-            </a:srgbClr>
-          </a:solidFill>
-          <a:ln>
-            <a:noFill/>
-          </a:ln>
-        </p:spPr>
-        <p:style>
-          <a:lnRef idx="2">
-            <a:schemeClr val="accent1">
-              <a:shade val="50000"/>
-            </a:schemeClr>
-          </a:lnRef>
-          <a:fillRef idx="1">
-            <a:schemeClr val="accent1"/>
-          </a:fillRef>
-          <a:effectRef idx="0">
-            <a:schemeClr val="accent1"/>
-          </a:effectRef>
-          <a:fontRef idx="minor">
-            <a:schemeClr val="lt1"/>
-          </a:fontRef>
-        </p:style>
-        <p:txBody>
-          <a:bodyPr rtlCol="0" anchor="ctr"/>
-          <a:lstStyle/>
-          <a:p>
-            <a:pPr algn="ctr"/>
-            <a:endParaRPr lang="zh-HK" altLang="en-US"/>
-          </a:p>
-        </p:txBody>
-      </p:sp>
-      <p:sp>
-        <p:nvSpPr>
-          <p:cNvPr id="49" name="直角三角形 48"/>
-          <p:cNvSpPr/>
-          <p:nvPr/>
-        </p:nvSpPr>
-        <p:spPr>
-          <a:xfrm flipH="1" flipV="1">
-            <a:off x="26355" y="0"/>
-            <a:ext cx="12192000" cy="6879771"/>
-          </a:xfrm>
-          <a:prstGeom prst="rtTriangle">
-            <a:avLst/>
-          </a:prstGeom>
-          <a:solidFill>
-            <a:srgbClr val="060606">
-              <a:alpha val="36000"/>
-            </a:srgbClr>
-          </a:solidFill>
-          <a:ln>
-            <a:noFill/>
-          </a:ln>
-        </p:spPr>
-        <p:style>
-          <a:lnRef idx="2">
-            <a:schemeClr val="accent1">
-              <a:shade val="50000"/>
-            </a:schemeClr>
-          </a:lnRef>
-          <a:fillRef idx="1">
-            <a:schemeClr val="accent1"/>
-          </a:fillRef>
-          <a:effectRef idx="0">
-            <a:schemeClr val="accent1"/>
-          </a:effectRef>
-          <a:fontRef idx="minor">
-            <a:schemeClr val="lt1"/>
-          </a:fontRef>
-        </p:style>
-        <p:txBody>
-          <a:bodyPr rtlCol="0" anchor="ctr"/>
-          <a:lstStyle/>
-          <a:p>
-            <a:pPr algn="ctr"/>
-            <a:endParaRPr lang="zh-HK" altLang="en-US"/>
-          </a:p>
-        </p:txBody>
-      </p:sp>
-      <p:sp>
-        <p:nvSpPr>
-          <p:cNvPr id="33" name="椭圆 32"/>
-          <p:cNvSpPr/>
-          <p:nvPr/>
-        </p:nvSpPr>
-        <p:spPr>
-          <a:xfrm>
-            <a:off x="7037869" y="2493554"/>
-            <a:ext cx="229156" cy="229156"/>
-          </a:xfrm>
-          <a:prstGeom prst="ellipse">
-            <a:avLst/>
-          </a:prstGeom>
-          <a:solidFill>
-            <a:srgbClr val="060606">
-              <a:alpha val="46000"/>
-            </a:srgbClr>
-          </a:solidFill>
-          <a:ln>
-            <a:noFill/>
-          </a:ln>
-        </p:spPr>
-        <p:style>
-          <a:lnRef idx="2">
-            <a:schemeClr val="accent1">
-              <a:shade val="50000"/>
-            </a:schemeClr>
-          </a:lnRef>
-          <a:fillRef idx="1">
-            <a:schemeClr val="accent1"/>
-          </a:fillRef>
-          <a:effectRef idx="0">
-            <a:schemeClr val="accent1"/>
-          </a:effectRef>
-          <a:fontRef idx="minor">
-            <a:schemeClr val="lt1"/>
-          </a:fontRef>
-        </p:style>
-        <p:txBody>
-          <a:bodyPr rtlCol="0" anchor="ctr"/>
-          <a:lstStyle/>
-          <a:p>
-            <a:pPr algn="ctr"/>
-            <a:endParaRPr lang="zh-HK" altLang="en-US"/>
-          </a:p>
-        </p:txBody>
-      </p:sp>
-      <p:grpSp>
-        <p:nvGrpSpPr>
-          <p:cNvPr id="52" name="组合 51"/>
-          <p:cNvGrpSpPr/>
-          <p:nvPr/>
-        </p:nvGrpSpPr>
-        <p:grpSpPr>
-          <a:xfrm>
-            <a:off x="3086100" y="2610509"/>
-            <a:ext cx="6019800" cy="1452317"/>
-            <a:chOff x="3086100" y="2635624"/>
-            <a:chExt cx="6019800" cy="1452317"/>
-          </a:xfrm>
-        </p:grpSpPr>
-        <p:sp>
-          <p:nvSpPr>
-            <p:cNvPr id="50" name="文本框 49"/>
-            <p:cNvSpPr txBox="1"/>
-            <p:nvPr/>
-          </p:nvSpPr>
-          <p:spPr>
-            <a:xfrm>
-              <a:off x="3688977" y="2635624"/>
-              <a:ext cx="4814047" cy="1200329"/>
-            </a:xfrm>
-            <a:prstGeom prst="rect">
-              <a:avLst/>
-            </a:prstGeom>
-            <a:noFill/>
-          </p:spPr>
-          <p:txBody>
-            <a:bodyPr wrap="square" rtlCol="0">
-              <a:spAutoFit/>
-            </a:bodyPr>
-            <a:lstStyle/>
-            <a:p>
-              <a:pPr algn="ctr"/>
-              <a:r>
-                <a:rPr lang="zh-CN" altLang="en-US" sz="7200" b="1" dirty="0" smtClean="0">
-                  <a:solidFill>
-                    <a:schemeClr val="bg1"/>
-                  </a:solidFill>
-                  <a:latin typeface="华文细黑" panose="02010600040101010101" pitchFamily="2" charset="-122"/>
-                  <a:ea typeface="华文细黑" panose="02010600040101010101" pitchFamily="2" charset="-122"/>
-                </a:rPr>
-                <a:t>项目背景</a:t>
-              </a:r>
-              <a:endParaRPr lang="zh-HK" altLang="en-US" sz="7200" b="1" dirty="0">
-                <a:solidFill>
-                  <a:schemeClr val="bg1"/>
-                </a:solidFill>
-                <a:latin typeface="华文细黑" panose="02010600040101010101" pitchFamily="2" charset="-122"/>
-                <a:ea typeface="华文细黑" panose="02010600040101010101" pitchFamily="2" charset="-122"/>
-              </a:endParaRPr>
-            </a:p>
-          </p:txBody>
-        </p:sp>
-        <p:sp>
-          <p:nvSpPr>
-            <p:cNvPr id="51" name="文本框 50"/>
-            <p:cNvSpPr txBox="1"/>
-            <p:nvPr/>
-          </p:nvSpPr>
-          <p:spPr>
-            <a:xfrm>
-              <a:off x="3086100" y="3810942"/>
-              <a:ext cx="6019800" cy="276999"/>
-            </a:xfrm>
-            <a:prstGeom prst="rect">
-              <a:avLst/>
-            </a:prstGeom>
-            <a:noFill/>
-          </p:spPr>
-          <p:txBody>
-            <a:bodyPr wrap="square" rtlCol="0">
-              <a:spAutoFit/>
-            </a:bodyPr>
-            <a:lstStyle/>
-            <a:p>
-              <a:pPr algn="ctr"/>
-              <a:r>
-                <a:rPr lang="zh-CN" altLang="en-US" sz="1200" dirty="0" smtClean="0">
-                  <a:solidFill>
-                    <a:schemeClr val="bg1"/>
-                  </a:solidFill>
-                </a:rPr>
-                <a:t>杭州电子科技大学信息工程学院</a:t>
-              </a:r>
-              <a:endParaRPr lang="zh-HK" altLang="en-US" sz="1200" dirty="0">
-                <a:solidFill>
-                  <a:schemeClr val="bg1"/>
-                </a:solidFill>
-              </a:endParaRPr>
-            </a:p>
-          </p:txBody>
-        </p:sp>
-      </p:grpSp>
-      <p:sp>
-        <p:nvSpPr>
-          <p:cNvPr id="34" name="椭圆 33"/>
-          <p:cNvSpPr/>
-          <p:nvPr/>
-        </p:nvSpPr>
-        <p:spPr>
-          <a:xfrm>
-            <a:off x="4607136" y="4022128"/>
-            <a:ext cx="713852" cy="713852"/>
-          </a:xfrm>
-          <a:prstGeom prst="ellipse">
-            <a:avLst/>
-          </a:prstGeom>
-          <a:solidFill>
-            <a:srgbClr val="060606">
-              <a:alpha val="46000"/>
-            </a:srgbClr>
-          </a:solidFill>
-          <a:ln>
-            <a:noFill/>
-          </a:ln>
-        </p:spPr>
-        <p:style>
-          <a:lnRef idx="2">
-            <a:schemeClr val="accent1">
-              <a:shade val="50000"/>
-            </a:schemeClr>
-          </a:lnRef>
-          <a:fillRef idx="1">
-            <a:schemeClr val="accent1"/>
-          </a:fillRef>
-          <a:effectRef idx="0">
-            <a:schemeClr val="accent1"/>
-          </a:effectRef>
-          <a:fontRef idx="minor">
-            <a:schemeClr val="lt1"/>
-          </a:fontRef>
-        </p:style>
-        <p:txBody>
-          <a:bodyPr rtlCol="0" anchor="ctr"/>
-          <a:lstStyle/>
-          <a:p>
-            <a:pPr algn="ctr"/>
-            <a:endParaRPr lang="zh-HK" altLang="en-US"/>
-          </a:p>
-        </p:txBody>
-      </p:sp>
-      <p:sp>
-        <p:nvSpPr>
-          <p:cNvPr id="35" name="椭圆 34"/>
-          <p:cNvSpPr/>
-          <p:nvPr/>
-        </p:nvSpPr>
-        <p:spPr>
-          <a:xfrm>
-            <a:off x="6831538" y="4827514"/>
-            <a:ext cx="311100" cy="305720"/>
-          </a:xfrm>
-          <a:prstGeom prst="ellipse">
-            <a:avLst/>
-          </a:prstGeom>
-          <a:solidFill>
-            <a:srgbClr val="D6343F">
-              <a:alpha val="53000"/>
-            </a:srgbClr>
-          </a:solidFill>
-          <a:ln>
-            <a:noFill/>
-          </a:ln>
-        </p:spPr>
-        <p:style>
-          <a:lnRef idx="2">
-            <a:schemeClr val="accent1">
-              <a:shade val="50000"/>
-            </a:schemeClr>
-          </a:lnRef>
-          <a:fillRef idx="1">
-            <a:schemeClr val="accent1"/>
-          </a:fillRef>
-          <a:effectRef idx="0">
-            <a:schemeClr val="accent1"/>
-          </a:effectRef>
-          <a:fontRef idx="minor">
-            <a:schemeClr val="lt1"/>
-          </a:fontRef>
-        </p:style>
-        <p:txBody>
-          <a:bodyPr rtlCol="0" anchor="ctr"/>
-          <a:lstStyle/>
-          <a:p>
-            <a:pPr algn="ctr"/>
-            <a:endParaRPr lang="zh-HK" altLang="en-US"/>
-          </a:p>
-        </p:txBody>
-      </p:sp>
-    </p:spTree>
-    <p:extLst>
-      <p:ext uri="{BB962C8B-B14F-4D97-AF65-F5344CB8AC3E}">
-        <p14:creationId xmlns:p14="http://schemas.microsoft.com/office/powerpoint/2010/main" val="1145969728"/>
-      </p:ext>
-    </p:extLst>
-  </p:cSld>
-  <p:clrMapOvr>
-    <a:masterClrMapping/>
-  </p:clrMapOvr>
-  <p:transition>
-    <p:wipe/>
-  </p:transition>
-  <p:timing>
-    <p:tnLst>
-      <p:par>
-        <p:cTn id="1" dur="indefinite" restart="never" nodeType="tmRoot"/>
-      </p:par>
-    </p:tnLst>
-  </p:timing>
-</p:sld>
-</file>
-
-<file path=ppt/slides/slide30.xml><?xml version="1.0" encoding="utf-8"?>
+<file path=ppt/slides/slide34.xml><?xml version="1.0" encoding="utf-8"?>
 <p:sld xmlns:a="http://schemas.openxmlformats.org/drawingml/2006/main" xmlns:r="http://schemas.openxmlformats.org/officeDocument/2006/relationships" xmlns:p="http://schemas.openxmlformats.org/presentationml/2006/main">
   <p:cSld>
     <p:spTree>
@@ -12870,386 +14355,6 @@
     <p:extLst>
       <p:ext uri="{BB962C8B-B14F-4D97-AF65-F5344CB8AC3E}">
         <p14:creationId xmlns:p14="http://schemas.microsoft.com/office/powerpoint/2010/main" val="926408030"/>
-      </p:ext>
-    </p:extLst>
-  </p:cSld>
-  <p:clrMapOvr>
-    <a:masterClrMapping/>
-  </p:clrMapOvr>
-  <p:transition>
-    <p:wipe/>
-  </p:transition>
-  <p:timing>
-    <p:tnLst>
-      <p:par>
-        <p:cTn id="1" dur="indefinite" restart="never" nodeType="tmRoot"/>
-      </p:par>
-    </p:tnLst>
-  </p:timing>
-</p:sld>
-</file>
-
-<file path=ppt/slides/slide31.xml><?xml version="1.0" encoding="utf-8"?>
-<p:sld xmlns:a="http://schemas.openxmlformats.org/drawingml/2006/main" xmlns:r="http://schemas.openxmlformats.org/officeDocument/2006/relationships" xmlns:p="http://schemas.openxmlformats.org/presentationml/2006/main">
-  <p:cSld>
-    <p:spTree>
-      <p:nvGrpSpPr>
-        <p:cNvPr id="1" name=""/>
-        <p:cNvGrpSpPr/>
-        <p:nvPr/>
-      </p:nvGrpSpPr>
-      <p:grpSpPr>
-        <a:xfrm>
-          <a:off x="0" y="0"/>
-          <a:ext cx="0" cy="0"/>
-          <a:chOff x="0" y="0"/>
-          <a:chExt cx="0" cy="0"/>
-        </a:xfrm>
-      </p:grpSpPr>
-      <p:grpSp>
-        <p:nvGrpSpPr>
-          <p:cNvPr id="2" name="组合 1"/>
-          <p:cNvGrpSpPr/>
-          <p:nvPr/>
-        </p:nvGrpSpPr>
-        <p:grpSpPr>
-          <a:xfrm>
-            <a:off x="159654" y="86955"/>
-            <a:ext cx="3444158" cy="986484"/>
-            <a:chOff x="0" y="174039"/>
-            <a:chExt cx="3444158" cy="986484"/>
-          </a:xfrm>
-        </p:grpSpPr>
-        <p:sp>
-          <p:nvSpPr>
-            <p:cNvPr id="3" name="文本框 2"/>
-            <p:cNvSpPr txBox="1"/>
-            <p:nvPr/>
-          </p:nvSpPr>
-          <p:spPr>
-            <a:xfrm>
-              <a:off x="267877" y="174039"/>
-              <a:ext cx="3176281" cy="646331"/>
-            </a:xfrm>
-            <a:prstGeom prst="rect">
-              <a:avLst/>
-            </a:prstGeom>
-            <a:noFill/>
-          </p:spPr>
-          <p:txBody>
-            <a:bodyPr wrap="square" rtlCol="0">
-              <a:spAutoFit/>
-            </a:bodyPr>
-            <a:lstStyle/>
-            <a:p>
-              <a:r>
-                <a:rPr lang="zh-CN" altLang="en-US" sz="3600" b="1" spc="300" dirty="0" smtClean="0">
-                  <a:solidFill>
-                    <a:srgbClr val="D7343F"/>
-                  </a:solidFill>
-                  <a:latin typeface="微软雅黑" panose="020B0503020204020204" pitchFamily="34" charset="-122"/>
-                  <a:ea typeface="微软雅黑" panose="020B0503020204020204" pitchFamily="34" charset="-122"/>
-                </a:rPr>
-                <a:t>可行性研究</a:t>
-              </a:r>
-              <a:endParaRPr lang="zh-HK" altLang="en-US" sz="3600" b="1" spc="300" dirty="0">
-                <a:solidFill>
-                  <a:srgbClr val="D7343F"/>
-                </a:solidFill>
-                <a:latin typeface="微软雅黑" panose="020B0503020204020204" pitchFamily="34" charset="-122"/>
-                <a:ea typeface="微软雅黑" panose="020B0503020204020204" pitchFamily="34" charset="-122"/>
-              </a:endParaRPr>
-            </a:p>
-          </p:txBody>
-        </p:sp>
-        <p:sp>
-          <p:nvSpPr>
-            <p:cNvPr id="4" name="文本框 3"/>
-            <p:cNvSpPr txBox="1"/>
-            <p:nvPr/>
-          </p:nvSpPr>
-          <p:spPr>
-            <a:xfrm>
-              <a:off x="267877" y="760413"/>
-              <a:ext cx="2620469" cy="400110"/>
-            </a:xfrm>
-            <a:prstGeom prst="rect">
-              <a:avLst/>
-            </a:prstGeom>
-            <a:noFill/>
-          </p:spPr>
-          <p:txBody>
-            <a:bodyPr wrap="square" rtlCol="0">
-              <a:spAutoFit/>
-            </a:bodyPr>
-            <a:lstStyle/>
-            <a:p>
-              <a:r>
-                <a:rPr lang="zh-CN" altLang="en-US" sz="2000" b="1" spc="300" dirty="0" smtClean="0">
-                  <a:solidFill>
-                    <a:srgbClr val="485766"/>
-                  </a:solidFill>
-                  <a:latin typeface="微软雅黑" panose="020B0503020204020204" pitchFamily="34" charset="-122"/>
-                  <a:ea typeface="微软雅黑" panose="020B0503020204020204" pitchFamily="34" charset="-122"/>
-                </a:rPr>
-                <a:t>技术开发架构</a:t>
-              </a:r>
-              <a:endParaRPr lang="zh-HK" altLang="en-US" sz="2000" b="1" spc="300" dirty="0">
-                <a:solidFill>
-                  <a:srgbClr val="485766"/>
-                </a:solidFill>
-                <a:latin typeface="微软雅黑" panose="020B0503020204020204" pitchFamily="34" charset="-122"/>
-                <a:ea typeface="微软雅黑" panose="020B0503020204020204" pitchFamily="34" charset="-122"/>
-              </a:endParaRPr>
-            </a:p>
-          </p:txBody>
-        </p:sp>
-        <p:sp>
-          <p:nvSpPr>
-            <p:cNvPr id="5" name="矩形 4"/>
-            <p:cNvSpPr/>
-            <p:nvPr/>
-          </p:nvSpPr>
-          <p:spPr>
-            <a:xfrm>
-              <a:off x="0" y="260350"/>
-              <a:ext cx="201202" cy="831850"/>
-            </a:xfrm>
-            <a:prstGeom prst="rect">
-              <a:avLst/>
-            </a:prstGeom>
-            <a:solidFill>
-              <a:srgbClr val="D6343F"/>
-            </a:solidFill>
-            <a:ln>
-              <a:noFill/>
-            </a:ln>
-          </p:spPr>
-          <p:style>
-            <a:lnRef idx="2">
-              <a:schemeClr val="accent1">
-                <a:shade val="50000"/>
-              </a:schemeClr>
-            </a:lnRef>
-            <a:fillRef idx="1">
-              <a:schemeClr val="accent1"/>
-            </a:fillRef>
-            <a:effectRef idx="0">
-              <a:schemeClr val="accent1"/>
-            </a:effectRef>
-            <a:fontRef idx="minor">
-              <a:schemeClr val="lt1"/>
-            </a:fontRef>
-          </p:style>
-          <p:txBody>
-            <a:bodyPr rtlCol="0" anchor="ctr"/>
-            <a:lstStyle/>
-            <a:p>
-              <a:pPr algn="ctr"/>
-              <a:endParaRPr lang="zh-HK" altLang="en-US">
-                <a:solidFill>
-                  <a:srgbClr val="D7343F"/>
-                </a:solidFill>
-              </a:endParaRPr>
-            </a:p>
-          </p:txBody>
-        </p:sp>
-      </p:grpSp>
-      <p:pic>
-        <p:nvPicPr>
-          <p:cNvPr id="6" name="图片 5"/>
-          <p:cNvPicPr/>
-          <p:nvPr/>
-        </p:nvPicPr>
-        <p:blipFill>
-          <a:blip r:embed="rId2">
-            <a:extLst>
-              <a:ext uri="{28A0092B-C50C-407E-A947-70E740481C1C}">
-                <a14:useLocalDpi xmlns:a14="http://schemas.microsoft.com/office/drawing/2010/main" val="0"/>
-              </a:ext>
-            </a:extLst>
-          </a:blip>
-          <a:stretch>
-            <a:fillRect/>
-          </a:stretch>
-        </p:blipFill>
-        <p:spPr>
-          <a:xfrm>
-            <a:off x="360856" y="1319660"/>
-            <a:ext cx="6572160" cy="4280791"/>
-          </a:xfrm>
-          <a:prstGeom prst="rect">
-            <a:avLst/>
-          </a:prstGeom>
-        </p:spPr>
-      </p:pic>
-      <p:sp>
-        <p:nvSpPr>
-          <p:cNvPr id="7" name="文本框 6"/>
-          <p:cNvSpPr txBox="1"/>
-          <p:nvPr/>
-        </p:nvSpPr>
-        <p:spPr>
-          <a:xfrm>
-            <a:off x="7197634" y="1187117"/>
-            <a:ext cx="4493623" cy="5029390"/>
-          </a:xfrm>
-          <a:prstGeom prst="rect">
-            <a:avLst/>
-          </a:prstGeom>
-          <a:noFill/>
-        </p:spPr>
-        <p:txBody>
-          <a:bodyPr wrap="square" rtlCol="0">
-            <a:spAutoFit/>
-          </a:bodyPr>
-          <a:lstStyle/>
-          <a:p>
-            <a:pPr>
-              <a:lnSpc>
-                <a:spcPct val="150000"/>
-              </a:lnSpc>
-            </a:pPr>
-            <a:r>
-              <a:rPr lang="zh-CN" altLang="zh-CN" dirty="0">
-                <a:latin typeface="微软雅黑" panose="020B0503020204020204" pitchFamily="34" charset="-122"/>
-                <a:ea typeface="微软雅黑" panose="020B0503020204020204" pitchFamily="34" charset="-122"/>
-              </a:rPr>
-              <a:t>本系统分为表现层，接口访问层，业务服务层，数据访问层。</a:t>
-            </a:r>
-          </a:p>
-          <a:p>
-            <a:pPr>
-              <a:lnSpc>
-                <a:spcPct val="150000"/>
-              </a:lnSpc>
-            </a:pPr>
-            <a:r>
-              <a:rPr lang="zh-CN" altLang="zh-CN" b="1" dirty="0">
-                <a:latin typeface="微软雅黑" panose="020B0503020204020204" pitchFamily="34" charset="-122"/>
-                <a:ea typeface="微软雅黑" panose="020B0503020204020204" pitchFamily="34" charset="-122"/>
-              </a:rPr>
-              <a:t>视图层</a:t>
-            </a:r>
-            <a:r>
-              <a:rPr lang="zh-CN" altLang="zh-CN" dirty="0">
-                <a:latin typeface="微软雅黑" panose="020B0503020204020204" pitchFamily="34" charset="-122"/>
-                <a:ea typeface="微软雅黑" panose="020B0503020204020204" pitchFamily="34" charset="-122"/>
-              </a:rPr>
-              <a:t>主要负责数据的展示，网页的展示。包含系统的显示逻辑，位于客户端。通过</a:t>
-            </a:r>
-            <a:r>
-              <a:rPr lang="en-US" altLang="zh-CN" dirty="0">
-                <a:latin typeface="微软雅黑" panose="020B0503020204020204" pitchFamily="34" charset="-122"/>
-                <a:ea typeface="微软雅黑" panose="020B0503020204020204" pitchFamily="34" charset="-122"/>
-              </a:rPr>
-              <a:t>Restful API </a:t>
-            </a:r>
-            <a:r>
-              <a:rPr lang="zh-CN" altLang="zh-CN" dirty="0">
-                <a:latin typeface="微软雅黑" panose="020B0503020204020204" pitchFamily="34" charset="-122"/>
-                <a:ea typeface="微软雅黑" panose="020B0503020204020204" pitchFamily="34" charset="-122"/>
-              </a:rPr>
-              <a:t>向后台请求数据。</a:t>
-            </a:r>
-          </a:p>
-          <a:p>
-            <a:pPr>
-              <a:lnSpc>
-                <a:spcPct val="150000"/>
-              </a:lnSpc>
-            </a:pPr>
-            <a:r>
-              <a:rPr lang="zh-CN" altLang="zh-CN" b="1" dirty="0">
-                <a:latin typeface="微软雅黑" panose="020B0503020204020204" pitchFamily="34" charset="-122"/>
-                <a:ea typeface="微软雅黑" panose="020B0503020204020204" pitchFamily="34" charset="-122"/>
-              </a:rPr>
-              <a:t>接口访问层</a:t>
-            </a:r>
-            <a:r>
-              <a:rPr lang="zh-CN" altLang="zh-CN" dirty="0">
-                <a:latin typeface="微软雅黑" panose="020B0503020204020204" pitchFamily="34" charset="-122"/>
-                <a:ea typeface="微软雅黑" panose="020B0503020204020204" pitchFamily="34" charset="-122"/>
-              </a:rPr>
-              <a:t>主要负责对前台</a:t>
-            </a:r>
-            <a:r>
-              <a:rPr lang="en-US" altLang="zh-CN" dirty="0">
-                <a:latin typeface="微软雅黑" panose="020B0503020204020204" pitchFamily="34" charset="-122"/>
-                <a:ea typeface="微软雅黑" panose="020B0503020204020204" pitchFamily="34" charset="-122"/>
-              </a:rPr>
-              <a:t>Restful API</a:t>
-            </a:r>
-            <a:r>
-              <a:rPr lang="zh-CN" altLang="zh-CN" dirty="0">
-                <a:latin typeface="微软雅黑" panose="020B0503020204020204" pitchFamily="34" charset="-122"/>
-                <a:ea typeface="微软雅黑" panose="020B0503020204020204" pitchFamily="34" charset="-122"/>
-              </a:rPr>
-              <a:t>的解析，并通过</a:t>
-            </a:r>
-            <a:r>
-              <a:rPr lang="en-US" altLang="zh-CN" dirty="0">
-                <a:latin typeface="微软雅黑" panose="020B0503020204020204" pitchFamily="34" charset="-122"/>
-                <a:ea typeface="微软雅黑" panose="020B0503020204020204" pitchFamily="34" charset="-122"/>
-              </a:rPr>
-              <a:t>API</a:t>
-            </a:r>
-            <a:r>
-              <a:rPr lang="zh-CN" altLang="zh-CN" dirty="0">
-                <a:latin typeface="微软雅黑" panose="020B0503020204020204" pitchFamily="34" charset="-122"/>
-                <a:ea typeface="微软雅黑" panose="020B0503020204020204" pitchFamily="34" charset="-122"/>
-              </a:rPr>
-              <a:t>网关来转发请求。</a:t>
-            </a:r>
-          </a:p>
-          <a:p>
-            <a:pPr>
-              <a:lnSpc>
-                <a:spcPct val="150000"/>
-              </a:lnSpc>
-            </a:pPr>
-            <a:r>
-              <a:rPr lang="zh-CN" altLang="zh-CN" b="1" dirty="0">
-                <a:latin typeface="微软雅黑" panose="020B0503020204020204" pitchFamily="34" charset="-122"/>
-                <a:ea typeface="微软雅黑" panose="020B0503020204020204" pitchFamily="34" charset="-122"/>
-              </a:rPr>
-              <a:t>业务层</a:t>
-            </a:r>
-            <a:r>
-              <a:rPr lang="zh-CN" altLang="zh-CN" dirty="0">
-                <a:latin typeface="微软雅黑" panose="020B0503020204020204" pitchFamily="34" charset="-122"/>
-                <a:ea typeface="微软雅黑" panose="020B0503020204020204" pitchFamily="34" charset="-122"/>
-              </a:rPr>
-              <a:t>主要负责对具体问题的操作，在微服务架构中，会调取一个个的微服务用于实现相关的业务逻辑。 </a:t>
-            </a:r>
-          </a:p>
-          <a:p>
-            <a:pPr>
-              <a:lnSpc>
-                <a:spcPct val="150000"/>
-              </a:lnSpc>
-            </a:pPr>
-            <a:r>
-              <a:rPr lang="zh-CN" altLang="zh-CN" b="1" dirty="0">
-                <a:latin typeface="微软雅黑" panose="020B0503020204020204" pitchFamily="34" charset="-122"/>
-                <a:ea typeface="微软雅黑" panose="020B0503020204020204" pitchFamily="34" charset="-122"/>
-              </a:rPr>
-              <a:t>数据访问层</a:t>
-            </a:r>
-            <a:r>
-              <a:rPr lang="zh-CN" altLang="zh-CN" dirty="0">
-                <a:latin typeface="微软雅黑" panose="020B0503020204020204" pitchFamily="34" charset="-122"/>
-                <a:ea typeface="微软雅黑" panose="020B0503020204020204" pitchFamily="34" charset="-122"/>
-              </a:rPr>
-              <a:t>主要负责对数据的处理，如数据的访问，事务处理，以及缓存。</a:t>
-            </a:r>
-          </a:p>
-        </p:txBody>
-      </p:sp>
-    </p:spTree>
-    <p:extLst>
-      <p:ext uri="{BB962C8B-B14F-4D97-AF65-F5344CB8AC3E}">
-        <p14:creationId xmlns:p14="http://schemas.microsoft.com/office/powerpoint/2010/main" val="1399887534"/>
       </p:ext>
     </p:extLst>
   </p:cSld>
@@ -19930,7 +21035,7 @@
                   <a:latin typeface="微软雅黑" panose="020B0503020204020204" pitchFamily="34" charset="-122"/>
                   <a:ea typeface="微软雅黑" panose="020B0503020204020204" pitchFamily="34" charset="-122"/>
                 </a:rPr>
-                <a:t>项目特色</a:t>
+                <a:t>技术开发架构</a:t>
               </a:r>
               <a:endParaRPr lang="zh-HK" altLang="en-US" sz="2000" b="1" spc="300" dirty="0">
                 <a:solidFill>
@@ -19993,186 +21098,9 @@
           </p:txBody>
         </p:sp>
       </p:grpSp>
-      <p:sp>
-        <p:nvSpPr>
-          <p:cNvPr id="30" name="矩形 29"/>
-          <p:cNvSpPr/>
-          <p:nvPr/>
-        </p:nvSpPr>
-        <p:spPr>
-          <a:xfrm>
-            <a:off x="1980837" y="1322931"/>
-            <a:ext cx="2031325" cy="369332"/>
-          </a:xfrm>
-          <a:prstGeom prst="rect">
-            <a:avLst/>
-          </a:prstGeom>
-        </p:spPr>
-        <p:txBody>
-          <a:bodyPr wrap="none">
-            <a:spAutoFit/>
-          </a:bodyPr>
-          <a:lstStyle/>
-          <a:p>
-            <a:r>
-              <a:rPr lang="zh-CN" altLang="en-US" b="1" dirty="0" smtClean="0">
-                <a:latin typeface="微软雅黑" panose="020B0503020204020204" pitchFamily="34" charset="-122"/>
-                <a:ea typeface="微软雅黑" panose="020B0503020204020204" pitchFamily="34" charset="-122"/>
-              </a:rPr>
-              <a:t>系统派单自动调度</a:t>
-            </a:r>
-            <a:endParaRPr lang="zh-CN" altLang="en-US" dirty="0"/>
-          </a:p>
-        </p:txBody>
-      </p:sp>
-      <p:sp>
-        <p:nvSpPr>
-          <p:cNvPr id="8" name="文本框 7"/>
-          <p:cNvSpPr txBox="1"/>
-          <p:nvPr/>
-        </p:nvSpPr>
-        <p:spPr>
-          <a:xfrm>
-            <a:off x="901337" y="2076994"/>
-            <a:ext cx="4950823" cy="3277820"/>
-          </a:xfrm>
-          <a:prstGeom prst="rect">
-            <a:avLst/>
-          </a:prstGeom>
-          <a:noFill/>
-        </p:spPr>
-        <p:txBody>
-          <a:bodyPr wrap="square" rtlCol="0">
-            <a:spAutoFit/>
-          </a:bodyPr>
-          <a:lstStyle/>
-          <a:p>
-            <a:pPr>
-              <a:lnSpc>
-                <a:spcPct val="150000"/>
-              </a:lnSpc>
-            </a:pPr>
-            <a:r>
-              <a:rPr lang="zh-CN" altLang="zh-CN" dirty="0" smtClean="0">
-                <a:latin typeface="微软雅黑" panose="020B0503020204020204" pitchFamily="34" charset="-122"/>
-                <a:ea typeface="微软雅黑" panose="020B0503020204020204" pitchFamily="34" charset="-122"/>
-              </a:rPr>
-              <a:t>随着</a:t>
-            </a:r>
-            <a:r>
-              <a:rPr lang="zh-CN" altLang="zh-CN" dirty="0">
-                <a:latin typeface="微软雅黑" panose="020B0503020204020204" pitchFamily="34" charset="-122"/>
-                <a:ea typeface="微软雅黑" panose="020B0503020204020204" pitchFamily="34" charset="-122"/>
-              </a:rPr>
-              <a:t>数据采集的不断完善和人工智能技术的不断成熟，通过人工智能的方法来进行订单的指派，具有巨大的收益，成为各个配送平台研究的热点之一。</a:t>
-            </a:r>
-          </a:p>
-          <a:p>
-            <a:pPr>
-              <a:lnSpc>
-                <a:spcPct val="150000"/>
-              </a:lnSpc>
-            </a:pPr>
-            <a:r>
-              <a:rPr lang="zh-CN" altLang="zh-CN" dirty="0">
-                <a:latin typeface="微软雅黑" panose="020B0503020204020204" pitchFamily="34" charset="-122"/>
-                <a:ea typeface="微软雅黑" panose="020B0503020204020204" pitchFamily="34" charset="-122"/>
-              </a:rPr>
-              <a:t>我们根据大数据分析算法来针对性的</a:t>
-            </a:r>
-            <a:r>
-              <a:rPr lang="zh-CN" altLang="zh-CN" dirty="0" smtClean="0">
-                <a:latin typeface="微软雅黑" panose="020B0503020204020204" pitchFamily="34" charset="-122"/>
-                <a:ea typeface="微软雅黑" panose="020B0503020204020204" pitchFamily="34" charset="-122"/>
-              </a:rPr>
-              <a:t>为</a:t>
-            </a:r>
-            <a:r>
-              <a:rPr lang="zh-CN" altLang="en-US" dirty="0">
-                <a:latin typeface="微软雅黑" panose="020B0503020204020204" pitchFamily="34" charset="-122"/>
-                <a:ea typeface="微软雅黑" panose="020B0503020204020204" pitchFamily="34" charset="-122"/>
-              </a:rPr>
-              <a:t>跑腿</a:t>
-            </a:r>
-            <a:r>
-              <a:rPr lang="zh-CN" altLang="zh-CN" dirty="0" smtClean="0">
-                <a:latin typeface="微软雅黑" panose="020B0503020204020204" pitchFamily="34" charset="-122"/>
-                <a:ea typeface="微软雅黑" panose="020B0503020204020204" pitchFamily="34" charset="-122"/>
-              </a:rPr>
-              <a:t>员</a:t>
-            </a:r>
-            <a:r>
-              <a:rPr lang="zh-CN" altLang="zh-CN" dirty="0">
-                <a:latin typeface="微软雅黑" panose="020B0503020204020204" pitchFamily="34" charset="-122"/>
-                <a:ea typeface="微软雅黑" panose="020B0503020204020204" pitchFamily="34" charset="-122"/>
-              </a:rPr>
-              <a:t>规划出一条取货路径，并</a:t>
-            </a:r>
-            <a:r>
-              <a:rPr lang="zh-CN" altLang="zh-CN" dirty="0" smtClean="0">
-                <a:latin typeface="微软雅黑" panose="020B0503020204020204" pitchFamily="34" charset="-122"/>
-                <a:ea typeface="微软雅黑" panose="020B0503020204020204" pitchFamily="34" charset="-122"/>
-              </a:rPr>
-              <a:t>根据</a:t>
-            </a:r>
-            <a:r>
-              <a:rPr lang="zh-CN" altLang="en-US" dirty="0">
-                <a:latin typeface="微软雅黑" panose="020B0503020204020204" pitchFamily="34" charset="-122"/>
-                <a:ea typeface="微软雅黑" panose="020B0503020204020204" pitchFamily="34" charset="-122"/>
-              </a:rPr>
-              <a:t>跑腿</a:t>
-            </a:r>
-            <a:r>
-              <a:rPr lang="zh-CN" altLang="zh-CN" dirty="0" smtClean="0">
-                <a:latin typeface="微软雅黑" panose="020B0503020204020204" pitchFamily="34" charset="-122"/>
-                <a:ea typeface="微软雅黑" panose="020B0503020204020204" pitchFamily="34" charset="-122"/>
-              </a:rPr>
-              <a:t>员</a:t>
-            </a:r>
-            <a:r>
-              <a:rPr lang="zh-CN" altLang="zh-CN" dirty="0">
-                <a:latin typeface="微软雅黑" panose="020B0503020204020204" pitchFamily="34" charset="-122"/>
-                <a:ea typeface="微软雅黑" panose="020B0503020204020204" pitchFamily="34" charset="-122"/>
-              </a:rPr>
-              <a:t>的所处地域，自动派单</a:t>
-            </a:r>
-            <a:r>
-              <a:rPr lang="zh-CN" altLang="zh-CN" dirty="0" smtClean="0">
-                <a:latin typeface="微软雅黑" panose="020B0503020204020204" pitchFamily="34" charset="-122"/>
-                <a:ea typeface="微软雅黑" panose="020B0503020204020204" pitchFamily="34" charset="-122"/>
-              </a:rPr>
-              <a:t>给</a:t>
-            </a:r>
-            <a:r>
-              <a:rPr lang="zh-CN" altLang="en-US" dirty="0">
-                <a:latin typeface="微软雅黑" panose="020B0503020204020204" pitchFamily="34" charset="-122"/>
-                <a:ea typeface="微软雅黑" panose="020B0503020204020204" pitchFamily="34" charset="-122"/>
-              </a:rPr>
-              <a:t>跑腿</a:t>
-            </a:r>
-            <a:r>
-              <a:rPr lang="zh-CN" altLang="zh-CN" dirty="0" smtClean="0">
-                <a:latin typeface="微软雅黑" panose="020B0503020204020204" pitchFamily="34" charset="-122"/>
-                <a:ea typeface="微软雅黑" panose="020B0503020204020204" pitchFamily="34" charset="-122"/>
-              </a:rPr>
-              <a:t>员</a:t>
-            </a:r>
-            <a:r>
-              <a:rPr lang="zh-CN" altLang="zh-CN" dirty="0">
-                <a:latin typeface="微软雅黑" panose="020B0503020204020204" pitchFamily="34" charset="-122"/>
-                <a:ea typeface="微软雅黑" panose="020B0503020204020204" pitchFamily="34" charset="-122"/>
-              </a:rPr>
-              <a:t>。</a:t>
-            </a:r>
-          </a:p>
-          <a:p>
-            <a:endParaRPr lang="zh-CN" altLang="en-US" dirty="0"/>
-          </a:p>
-        </p:txBody>
-      </p:sp>
       <p:pic>
         <p:nvPicPr>
-          <p:cNvPr id="32" name="图片 31"/>
+          <p:cNvPr id="6" name="图片 5"/>
           <p:cNvPicPr/>
           <p:nvPr/>
         </p:nvPicPr>
@@ -20190,18 +21118,181 @@
         </p:blipFill>
         <p:spPr>
           <a:xfrm>
-            <a:off x="6037534" y="2076994"/>
-            <a:ext cx="5760085" cy="2348865"/>
+            <a:off x="360856" y="1319660"/>
+            <a:ext cx="6572160" cy="4280791"/>
           </a:xfrm>
           <a:prstGeom prst="rect">
             <a:avLst/>
           </a:prstGeom>
         </p:spPr>
       </p:pic>
+      <p:sp>
+        <p:nvSpPr>
+          <p:cNvPr id="7" name="文本框 6"/>
+          <p:cNvSpPr txBox="1"/>
+          <p:nvPr/>
+        </p:nvSpPr>
+        <p:spPr>
+          <a:xfrm>
+            <a:off x="7197634" y="1187117"/>
+            <a:ext cx="4493623" cy="5029390"/>
+          </a:xfrm>
+          <a:prstGeom prst="rect">
+            <a:avLst/>
+          </a:prstGeom>
+          <a:noFill/>
+        </p:spPr>
+        <p:txBody>
+          <a:bodyPr wrap="square" rtlCol="0">
+            <a:spAutoFit/>
+          </a:bodyPr>
+          <a:lstStyle/>
+          <a:p>
+            <a:pPr>
+              <a:lnSpc>
+                <a:spcPct val="150000"/>
+              </a:lnSpc>
+            </a:pPr>
+            <a:r>
+              <a:rPr lang="zh-CN" altLang="zh-CN" dirty="0">
+                <a:latin typeface="微软雅黑" panose="020B0503020204020204" pitchFamily="34" charset="-122"/>
+                <a:ea typeface="微软雅黑" panose="020B0503020204020204" pitchFamily="34" charset="-122"/>
+              </a:rPr>
+              <a:t>本系统分为表现层，接口访问层，业务服务层，数据访问层。</a:t>
+            </a:r>
+          </a:p>
+          <a:p>
+            <a:pPr>
+              <a:lnSpc>
+                <a:spcPct val="150000"/>
+              </a:lnSpc>
+            </a:pPr>
+            <a:r>
+              <a:rPr lang="zh-CN" altLang="zh-CN" b="1" dirty="0">
+                <a:latin typeface="微软雅黑" panose="020B0503020204020204" pitchFamily="34" charset="-122"/>
+                <a:ea typeface="微软雅黑" panose="020B0503020204020204" pitchFamily="34" charset="-122"/>
+              </a:rPr>
+              <a:t>视图层</a:t>
+            </a:r>
+            <a:r>
+              <a:rPr lang="zh-CN" altLang="zh-CN" dirty="0">
+                <a:latin typeface="微软雅黑" panose="020B0503020204020204" pitchFamily="34" charset="-122"/>
+                <a:ea typeface="微软雅黑" panose="020B0503020204020204" pitchFamily="34" charset="-122"/>
+              </a:rPr>
+              <a:t>主要负责数据的展示，网页的展示。包含系统的显示逻辑，位于客户端。通过</a:t>
+            </a:r>
+            <a:r>
+              <a:rPr lang="en-US" altLang="zh-CN" dirty="0">
+                <a:latin typeface="微软雅黑" panose="020B0503020204020204" pitchFamily="34" charset="-122"/>
+                <a:ea typeface="微软雅黑" panose="020B0503020204020204" pitchFamily="34" charset="-122"/>
+              </a:rPr>
+              <a:t>Restful API </a:t>
+            </a:r>
+            <a:r>
+              <a:rPr lang="zh-CN" altLang="zh-CN" dirty="0">
+                <a:latin typeface="微软雅黑" panose="020B0503020204020204" pitchFamily="34" charset="-122"/>
+                <a:ea typeface="微软雅黑" panose="020B0503020204020204" pitchFamily="34" charset="-122"/>
+              </a:rPr>
+              <a:t>向后台请求数据。</a:t>
+            </a:r>
+          </a:p>
+          <a:p>
+            <a:pPr>
+              <a:lnSpc>
+                <a:spcPct val="150000"/>
+              </a:lnSpc>
+            </a:pPr>
+            <a:r>
+              <a:rPr lang="zh-CN" altLang="zh-CN" b="1" dirty="0">
+                <a:latin typeface="微软雅黑" panose="020B0503020204020204" pitchFamily="34" charset="-122"/>
+                <a:ea typeface="微软雅黑" panose="020B0503020204020204" pitchFamily="34" charset="-122"/>
+              </a:rPr>
+              <a:t>接口访问层</a:t>
+            </a:r>
+            <a:r>
+              <a:rPr lang="zh-CN" altLang="zh-CN" dirty="0">
+                <a:latin typeface="微软雅黑" panose="020B0503020204020204" pitchFamily="34" charset="-122"/>
+                <a:ea typeface="微软雅黑" panose="020B0503020204020204" pitchFamily="34" charset="-122"/>
+              </a:rPr>
+              <a:t>主要负责对前台</a:t>
+            </a:r>
+            <a:r>
+              <a:rPr lang="en-US" altLang="zh-CN" dirty="0">
+                <a:latin typeface="微软雅黑" panose="020B0503020204020204" pitchFamily="34" charset="-122"/>
+                <a:ea typeface="微软雅黑" panose="020B0503020204020204" pitchFamily="34" charset="-122"/>
+              </a:rPr>
+              <a:t>Restful API</a:t>
+            </a:r>
+            <a:r>
+              <a:rPr lang="zh-CN" altLang="zh-CN" dirty="0">
+                <a:latin typeface="微软雅黑" panose="020B0503020204020204" pitchFamily="34" charset="-122"/>
+                <a:ea typeface="微软雅黑" panose="020B0503020204020204" pitchFamily="34" charset="-122"/>
+              </a:rPr>
+              <a:t>的解析，并通过</a:t>
+            </a:r>
+            <a:r>
+              <a:rPr lang="en-US" altLang="zh-CN" dirty="0">
+                <a:latin typeface="微软雅黑" panose="020B0503020204020204" pitchFamily="34" charset="-122"/>
+                <a:ea typeface="微软雅黑" panose="020B0503020204020204" pitchFamily="34" charset="-122"/>
+              </a:rPr>
+              <a:t>API</a:t>
+            </a:r>
+            <a:r>
+              <a:rPr lang="zh-CN" altLang="zh-CN" dirty="0">
+                <a:latin typeface="微软雅黑" panose="020B0503020204020204" pitchFamily="34" charset="-122"/>
+                <a:ea typeface="微软雅黑" panose="020B0503020204020204" pitchFamily="34" charset="-122"/>
+              </a:rPr>
+              <a:t>网关来转发请求。</a:t>
+            </a:r>
+          </a:p>
+          <a:p>
+            <a:pPr>
+              <a:lnSpc>
+                <a:spcPct val="150000"/>
+              </a:lnSpc>
+            </a:pPr>
+            <a:r>
+              <a:rPr lang="zh-CN" altLang="zh-CN" b="1" dirty="0">
+                <a:latin typeface="微软雅黑" panose="020B0503020204020204" pitchFamily="34" charset="-122"/>
+                <a:ea typeface="微软雅黑" panose="020B0503020204020204" pitchFamily="34" charset="-122"/>
+              </a:rPr>
+              <a:t>业务层</a:t>
+            </a:r>
+            <a:r>
+              <a:rPr lang="zh-CN" altLang="zh-CN" dirty="0">
+                <a:latin typeface="微软雅黑" panose="020B0503020204020204" pitchFamily="34" charset="-122"/>
+                <a:ea typeface="微软雅黑" panose="020B0503020204020204" pitchFamily="34" charset="-122"/>
+              </a:rPr>
+              <a:t>主要负责对具体问题的操作，在微服务架构中，会调取一个个的微服务用于实现相关的业务逻辑。 </a:t>
+            </a:r>
+          </a:p>
+          <a:p>
+            <a:pPr>
+              <a:lnSpc>
+                <a:spcPct val="150000"/>
+              </a:lnSpc>
+            </a:pPr>
+            <a:r>
+              <a:rPr lang="zh-CN" altLang="zh-CN" b="1" dirty="0">
+                <a:latin typeface="微软雅黑" panose="020B0503020204020204" pitchFamily="34" charset="-122"/>
+                <a:ea typeface="微软雅黑" panose="020B0503020204020204" pitchFamily="34" charset="-122"/>
+              </a:rPr>
+              <a:t>数据访问层</a:t>
+            </a:r>
+            <a:r>
+              <a:rPr lang="zh-CN" altLang="zh-CN" dirty="0">
+                <a:latin typeface="微软雅黑" panose="020B0503020204020204" pitchFamily="34" charset="-122"/>
+                <a:ea typeface="微软雅黑" panose="020B0503020204020204" pitchFamily="34" charset="-122"/>
+              </a:rPr>
+              <a:t>主要负责对数据的处理，如数据的访问，事务处理，以及缓存。</a:t>
+            </a:r>
+          </a:p>
+        </p:txBody>
+      </p:sp>
     </p:spTree>
     <p:extLst>
       <p:ext uri="{BB962C8B-B14F-4D97-AF65-F5344CB8AC3E}">
-        <p14:creationId xmlns:p14="http://schemas.microsoft.com/office/powerpoint/2010/main" val="3281269682"/>
+        <p14:creationId xmlns:p14="http://schemas.microsoft.com/office/powerpoint/2010/main" val="1399887534"/>
       </p:ext>
     </p:extLst>
   </p:cSld>
